--- a/Soutenance/Diaporama.pptx
+++ b/Soutenance/Diaporama.pptx
@@ -116,6 +116,11 @@
       </a:defRPr>
     </a:lvl9pPr>
   </p:defaultTextStyle>
+  <p:extLst>
+    <p:ext uri="{EFAFB233-063F-42B5-8137-9DF3F51BA10A}">
+      <p15:sldGuideLst xmlns:p15="http://schemas.microsoft.com/office/powerpoint/2012/main"/>
+    </p:ext>
+  </p:extLst>
 </p:presentation>
 </file>
 
@@ -749,7 +754,7 @@
           <a:noFill/>
           <a:extLst>
             <a:ext uri="{909E8E84-426E-40dd-AFC4-6F175D3DCCD1}">
-              <a14:hiddenFill xmlns:a14="http://schemas.microsoft.com/office/drawing/2010/main" xmlns="">
+              <a14:hiddenFill xmlns="" xmlns:a14="http://schemas.microsoft.com/office/drawing/2010/main">
                 <a:solidFill>
                   <a:srgbClr val="FFFFFF"/>
                 </a:solidFill>
@@ -809,7 +814,7 @@
             </a:ln>
             <a:extLst>
               <a:ext uri="{91240B29-F687-4f45-9708-019B960494DF}">
-                <a14:hiddenLine xmlns:a14="http://schemas.microsoft.com/office/drawing/2010/main" xmlns="" w="9525">
+                <a14:hiddenLine xmlns="" xmlns:a14="http://schemas.microsoft.com/office/drawing/2010/main" w="9525">
                   <a:solidFill>
                     <a:srgbClr val="000000"/>
                   </a:solidFill>
@@ -899,7 +904,7 @@
             </a:ln>
             <a:extLst>
               <a:ext uri="{91240B29-F687-4f45-9708-019B960494DF}">
-                <a14:hiddenLine xmlns:a14="http://schemas.microsoft.com/office/drawing/2010/main" xmlns="" w="9525">
+                <a14:hiddenLine xmlns="" xmlns:a14="http://schemas.microsoft.com/office/drawing/2010/main" w="9525">
                   <a:solidFill>
                     <a:srgbClr val="000000"/>
                   </a:solidFill>
@@ -989,7 +994,7 @@
             </a:ln>
             <a:extLst>
               <a:ext uri="{91240B29-F687-4f45-9708-019B960494DF}">
-                <a14:hiddenLine xmlns:a14="http://schemas.microsoft.com/office/drawing/2010/main" xmlns="" w="9525">
+                <a14:hiddenLine xmlns="" xmlns:a14="http://schemas.microsoft.com/office/drawing/2010/main" w="9525">
                   <a:solidFill>
                     <a:srgbClr val="000000"/>
                   </a:solidFill>
@@ -1023,7 +1028,7 @@
             </a:ln>
             <a:extLst>
               <a:ext uri="{91240B29-F687-4f45-9708-019B960494DF}">
-                <a14:hiddenLine xmlns:a14="http://schemas.microsoft.com/office/drawing/2010/main" xmlns="" w="9525">
+                <a14:hiddenLine xmlns="" xmlns:a14="http://schemas.microsoft.com/office/drawing/2010/main" w="9525">
                   <a:solidFill>
                     <a:srgbClr val="000000"/>
                   </a:solidFill>
@@ -1113,7 +1118,7 @@
             </a:ln>
             <a:extLst>
               <a:ext uri="{91240B29-F687-4f45-9708-019B960494DF}">
-                <a14:hiddenLine xmlns:a14="http://schemas.microsoft.com/office/drawing/2010/main" xmlns="" w="9525">
+                <a14:hiddenLine xmlns="" xmlns:a14="http://schemas.microsoft.com/office/drawing/2010/main" w="9525">
                   <a:solidFill>
                     <a:srgbClr val="000000"/>
                   </a:solidFill>
@@ -1175,7 +1180,7 @@
             </a:ln>
             <a:extLst>
               <a:ext uri="{91240B29-F687-4f45-9708-019B960494DF}">
-                <a14:hiddenLine xmlns:a14="http://schemas.microsoft.com/office/drawing/2010/main" xmlns="" w="9525">
+                <a14:hiddenLine xmlns="" xmlns:a14="http://schemas.microsoft.com/office/drawing/2010/main" w="9525">
                   <a:solidFill>
                     <a:srgbClr val="000000"/>
                   </a:solidFill>
@@ -1237,7 +1242,7 @@
             </a:ln>
             <a:extLst>
               <a:ext uri="{91240B29-F687-4f45-9708-019B960494DF}">
-                <a14:hiddenLine xmlns:a14="http://schemas.microsoft.com/office/drawing/2010/main" xmlns="" w="9525">
+                <a14:hiddenLine xmlns="" xmlns:a14="http://schemas.microsoft.com/office/drawing/2010/main" w="9525">
                   <a:solidFill>
                     <a:srgbClr val="000000"/>
                   </a:solidFill>
@@ -1327,7 +1332,7 @@
             </a:ln>
             <a:extLst>
               <a:ext uri="{91240B29-F687-4f45-9708-019B960494DF}">
-                <a14:hiddenLine xmlns:a14="http://schemas.microsoft.com/office/drawing/2010/main" xmlns="" w="9525">
+                <a14:hiddenLine xmlns="" xmlns:a14="http://schemas.microsoft.com/office/drawing/2010/main" w="9525">
                   <a:solidFill>
                     <a:srgbClr val="000000"/>
                   </a:solidFill>
@@ -1389,7 +1394,7 @@
             </a:ln>
             <a:extLst>
               <a:ext uri="{91240B29-F687-4f45-9708-019B960494DF}">
-                <a14:hiddenLine xmlns:a14="http://schemas.microsoft.com/office/drawing/2010/main" xmlns="" w="9525">
+                <a14:hiddenLine xmlns="" xmlns:a14="http://schemas.microsoft.com/office/drawing/2010/main" w="9525">
                   <a:solidFill>
                     <a:srgbClr val="000000"/>
                   </a:solidFill>
@@ -1451,7 +1456,7 @@
             </a:ln>
             <a:extLst>
               <a:ext uri="{91240B29-F687-4f45-9708-019B960494DF}">
-                <a14:hiddenLine xmlns:a14="http://schemas.microsoft.com/office/drawing/2010/main" xmlns="" w="9525">
+                <a14:hiddenLine xmlns="" xmlns:a14="http://schemas.microsoft.com/office/drawing/2010/main" w="9525">
                   <a:solidFill>
                     <a:srgbClr val="000000"/>
                   </a:solidFill>
@@ -1541,7 +1546,7 @@
             </a:ln>
             <a:extLst>
               <a:ext uri="{91240B29-F687-4f45-9708-019B960494DF}">
-                <a14:hiddenLine xmlns:a14="http://schemas.microsoft.com/office/drawing/2010/main" xmlns="" w="9525">
+                <a14:hiddenLine xmlns="" xmlns:a14="http://schemas.microsoft.com/office/drawing/2010/main" w="9525">
                   <a:solidFill>
                     <a:srgbClr val="000000"/>
                   </a:solidFill>
@@ -1631,7 +1636,7 @@
             </a:ln>
             <a:extLst>
               <a:ext uri="{91240B29-F687-4f45-9708-019B960494DF}">
-                <a14:hiddenLine xmlns:a14="http://schemas.microsoft.com/office/drawing/2010/main" xmlns="" w="9525">
+                <a14:hiddenLine xmlns="" xmlns:a14="http://schemas.microsoft.com/office/drawing/2010/main" w="9525">
                   <a:solidFill>
                     <a:srgbClr val="000000"/>
                   </a:solidFill>
@@ -1693,7 +1698,7 @@
             </a:ln>
             <a:extLst>
               <a:ext uri="{91240B29-F687-4f45-9708-019B960494DF}">
-                <a14:hiddenLine xmlns:a14="http://schemas.microsoft.com/office/drawing/2010/main" xmlns="" w="9525">
+                <a14:hiddenLine xmlns="" xmlns:a14="http://schemas.microsoft.com/office/drawing/2010/main" w="9525">
                   <a:solidFill>
                     <a:srgbClr val="000000"/>
                   </a:solidFill>
@@ -1803,7 +1808,7 @@
             </a:ln>
             <a:extLst>
               <a:ext uri="{91240B29-F687-4f45-9708-019B960494DF}">
-                <a14:hiddenLine xmlns:a14="http://schemas.microsoft.com/office/drawing/2010/main" xmlns="" w="9525">
+                <a14:hiddenLine xmlns="" xmlns:a14="http://schemas.microsoft.com/office/drawing/2010/main" w="9525">
                   <a:solidFill>
                     <a:srgbClr val="000000"/>
                   </a:solidFill>
@@ -1865,7 +1870,7 @@
             </a:ln>
             <a:extLst>
               <a:ext uri="{91240B29-F687-4f45-9708-019B960494DF}">
-                <a14:hiddenLine xmlns:a14="http://schemas.microsoft.com/office/drawing/2010/main" xmlns="" w="9525">
+                <a14:hiddenLine xmlns="" xmlns:a14="http://schemas.microsoft.com/office/drawing/2010/main" w="9525">
                   <a:solidFill>
                     <a:srgbClr val="000000"/>
                   </a:solidFill>
@@ -1955,7 +1960,7 @@
             </a:ln>
             <a:extLst>
               <a:ext uri="{91240B29-F687-4f45-9708-019B960494DF}">
-                <a14:hiddenLine xmlns:a14="http://schemas.microsoft.com/office/drawing/2010/main" xmlns="" w="9525">
+                <a14:hiddenLine xmlns="" xmlns:a14="http://schemas.microsoft.com/office/drawing/2010/main" w="9525">
                   <a:solidFill>
                     <a:srgbClr val="000000"/>
                   </a:solidFill>
@@ -2045,7 +2050,7 @@
             </a:ln>
             <a:extLst>
               <a:ext uri="{91240B29-F687-4f45-9708-019B960494DF}">
-                <a14:hiddenLine xmlns:a14="http://schemas.microsoft.com/office/drawing/2010/main" xmlns="" w="9525">
+                <a14:hiddenLine xmlns="" xmlns:a14="http://schemas.microsoft.com/office/drawing/2010/main" w="9525">
                   <a:solidFill>
                     <a:srgbClr val="000000"/>
                   </a:solidFill>
@@ -2107,7 +2112,7 @@
             </a:ln>
             <a:extLst>
               <a:ext uri="{91240B29-F687-4f45-9708-019B960494DF}">
-                <a14:hiddenLine xmlns:a14="http://schemas.microsoft.com/office/drawing/2010/main" xmlns="" w="9525">
+                <a14:hiddenLine xmlns="" xmlns:a14="http://schemas.microsoft.com/office/drawing/2010/main" w="9525">
                   <a:solidFill>
                     <a:srgbClr val="000000"/>
                   </a:solidFill>
@@ -2197,7 +2202,7 @@
             </a:ln>
             <a:extLst>
               <a:ext uri="{91240B29-F687-4f45-9708-019B960494DF}">
-                <a14:hiddenLine xmlns:a14="http://schemas.microsoft.com/office/drawing/2010/main" xmlns="" w="9525">
+                <a14:hiddenLine xmlns="" xmlns:a14="http://schemas.microsoft.com/office/drawing/2010/main" w="9525">
                   <a:solidFill>
                     <a:srgbClr val="000000"/>
                   </a:solidFill>
@@ -2287,7 +2292,7 @@
             </a:ln>
             <a:extLst>
               <a:ext uri="{91240B29-F687-4f45-9708-019B960494DF}">
-                <a14:hiddenLine xmlns:a14="http://schemas.microsoft.com/office/drawing/2010/main" xmlns="" w="9525">
+                <a14:hiddenLine xmlns="" xmlns:a14="http://schemas.microsoft.com/office/drawing/2010/main" w="9525">
                   <a:solidFill>
                     <a:srgbClr val="000000"/>
                   </a:solidFill>
@@ -2343,7 +2348,7 @@
             </a:ln>
             <a:extLst>
               <a:ext uri="{91240B29-F687-4f45-9708-019B960494DF}">
-                <a14:hiddenLine xmlns:a14="http://schemas.microsoft.com/office/drawing/2010/main" xmlns="" w="9525">
+                <a14:hiddenLine xmlns="" xmlns:a14="http://schemas.microsoft.com/office/drawing/2010/main" w="9525">
                   <a:solidFill>
                     <a:srgbClr val="000000"/>
                   </a:solidFill>
@@ -2433,7 +2438,7 @@
             </a:ln>
             <a:extLst>
               <a:ext uri="{91240B29-F687-4f45-9708-019B960494DF}">
-                <a14:hiddenLine xmlns:a14="http://schemas.microsoft.com/office/drawing/2010/main" xmlns="" w="9525">
+                <a14:hiddenLine xmlns="" xmlns:a14="http://schemas.microsoft.com/office/drawing/2010/main" w="9525">
                   <a:solidFill>
                     <a:srgbClr val="000000"/>
                   </a:solidFill>
@@ -2489,7 +2494,7 @@
             </a:ln>
             <a:extLst>
               <a:ext uri="{91240B29-F687-4f45-9708-019B960494DF}">
-                <a14:hiddenLine xmlns:a14="http://schemas.microsoft.com/office/drawing/2010/main" xmlns="" w="9525">
+                <a14:hiddenLine xmlns="" xmlns:a14="http://schemas.microsoft.com/office/drawing/2010/main" w="9525">
                   <a:solidFill>
                     <a:srgbClr val="000000"/>
                   </a:solidFill>
@@ -2579,7 +2584,7 @@
             </a:ln>
             <a:extLst>
               <a:ext uri="{91240B29-F687-4f45-9708-019B960494DF}">
-                <a14:hiddenLine xmlns:a14="http://schemas.microsoft.com/office/drawing/2010/main" xmlns="" w="9525">
+                <a14:hiddenLine xmlns="" xmlns:a14="http://schemas.microsoft.com/office/drawing/2010/main" w="9525">
                   <a:solidFill>
                     <a:srgbClr val="000000"/>
                   </a:solidFill>
@@ -2647,7 +2652,7 @@
             </a:ln>
             <a:extLst>
               <a:ext uri="{91240B29-F687-4f45-9708-019B960494DF}">
-                <a14:hiddenLine xmlns:a14="http://schemas.microsoft.com/office/drawing/2010/main" xmlns="" w="9525">
+                <a14:hiddenLine xmlns="" xmlns:a14="http://schemas.microsoft.com/office/drawing/2010/main" w="9525">
                   <a:solidFill>
                     <a:srgbClr val="000000"/>
                   </a:solidFill>
@@ -2737,7 +2742,7 @@
             </a:ln>
             <a:extLst>
               <a:ext uri="{91240B29-F687-4f45-9708-019B960494DF}">
-                <a14:hiddenLine xmlns:a14="http://schemas.microsoft.com/office/drawing/2010/main" xmlns="" w="9525">
+                <a14:hiddenLine xmlns="" xmlns:a14="http://schemas.microsoft.com/office/drawing/2010/main" w="9525">
                   <a:solidFill>
                     <a:srgbClr val="000000"/>
                   </a:solidFill>
@@ -2805,7 +2810,7 @@
             </a:ln>
             <a:extLst>
               <a:ext uri="{91240B29-F687-4f45-9708-019B960494DF}">
-                <a14:hiddenLine xmlns:a14="http://schemas.microsoft.com/office/drawing/2010/main" xmlns="" w="9525">
+                <a14:hiddenLine xmlns="" xmlns:a14="http://schemas.microsoft.com/office/drawing/2010/main" w="9525">
                   <a:solidFill>
                     <a:srgbClr val="000000"/>
                   </a:solidFill>
@@ -2895,7 +2900,7 @@
             </a:ln>
             <a:extLst>
               <a:ext uri="{91240B29-F687-4f45-9708-019B960494DF}">
-                <a14:hiddenLine xmlns:a14="http://schemas.microsoft.com/office/drawing/2010/main" xmlns="" w="9525">
+                <a14:hiddenLine xmlns="" xmlns:a14="http://schemas.microsoft.com/office/drawing/2010/main" w="9525">
                   <a:solidFill>
                     <a:srgbClr val="000000"/>
                   </a:solidFill>
@@ -2929,7 +2934,7 @@
             </a:ln>
             <a:extLst>
               <a:ext uri="{91240B29-F687-4f45-9708-019B960494DF}">
-                <a14:hiddenLine xmlns:a14="http://schemas.microsoft.com/office/drawing/2010/main" xmlns="" w="9525">
+                <a14:hiddenLine xmlns="" xmlns:a14="http://schemas.microsoft.com/office/drawing/2010/main" w="9525">
                   <a:solidFill>
                     <a:srgbClr val="000000"/>
                   </a:solidFill>
@@ -3019,7 +3024,7 @@
             </a:ln>
             <a:extLst>
               <a:ext uri="{91240B29-F687-4f45-9708-019B960494DF}">
-                <a14:hiddenLine xmlns:a14="http://schemas.microsoft.com/office/drawing/2010/main" xmlns="" w="9525">
+                <a14:hiddenLine xmlns="" xmlns:a14="http://schemas.microsoft.com/office/drawing/2010/main" w="9525">
                   <a:solidFill>
                     <a:srgbClr val="000000"/>
                   </a:solidFill>
@@ -3081,7 +3086,7 @@
             </a:ln>
             <a:extLst>
               <a:ext uri="{91240B29-F687-4f45-9708-019B960494DF}">
-                <a14:hiddenLine xmlns:a14="http://schemas.microsoft.com/office/drawing/2010/main" xmlns="" w="9525">
+                <a14:hiddenLine xmlns="" xmlns:a14="http://schemas.microsoft.com/office/drawing/2010/main" w="9525">
                   <a:solidFill>
                     <a:srgbClr val="000000"/>
                   </a:solidFill>
@@ -3143,7 +3148,7 @@
             </a:ln>
             <a:extLst>
               <a:ext uri="{91240B29-F687-4f45-9708-019B960494DF}">
-                <a14:hiddenLine xmlns:a14="http://schemas.microsoft.com/office/drawing/2010/main" xmlns="" w="9525">
+                <a14:hiddenLine xmlns="" xmlns:a14="http://schemas.microsoft.com/office/drawing/2010/main" w="9525">
                   <a:solidFill>
                     <a:srgbClr val="000000"/>
                   </a:solidFill>
@@ -3233,7 +3238,7 @@
             </a:ln>
             <a:extLst>
               <a:ext uri="{91240B29-F687-4f45-9708-019B960494DF}">
-                <a14:hiddenLine xmlns:a14="http://schemas.microsoft.com/office/drawing/2010/main" xmlns="" w="9525">
+                <a14:hiddenLine xmlns="" xmlns:a14="http://schemas.microsoft.com/office/drawing/2010/main" w="9525">
                   <a:solidFill>
                     <a:srgbClr val="000000"/>
                   </a:solidFill>
@@ -3301,7 +3306,7 @@
             </a:ln>
             <a:extLst>
               <a:ext uri="{91240B29-F687-4f45-9708-019B960494DF}">
-                <a14:hiddenLine xmlns:a14="http://schemas.microsoft.com/office/drawing/2010/main" xmlns="" w="9525">
+                <a14:hiddenLine xmlns="" xmlns:a14="http://schemas.microsoft.com/office/drawing/2010/main" w="9525">
                   <a:solidFill>
                     <a:srgbClr val="000000"/>
                   </a:solidFill>
@@ -3363,7 +3368,7 @@
             </a:ln>
             <a:extLst>
               <a:ext uri="{91240B29-F687-4f45-9708-019B960494DF}">
-                <a14:hiddenLine xmlns:a14="http://schemas.microsoft.com/office/drawing/2010/main" xmlns="" w="9525">
+                <a14:hiddenLine xmlns="" xmlns:a14="http://schemas.microsoft.com/office/drawing/2010/main" w="9525">
                   <a:solidFill>
                     <a:srgbClr val="000000"/>
                   </a:solidFill>
@@ -3453,7 +3458,7 @@
             </a:ln>
             <a:extLst>
               <a:ext uri="{91240B29-F687-4f45-9708-019B960494DF}">
-                <a14:hiddenLine xmlns:a14="http://schemas.microsoft.com/office/drawing/2010/main" xmlns="" w="9525">
+                <a14:hiddenLine xmlns="" xmlns:a14="http://schemas.microsoft.com/office/drawing/2010/main" w="9525">
                   <a:solidFill>
                     <a:srgbClr val="000000"/>
                   </a:solidFill>
@@ -3515,7 +3520,7 @@
             </a:ln>
             <a:extLst>
               <a:ext uri="{91240B29-F687-4f45-9708-019B960494DF}">
-                <a14:hiddenLine xmlns:a14="http://schemas.microsoft.com/office/drawing/2010/main" xmlns="" w="9525">
+                <a14:hiddenLine xmlns="" xmlns:a14="http://schemas.microsoft.com/office/drawing/2010/main" w="9525">
                   <a:solidFill>
                     <a:srgbClr val="000000"/>
                   </a:solidFill>
@@ -3605,7 +3610,7 @@
             </a:ln>
             <a:extLst>
               <a:ext uri="{91240B29-F687-4f45-9708-019B960494DF}">
-                <a14:hiddenLine xmlns:a14="http://schemas.microsoft.com/office/drawing/2010/main" xmlns="" w="9525">
+                <a14:hiddenLine xmlns="" xmlns:a14="http://schemas.microsoft.com/office/drawing/2010/main" w="9525">
                   <a:solidFill>
                     <a:srgbClr val="000000"/>
                   </a:solidFill>
@@ -3667,7 +3672,7 @@
             </a:ln>
             <a:extLst>
               <a:ext uri="{91240B29-F687-4f45-9708-019B960494DF}">
-                <a14:hiddenLine xmlns:a14="http://schemas.microsoft.com/office/drawing/2010/main" xmlns="" w="9525">
+                <a14:hiddenLine xmlns="" xmlns:a14="http://schemas.microsoft.com/office/drawing/2010/main" w="9525">
                   <a:solidFill>
                     <a:srgbClr val="000000"/>
                   </a:solidFill>
@@ -3757,7 +3762,7 @@
             </a:ln>
             <a:extLst>
               <a:ext uri="{91240B29-F687-4f45-9708-019B960494DF}">
-                <a14:hiddenLine xmlns:a14="http://schemas.microsoft.com/office/drawing/2010/main" xmlns="" w="9525">
+                <a14:hiddenLine xmlns="" xmlns:a14="http://schemas.microsoft.com/office/drawing/2010/main" w="9525">
                   <a:solidFill>
                     <a:srgbClr val="000000"/>
                   </a:solidFill>
@@ -3791,7 +3796,7 @@
             </a:ln>
             <a:extLst>
               <a:ext uri="{91240B29-F687-4f45-9708-019B960494DF}">
-                <a14:hiddenLine xmlns:a14="http://schemas.microsoft.com/office/drawing/2010/main" xmlns="" w="9525">
+                <a14:hiddenLine xmlns="" xmlns:a14="http://schemas.microsoft.com/office/drawing/2010/main" w="9525">
                   <a:solidFill>
                     <a:srgbClr val="000000"/>
                   </a:solidFill>
@@ -3856,7 +3861,7 @@
             </a:ln>
             <a:extLst>
               <a:ext uri="{91240B29-F687-4f45-9708-019B960494DF}">
-                <a14:hiddenLine xmlns:a14="http://schemas.microsoft.com/office/drawing/2010/main" xmlns="" w="9525">
+                <a14:hiddenLine xmlns="" xmlns:a14="http://schemas.microsoft.com/office/drawing/2010/main" w="9525">
                   <a:solidFill>
                     <a:srgbClr val="000000"/>
                   </a:solidFill>
@@ -3946,7 +3951,7 @@
             </a:ln>
             <a:extLst>
               <a:ext uri="{91240B29-F687-4f45-9708-019B960494DF}">
-                <a14:hiddenLine xmlns:a14="http://schemas.microsoft.com/office/drawing/2010/main" xmlns="" w="9525">
+                <a14:hiddenLine xmlns="" xmlns:a14="http://schemas.microsoft.com/office/drawing/2010/main" w="9525">
                   <a:solidFill>
                     <a:srgbClr val="000000"/>
                   </a:solidFill>
@@ -4008,7 +4013,7 @@
             </a:ln>
             <a:extLst>
               <a:ext uri="{91240B29-F687-4f45-9708-019B960494DF}">
-                <a14:hiddenLine xmlns:a14="http://schemas.microsoft.com/office/drawing/2010/main" xmlns="" w="9525">
+                <a14:hiddenLine xmlns="" xmlns:a14="http://schemas.microsoft.com/office/drawing/2010/main" w="9525">
                   <a:solidFill>
                     <a:srgbClr val="000000"/>
                   </a:solidFill>
@@ -4098,7 +4103,7 @@
             </a:ln>
             <a:extLst>
               <a:ext uri="{91240B29-F687-4f45-9708-019B960494DF}">
-                <a14:hiddenLine xmlns:a14="http://schemas.microsoft.com/office/drawing/2010/main" xmlns="" w="9525">
+                <a14:hiddenLine xmlns="" xmlns:a14="http://schemas.microsoft.com/office/drawing/2010/main" w="9525">
                   <a:solidFill>
                     <a:srgbClr val="000000"/>
                   </a:solidFill>
@@ -4188,7 +4193,7 @@
             </a:ln>
             <a:extLst>
               <a:ext uri="{91240B29-F687-4f45-9708-019B960494DF}">
-                <a14:hiddenLine xmlns:a14="http://schemas.microsoft.com/office/drawing/2010/main" xmlns="" w="9525">
+                <a14:hiddenLine xmlns="" xmlns:a14="http://schemas.microsoft.com/office/drawing/2010/main" w="9525">
                   <a:solidFill>
                     <a:srgbClr val="000000"/>
                   </a:solidFill>
@@ -4253,7 +4258,7 @@
             </a:ln>
             <a:extLst>
               <a:ext uri="{91240B29-F687-4f45-9708-019B960494DF}">
-                <a14:hiddenLine xmlns:a14="http://schemas.microsoft.com/office/drawing/2010/main" xmlns="" w="9525">
+                <a14:hiddenLine xmlns="" xmlns:a14="http://schemas.microsoft.com/office/drawing/2010/main" w="9525">
                   <a:solidFill>
                     <a:srgbClr val="000000"/>
                   </a:solidFill>
@@ -4315,7 +4320,7 @@
             </a:ln>
             <a:extLst>
               <a:ext uri="{91240B29-F687-4f45-9708-019B960494DF}">
-                <a14:hiddenLine xmlns:a14="http://schemas.microsoft.com/office/drawing/2010/main" xmlns="" w="9525">
+                <a14:hiddenLine xmlns="" xmlns:a14="http://schemas.microsoft.com/office/drawing/2010/main" w="9525">
                   <a:solidFill>
                     <a:srgbClr val="000000"/>
                   </a:solidFill>
@@ -4405,7 +4410,7 @@
             </a:ln>
             <a:extLst>
               <a:ext uri="{91240B29-F687-4f45-9708-019B960494DF}">
-                <a14:hiddenLine xmlns:a14="http://schemas.microsoft.com/office/drawing/2010/main" xmlns="" w="9525">
+                <a14:hiddenLine xmlns="" xmlns:a14="http://schemas.microsoft.com/office/drawing/2010/main" w="9525">
                   <a:solidFill>
                     <a:srgbClr val="000000"/>
                   </a:solidFill>
@@ -4495,7 +4500,7 @@
             </a:ln>
             <a:extLst>
               <a:ext uri="{91240B29-F687-4f45-9708-019B960494DF}">
-                <a14:hiddenLine xmlns:a14="http://schemas.microsoft.com/office/drawing/2010/main" xmlns="" w="9525">
+                <a14:hiddenLine xmlns="" xmlns:a14="http://schemas.microsoft.com/office/drawing/2010/main" w="9525">
                   <a:solidFill>
                     <a:srgbClr val="000000"/>
                   </a:solidFill>
@@ -4557,7 +4562,7 @@
             </a:ln>
             <a:extLst>
               <a:ext uri="{91240B29-F687-4f45-9708-019B960494DF}">
-                <a14:hiddenLine xmlns:a14="http://schemas.microsoft.com/office/drawing/2010/main" xmlns="" w="9525">
+                <a14:hiddenLine xmlns="" xmlns:a14="http://schemas.microsoft.com/office/drawing/2010/main" w="9525">
                   <a:solidFill>
                     <a:srgbClr val="000000"/>
                   </a:solidFill>
@@ -4677,7 +4682,7 @@
             </a:ln>
             <a:extLst>
               <a:ext uri="{91240B29-F687-4f45-9708-019B960494DF}">
-                <a14:hiddenLine xmlns:a14="http://schemas.microsoft.com/office/drawing/2010/main" xmlns="" w="9525">
+                <a14:hiddenLine xmlns="" xmlns:a14="http://schemas.microsoft.com/office/drawing/2010/main" w="9525">
                   <a:solidFill>
                     <a:srgbClr val="000000"/>
                   </a:solidFill>
@@ -4745,7 +4750,7 @@
             </a:ln>
             <a:extLst>
               <a:ext uri="{91240B29-F687-4f45-9708-019B960494DF}">
-                <a14:hiddenLine xmlns:a14="http://schemas.microsoft.com/office/drawing/2010/main" xmlns="" w="9525">
+                <a14:hiddenLine xmlns="" xmlns:a14="http://schemas.microsoft.com/office/drawing/2010/main" w="9525">
                   <a:solidFill>
                     <a:srgbClr val="000000"/>
                   </a:solidFill>
@@ -4835,7 +4840,7 @@
             </a:ln>
             <a:extLst>
               <a:ext uri="{91240B29-F687-4f45-9708-019B960494DF}">
-                <a14:hiddenLine xmlns:a14="http://schemas.microsoft.com/office/drawing/2010/main" xmlns="" w="9525">
+                <a14:hiddenLine xmlns="" xmlns:a14="http://schemas.microsoft.com/office/drawing/2010/main" w="9525">
                   <a:solidFill>
                     <a:srgbClr val="000000"/>
                   </a:solidFill>
@@ -9642,7 +9647,7 @@
           <a:noFill/>
           <a:extLst>
             <a:ext uri="{909E8E84-426E-40dd-AFC4-6F175D3DCCD1}">
-              <a14:hiddenFill xmlns:a14="http://schemas.microsoft.com/office/drawing/2010/main" xmlns="">
+              <a14:hiddenFill xmlns="" xmlns:a14="http://schemas.microsoft.com/office/drawing/2010/main">
                 <a:solidFill>
                   <a:srgbClr val="FFFFFF"/>
                 </a:solidFill>
@@ -9716,7 +9721,7 @@
               </a:ln>
               <a:extLst>
                 <a:ext uri="{91240B29-F687-4f45-9708-019B960494DF}">
-                  <a14:hiddenLine xmlns:a14="http://schemas.microsoft.com/office/drawing/2010/main" xmlns="" w="9525">
+                  <a14:hiddenLine xmlns="" xmlns:a14="http://schemas.microsoft.com/office/drawing/2010/main" w="9525">
                     <a:solidFill>
                       <a:srgbClr val="000000"/>
                     </a:solidFill>
@@ -9806,7 +9811,7 @@
               </a:ln>
               <a:extLst>
                 <a:ext uri="{91240B29-F687-4f45-9708-019B960494DF}">
-                  <a14:hiddenLine xmlns:a14="http://schemas.microsoft.com/office/drawing/2010/main" xmlns="" w="9525">
+                  <a14:hiddenLine xmlns="" xmlns:a14="http://schemas.microsoft.com/office/drawing/2010/main" w="9525">
                     <a:solidFill>
                       <a:srgbClr val="000000"/>
                     </a:solidFill>
@@ -9896,7 +9901,7 @@
               </a:ln>
               <a:extLst>
                 <a:ext uri="{91240B29-F687-4f45-9708-019B960494DF}">
-                  <a14:hiddenLine xmlns:a14="http://schemas.microsoft.com/office/drawing/2010/main" xmlns="" w="9525">
+                  <a14:hiddenLine xmlns="" xmlns:a14="http://schemas.microsoft.com/office/drawing/2010/main" w="9525">
                     <a:solidFill>
                       <a:srgbClr val="000000"/>
                     </a:solidFill>
@@ -9958,7 +9963,7 @@
               </a:ln>
               <a:extLst>
                 <a:ext uri="{91240B29-F687-4f45-9708-019B960494DF}">
-                  <a14:hiddenLine xmlns:a14="http://schemas.microsoft.com/office/drawing/2010/main" xmlns="" w="9525">
+                  <a14:hiddenLine xmlns="" xmlns:a14="http://schemas.microsoft.com/office/drawing/2010/main" w="9525">
                     <a:solidFill>
                       <a:srgbClr val="000000"/>
                     </a:solidFill>
@@ -10048,7 +10053,7 @@
               </a:ln>
               <a:extLst>
                 <a:ext uri="{91240B29-F687-4f45-9708-019B960494DF}">
-                  <a14:hiddenLine xmlns:a14="http://schemas.microsoft.com/office/drawing/2010/main" xmlns="" w="9525">
+                  <a14:hiddenLine xmlns="" xmlns:a14="http://schemas.microsoft.com/office/drawing/2010/main" w="9525">
                     <a:solidFill>
                       <a:srgbClr val="000000"/>
                     </a:solidFill>
@@ -10110,7 +10115,7 @@
               </a:ln>
               <a:extLst>
                 <a:ext uri="{91240B29-F687-4f45-9708-019B960494DF}">
-                  <a14:hiddenLine xmlns:a14="http://schemas.microsoft.com/office/drawing/2010/main" xmlns="" w="9525">
+                  <a14:hiddenLine xmlns="" xmlns:a14="http://schemas.microsoft.com/office/drawing/2010/main" w="9525">
                     <a:solidFill>
                       <a:srgbClr val="000000"/>
                     </a:solidFill>
@@ -10172,7 +10177,7 @@
               </a:ln>
               <a:extLst>
                 <a:ext uri="{91240B29-F687-4f45-9708-019B960494DF}">
-                  <a14:hiddenLine xmlns:a14="http://schemas.microsoft.com/office/drawing/2010/main" xmlns="" w="9525">
+                  <a14:hiddenLine xmlns="" xmlns:a14="http://schemas.microsoft.com/office/drawing/2010/main" w="9525">
                     <a:solidFill>
                       <a:srgbClr val="000000"/>
                     </a:solidFill>
@@ -10262,7 +10267,7 @@
               </a:ln>
               <a:extLst>
                 <a:ext uri="{91240B29-F687-4f45-9708-019B960494DF}">
-                  <a14:hiddenLine xmlns:a14="http://schemas.microsoft.com/office/drawing/2010/main" xmlns="" w="9525">
+                  <a14:hiddenLine xmlns="" xmlns:a14="http://schemas.microsoft.com/office/drawing/2010/main" w="9525">
                     <a:solidFill>
                       <a:srgbClr val="000000"/>
                     </a:solidFill>
@@ -10352,7 +10357,7 @@
               </a:ln>
               <a:extLst>
                 <a:ext uri="{91240B29-F687-4f45-9708-019B960494DF}">
-                  <a14:hiddenLine xmlns:a14="http://schemas.microsoft.com/office/drawing/2010/main" xmlns="" w="9525">
+                  <a14:hiddenLine xmlns="" xmlns:a14="http://schemas.microsoft.com/office/drawing/2010/main" w="9525">
                     <a:solidFill>
                       <a:srgbClr val="000000"/>
                     </a:solidFill>
@@ -10414,7 +10419,7 @@
               </a:ln>
               <a:extLst>
                 <a:ext uri="{91240B29-F687-4f45-9708-019B960494DF}">
-                  <a14:hiddenLine xmlns:a14="http://schemas.microsoft.com/office/drawing/2010/main" xmlns="" w="9525">
+                  <a14:hiddenLine xmlns="" xmlns:a14="http://schemas.microsoft.com/office/drawing/2010/main" w="9525">
                     <a:solidFill>
                       <a:srgbClr val="000000"/>
                     </a:solidFill>
@@ -10524,7 +10529,7 @@
               </a:ln>
               <a:extLst>
                 <a:ext uri="{91240B29-F687-4f45-9708-019B960494DF}">
-                  <a14:hiddenLine xmlns:a14="http://schemas.microsoft.com/office/drawing/2010/main" xmlns="" w="9525">
+                  <a14:hiddenLine xmlns="" xmlns:a14="http://schemas.microsoft.com/office/drawing/2010/main" w="9525">
                     <a:solidFill>
                       <a:srgbClr val="000000"/>
                     </a:solidFill>
@@ -10608,7 +10613,7 @@
               </a:ln>
               <a:extLst>
                 <a:ext uri="{91240B29-F687-4f45-9708-019B960494DF}">
-                  <a14:hiddenLine xmlns:a14="http://schemas.microsoft.com/office/drawing/2010/main" xmlns="" w="9525">
+                  <a14:hiddenLine xmlns="" xmlns:a14="http://schemas.microsoft.com/office/drawing/2010/main" w="9525">
                     <a:solidFill>
                       <a:srgbClr val="000000"/>
                     </a:solidFill>
@@ -10670,7 +10675,7 @@
               </a:ln>
               <a:extLst>
                 <a:ext uri="{91240B29-F687-4f45-9708-019B960494DF}">
-                  <a14:hiddenLine xmlns:a14="http://schemas.microsoft.com/office/drawing/2010/main" xmlns="" w="9525">
+                  <a14:hiddenLine xmlns="" xmlns:a14="http://schemas.microsoft.com/office/drawing/2010/main" w="9525">
                     <a:solidFill>
                       <a:srgbClr val="000000"/>
                     </a:solidFill>
@@ -10732,7 +10737,7 @@
               </a:ln>
               <a:extLst>
                 <a:ext uri="{91240B29-F687-4f45-9708-019B960494DF}">
-                  <a14:hiddenLine xmlns:a14="http://schemas.microsoft.com/office/drawing/2010/main" xmlns="" w="9525">
+                  <a14:hiddenLine xmlns="" xmlns:a14="http://schemas.microsoft.com/office/drawing/2010/main" w="9525">
                     <a:solidFill>
                       <a:srgbClr val="000000"/>
                     </a:solidFill>
@@ -10822,7 +10827,7 @@
               </a:ln>
               <a:extLst>
                 <a:ext uri="{91240B29-F687-4f45-9708-019B960494DF}">
-                  <a14:hiddenLine xmlns:a14="http://schemas.microsoft.com/office/drawing/2010/main" xmlns="" w="9525">
+                  <a14:hiddenLine xmlns="" xmlns:a14="http://schemas.microsoft.com/office/drawing/2010/main" w="9525">
                     <a:solidFill>
                       <a:srgbClr val="000000"/>
                     </a:solidFill>
@@ -10856,7 +10861,7 @@
               </a:ln>
               <a:extLst>
                 <a:ext uri="{91240B29-F687-4f45-9708-019B960494DF}">
-                  <a14:hiddenLine xmlns:a14="http://schemas.microsoft.com/office/drawing/2010/main" xmlns="" w="9525">
+                  <a14:hiddenLine xmlns="" xmlns:a14="http://schemas.microsoft.com/office/drawing/2010/main" w="9525">
                     <a:solidFill>
                       <a:srgbClr val="000000"/>
                     </a:solidFill>
@@ -10921,7 +10926,7 @@
               </a:ln>
               <a:extLst>
                 <a:ext uri="{91240B29-F687-4f45-9708-019B960494DF}">
-                  <a14:hiddenLine xmlns:a14="http://schemas.microsoft.com/office/drawing/2010/main" xmlns="" w="9525">
+                  <a14:hiddenLine xmlns="" xmlns:a14="http://schemas.microsoft.com/office/drawing/2010/main" w="9525">
                     <a:solidFill>
                       <a:srgbClr val="000000"/>
                     </a:solidFill>
@@ -11011,7 +11016,7 @@
               </a:ln>
               <a:extLst>
                 <a:ext uri="{91240B29-F687-4f45-9708-019B960494DF}">
-                  <a14:hiddenLine xmlns:a14="http://schemas.microsoft.com/office/drawing/2010/main" xmlns="" w="9525">
+                  <a14:hiddenLine xmlns="" xmlns:a14="http://schemas.microsoft.com/office/drawing/2010/main" w="9525">
                     <a:solidFill>
                       <a:srgbClr val="000000"/>
                     </a:solidFill>
@@ -11073,7 +11078,7 @@
               </a:ln>
               <a:extLst>
                 <a:ext uri="{91240B29-F687-4f45-9708-019B960494DF}">
-                  <a14:hiddenLine xmlns:a14="http://schemas.microsoft.com/office/drawing/2010/main" xmlns="" w="9525">
+                  <a14:hiddenLine xmlns="" xmlns:a14="http://schemas.microsoft.com/office/drawing/2010/main" w="9525">
                     <a:solidFill>
                       <a:srgbClr val="000000"/>
                     </a:solidFill>
@@ -11163,7 +11168,7 @@
               </a:ln>
               <a:extLst>
                 <a:ext uri="{91240B29-F687-4f45-9708-019B960494DF}">
-                  <a14:hiddenLine xmlns:a14="http://schemas.microsoft.com/office/drawing/2010/main" xmlns="" w="9525">
+                  <a14:hiddenLine xmlns="" xmlns:a14="http://schemas.microsoft.com/office/drawing/2010/main" w="9525">
                     <a:solidFill>
                       <a:srgbClr val="000000"/>
                     </a:solidFill>
@@ -11228,7 +11233,7 @@
               </a:ln>
               <a:extLst>
                 <a:ext uri="{91240B29-F687-4f45-9708-019B960494DF}">
-                  <a14:hiddenLine xmlns:a14="http://schemas.microsoft.com/office/drawing/2010/main" xmlns="" w="9525">
+                  <a14:hiddenLine xmlns="" xmlns:a14="http://schemas.microsoft.com/office/drawing/2010/main" w="9525">
                     <a:solidFill>
                       <a:srgbClr val="000000"/>
                     </a:solidFill>
@@ -11290,7 +11295,7 @@
               </a:ln>
               <a:extLst>
                 <a:ext uri="{91240B29-F687-4f45-9708-019B960494DF}">
-                  <a14:hiddenLine xmlns:a14="http://schemas.microsoft.com/office/drawing/2010/main" xmlns="" w="9525">
+                  <a14:hiddenLine xmlns="" xmlns:a14="http://schemas.microsoft.com/office/drawing/2010/main" w="9525">
                     <a:solidFill>
                       <a:srgbClr val="000000"/>
                     </a:solidFill>
@@ -11380,7 +11385,7 @@
               </a:ln>
               <a:extLst>
                 <a:ext uri="{91240B29-F687-4f45-9708-019B960494DF}">
-                  <a14:hiddenLine xmlns:a14="http://schemas.microsoft.com/office/drawing/2010/main" xmlns="" w="9525">
+                  <a14:hiddenLine xmlns="" xmlns:a14="http://schemas.microsoft.com/office/drawing/2010/main" w="9525">
                     <a:solidFill>
                       <a:srgbClr val="000000"/>
                     </a:solidFill>
@@ -11470,7 +11475,7 @@
               </a:ln>
               <a:extLst>
                 <a:ext uri="{91240B29-F687-4f45-9708-019B960494DF}">
-                  <a14:hiddenLine xmlns:a14="http://schemas.microsoft.com/office/drawing/2010/main" xmlns="" w="9525">
+                  <a14:hiddenLine xmlns="" xmlns:a14="http://schemas.microsoft.com/office/drawing/2010/main" w="9525">
                     <a:solidFill>
                       <a:srgbClr val="000000"/>
                     </a:solidFill>
@@ -11535,7 +11540,7 @@
               </a:ln>
               <a:extLst>
                 <a:ext uri="{91240B29-F687-4f45-9708-019B960494DF}">
-                  <a14:hiddenLine xmlns:a14="http://schemas.microsoft.com/office/drawing/2010/main" xmlns="" w="9525">
+                  <a14:hiddenLine xmlns="" xmlns:a14="http://schemas.microsoft.com/office/drawing/2010/main" w="9525">
                     <a:solidFill>
                       <a:srgbClr val="000000"/>
                     </a:solidFill>
@@ -11655,7 +11660,7 @@
               </a:ln>
               <a:extLst>
                 <a:ext uri="{91240B29-F687-4f45-9708-019B960494DF}">
-                  <a14:hiddenLine xmlns:a14="http://schemas.microsoft.com/office/drawing/2010/main" xmlns="" w="9525">
+                  <a14:hiddenLine xmlns="" xmlns:a14="http://schemas.microsoft.com/office/drawing/2010/main" w="9525">
                     <a:solidFill>
                       <a:srgbClr val="000000"/>
                     </a:solidFill>
@@ -11753,7 +11758,7 @@
               </a:ln>
               <a:extLst>
                 <a:ext uri="{91240B29-F687-4f45-9708-019B960494DF}">
-                  <a14:hiddenLine xmlns:a14="http://schemas.microsoft.com/office/drawing/2010/main" xmlns="" w="9525">
+                  <a14:hiddenLine xmlns="" xmlns:a14="http://schemas.microsoft.com/office/drawing/2010/main" w="9525">
                     <a:solidFill>
                       <a:srgbClr val="000000"/>
                     </a:solidFill>
@@ -11868,7 +11873,7 @@
               </a:ln>
               <a:extLst>
                 <a:ext uri="{91240B29-F687-4f45-9708-019B960494DF}">
-                  <a14:hiddenLine xmlns:a14="http://schemas.microsoft.com/office/drawing/2010/main" xmlns="" w="9525">
+                  <a14:hiddenLine xmlns="" xmlns:a14="http://schemas.microsoft.com/office/drawing/2010/main" w="9525">
                     <a:solidFill>
                       <a:srgbClr val="000000"/>
                     </a:solidFill>
@@ -11958,7 +11963,7 @@
               </a:ln>
               <a:extLst>
                 <a:ext uri="{91240B29-F687-4f45-9708-019B960494DF}">
-                  <a14:hiddenLine xmlns:a14="http://schemas.microsoft.com/office/drawing/2010/main" xmlns="" w="9525">
+                  <a14:hiddenLine xmlns="" xmlns:a14="http://schemas.microsoft.com/office/drawing/2010/main" w="9525">
                     <a:solidFill>
                       <a:srgbClr val="000000"/>
                     </a:solidFill>
@@ -12023,7 +12028,7 @@
               </a:ln>
               <a:extLst>
                 <a:ext uri="{91240B29-F687-4f45-9708-019B960494DF}">
-                  <a14:hiddenLine xmlns:a14="http://schemas.microsoft.com/office/drawing/2010/main" xmlns="" w="9525">
+                  <a14:hiddenLine xmlns="" xmlns:a14="http://schemas.microsoft.com/office/drawing/2010/main" w="9525">
                     <a:solidFill>
                       <a:srgbClr val="000000"/>
                     </a:solidFill>
@@ -12113,7 +12118,7 @@
               </a:ln>
               <a:extLst>
                 <a:ext uri="{91240B29-F687-4f45-9708-019B960494DF}">
-                  <a14:hiddenLine xmlns:a14="http://schemas.microsoft.com/office/drawing/2010/main" xmlns="" w="9525">
+                  <a14:hiddenLine xmlns="" xmlns:a14="http://schemas.microsoft.com/office/drawing/2010/main" w="9525">
                     <a:solidFill>
                       <a:srgbClr val="000000"/>
                     </a:solidFill>
@@ -12181,7 +12186,7 @@
               </a:ln>
               <a:extLst>
                 <a:ext uri="{91240B29-F687-4f45-9708-019B960494DF}">
-                  <a14:hiddenLine xmlns:a14="http://schemas.microsoft.com/office/drawing/2010/main" xmlns="" w="9525">
+                  <a14:hiddenLine xmlns="" xmlns:a14="http://schemas.microsoft.com/office/drawing/2010/main" w="9525">
                     <a:solidFill>
                       <a:srgbClr val="000000"/>
                     </a:solidFill>
@@ -12271,7 +12276,7 @@
               </a:ln>
               <a:extLst>
                 <a:ext uri="{91240B29-F687-4f45-9708-019B960494DF}">
-                  <a14:hiddenLine xmlns:a14="http://schemas.microsoft.com/office/drawing/2010/main" xmlns="" w="9525">
+                  <a14:hiddenLine xmlns="" xmlns:a14="http://schemas.microsoft.com/office/drawing/2010/main" w="9525">
                     <a:solidFill>
                       <a:srgbClr val="000000"/>
                     </a:solidFill>
@@ -12339,7 +12344,7 @@
               </a:ln>
               <a:extLst>
                 <a:ext uri="{91240B29-F687-4f45-9708-019B960494DF}">
-                  <a14:hiddenLine xmlns:a14="http://schemas.microsoft.com/office/drawing/2010/main" xmlns="" w="9525">
+                  <a14:hiddenLine xmlns="" xmlns:a14="http://schemas.microsoft.com/office/drawing/2010/main" w="9525">
                     <a:solidFill>
                       <a:srgbClr val="000000"/>
                     </a:solidFill>
@@ -12429,7 +12434,7 @@
               </a:ln>
               <a:extLst>
                 <a:ext uri="{91240B29-F687-4f45-9708-019B960494DF}">
-                  <a14:hiddenLine xmlns:a14="http://schemas.microsoft.com/office/drawing/2010/main" xmlns="" w="9525">
+                  <a14:hiddenLine xmlns="" xmlns:a14="http://schemas.microsoft.com/office/drawing/2010/main" w="9525">
                     <a:solidFill>
                       <a:srgbClr val="000000"/>
                     </a:solidFill>
@@ -12463,7 +12468,7 @@
               </a:ln>
               <a:extLst>
                 <a:ext uri="{91240B29-F687-4f45-9708-019B960494DF}">
-                  <a14:hiddenLine xmlns:a14="http://schemas.microsoft.com/office/drawing/2010/main" xmlns="" w="9525">
+                  <a14:hiddenLine xmlns="" xmlns:a14="http://schemas.microsoft.com/office/drawing/2010/main" w="9525">
                     <a:solidFill>
                       <a:srgbClr val="000000"/>
                     </a:solidFill>
@@ -13581,7 +13586,12 @@
             <p:ph type="title"/>
           </p:nvPr>
         </p:nvSpPr>
-        <p:spPr/>
+        <p:spPr>
+          <a:xfrm>
+            <a:off x="1141413" y="399062"/>
+            <a:ext cx="9905998" cy="1478570"/>
+          </a:xfrm>
+        </p:spPr>
         <p:txBody>
           <a:bodyPr/>
           <a:lstStyle/>
@@ -13594,28 +13604,248 @@
           </a:p>
         </p:txBody>
       </p:sp>
-      <p:sp>
-        <p:nvSpPr>
-          <p:cNvPr id="3" name="Espace réservé du contenu 2">
+      <p:pic>
+        <p:nvPicPr>
+          <p:cNvPr id="5" name="Image 4">
             <a:extLst>
               <a:ext uri="{FF2B5EF4-FFF2-40B4-BE49-F238E27FC236}">
-                <a16:creationId xmlns:a16="http://schemas.microsoft.com/office/drawing/2014/main" id="{57260A0B-A898-48B1-806A-0DCF7F7F142E}"/>
+                <a16:creationId xmlns:a16="http://schemas.microsoft.com/office/drawing/2014/main" id="{A1379DF8-00D0-4989-9AB0-1590DB7F7DDB}"/>
               </a:ext>
             </a:extLst>
           </p:cNvPr>
-          <p:cNvSpPr>
-            <a:spLocks noGrp="1"/>
-          </p:cNvSpPr>
-          <p:nvPr>
-            <p:ph idx="1"/>
-          </p:nvPr>
-        </p:nvSpPr>
-        <p:spPr/>
-        <p:txBody>
-          <a:bodyPr/>
+          <p:cNvPicPr>
+            <a:picLocks noChangeAspect="1"/>
+          </p:cNvPicPr>
+          <p:nvPr/>
+        </p:nvPicPr>
+        <p:blipFill>
+          <a:blip r:embed="rId2"/>
+          <a:stretch>
+            <a:fillRect/>
+          </a:stretch>
+        </p:blipFill>
+        <p:spPr>
+          <a:xfrm>
+            <a:off x="3517462" y="2444179"/>
+            <a:ext cx="8454724" cy="206970"/>
+          </a:xfrm>
+          <a:prstGeom prst="rect">
+            <a:avLst/>
+          </a:prstGeom>
+        </p:spPr>
+      </p:pic>
+      <p:pic>
+        <p:nvPicPr>
+          <p:cNvPr id="6" name="Image 5">
+            <a:extLst>
+              <a:ext uri="{FF2B5EF4-FFF2-40B4-BE49-F238E27FC236}">
+                <a16:creationId xmlns:a16="http://schemas.microsoft.com/office/drawing/2014/main" id="{1CEB1A9A-872C-4DA0-B63F-C28D83DA302C}"/>
+              </a:ext>
+            </a:extLst>
+          </p:cNvPr>
+          <p:cNvPicPr>
+            <a:picLocks noChangeAspect="1"/>
+          </p:cNvPicPr>
+          <p:nvPr/>
+        </p:nvPicPr>
+        <p:blipFill>
+          <a:blip r:embed="rId3"/>
+          <a:stretch>
+            <a:fillRect/>
+          </a:stretch>
+        </p:blipFill>
+        <p:spPr>
+          <a:xfrm>
+            <a:off x="1186934" y="4985055"/>
+            <a:ext cx="10520310" cy="1467158"/>
+          </a:xfrm>
+          <a:prstGeom prst="rect">
+            <a:avLst/>
+          </a:prstGeom>
+        </p:spPr>
+      </p:pic>
+      <p:pic>
+        <p:nvPicPr>
+          <p:cNvPr id="7" name="Image 6">
+            <a:extLst>
+              <a:ext uri="{FF2B5EF4-FFF2-40B4-BE49-F238E27FC236}">
+                <a16:creationId xmlns:a16="http://schemas.microsoft.com/office/drawing/2014/main" id="{5A904493-9A07-429D-8113-91D28B745A84}"/>
+              </a:ext>
+            </a:extLst>
+          </p:cNvPr>
+          <p:cNvPicPr>
+            <a:picLocks noChangeAspect="1"/>
+          </p:cNvPicPr>
+          <p:nvPr/>
+        </p:nvPicPr>
+        <p:blipFill>
+          <a:blip r:embed="rId4"/>
+          <a:stretch>
+            <a:fillRect/>
+          </a:stretch>
+        </p:blipFill>
+        <p:spPr>
+          <a:xfrm>
+            <a:off x="4359805" y="3839610"/>
+            <a:ext cx="6770038" cy="209742"/>
+          </a:xfrm>
+          <a:prstGeom prst="rect">
+            <a:avLst/>
+          </a:prstGeom>
+        </p:spPr>
+      </p:pic>
+      <p:pic>
+        <p:nvPicPr>
+          <p:cNvPr id="8" name="Image 7">
+            <a:extLst>
+              <a:ext uri="{FF2B5EF4-FFF2-40B4-BE49-F238E27FC236}">
+                <a16:creationId xmlns:a16="http://schemas.microsoft.com/office/drawing/2014/main" id="{09AACECF-F9CB-4C89-A1E7-A68C0BAD4ABC}"/>
+              </a:ext>
+            </a:extLst>
+          </p:cNvPr>
+          <p:cNvPicPr>
+            <a:picLocks noChangeAspect="1"/>
+          </p:cNvPicPr>
+          <p:nvPr/>
+        </p:nvPicPr>
+        <p:blipFill>
+          <a:blip r:embed="rId5"/>
+          <a:stretch>
+            <a:fillRect/>
+          </a:stretch>
+        </p:blipFill>
+        <p:spPr>
+          <a:xfrm>
+            <a:off x="5870449" y="3199250"/>
+            <a:ext cx="3538882" cy="239924"/>
+          </a:xfrm>
+          <a:prstGeom prst="rect">
+            <a:avLst/>
+          </a:prstGeom>
+        </p:spPr>
+      </p:pic>
+      <p:pic>
+        <p:nvPicPr>
+          <p:cNvPr id="9" name="Image 8">
+            <a:extLst>
+              <a:ext uri="{FF2B5EF4-FFF2-40B4-BE49-F238E27FC236}">
+                <a16:creationId xmlns:a16="http://schemas.microsoft.com/office/drawing/2014/main" id="{9C288F48-4FF6-4CD5-AC36-2C880EEEDEFB}"/>
+              </a:ext>
+            </a:extLst>
+          </p:cNvPr>
+          <p:cNvPicPr>
+            <a:picLocks noChangeAspect="1"/>
+          </p:cNvPicPr>
+          <p:nvPr/>
+        </p:nvPicPr>
+        <p:blipFill>
+          <a:blip r:embed="rId6"/>
+          <a:stretch>
+            <a:fillRect/>
+          </a:stretch>
+        </p:blipFill>
+        <p:spPr>
+          <a:xfrm>
+            <a:off x="4258828" y="2028800"/>
+            <a:ext cx="6762124" cy="220624"/>
+          </a:xfrm>
+          <a:prstGeom prst="rect">
+            <a:avLst/>
+          </a:prstGeom>
+        </p:spPr>
+      </p:pic>
+      <p:pic>
+        <p:nvPicPr>
+          <p:cNvPr id="10" name="Image 9">
+            <a:extLst>
+              <a:ext uri="{FF2B5EF4-FFF2-40B4-BE49-F238E27FC236}">
+                <a16:creationId xmlns:a16="http://schemas.microsoft.com/office/drawing/2014/main" id="{66F0E50F-93B6-4F4A-8ECA-805117786EB6}"/>
+              </a:ext>
+            </a:extLst>
+          </p:cNvPr>
+          <p:cNvPicPr>
+            <a:picLocks noChangeAspect="1"/>
+          </p:cNvPicPr>
+          <p:nvPr/>
+        </p:nvPicPr>
+        <p:blipFill>
+          <a:blip r:embed="rId7"/>
+          <a:stretch>
+            <a:fillRect/>
+          </a:stretch>
+        </p:blipFill>
+        <p:spPr>
+          <a:xfrm>
+            <a:off x="1186934" y="3098895"/>
+            <a:ext cx="2916024" cy="1560236"/>
+          </a:xfrm>
+          <a:prstGeom prst="rect">
+            <a:avLst/>
+          </a:prstGeom>
+        </p:spPr>
+      </p:pic>
+      <p:sp>
+        <p:nvSpPr>
+          <p:cNvPr id="11" name="ZoneTexte 10">
+            <a:extLst>
+              <a:ext uri="{FF2B5EF4-FFF2-40B4-BE49-F238E27FC236}">
+                <a16:creationId xmlns:a16="http://schemas.microsoft.com/office/drawing/2014/main" id="{F5AC6D64-7148-403E-B289-57DCF0C31F90}"/>
+              </a:ext>
+            </a:extLst>
+          </p:cNvPr>
+          <p:cNvSpPr txBox="1"/>
+          <p:nvPr/>
+        </p:nvSpPr>
+        <p:spPr>
+          <a:xfrm>
+            <a:off x="655585" y="1538947"/>
+            <a:ext cx="2855006" cy="1200329"/>
+          </a:xfrm>
+          <a:prstGeom prst="rect">
+            <a:avLst/>
+          </a:prstGeom>
+          <a:noFill/>
+        </p:spPr>
+        <p:txBody>
+          <a:bodyPr wrap="square" rtlCol="0">
+            <a:spAutoFit/>
+          </a:bodyPr>
           <a:lstStyle/>
           <a:p>
-            <a:endParaRPr lang="fr-FR"/>
+            <a:r>
+              <a:rPr lang="fr-FR" dirty="0"/>
+              <a:t>Objectif :</a:t>
+            </a:r>
+          </a:p>
+          <a:p>
+            <a:pPr marL="285750" indent="-285750">
+              <a:buFontTx/>
+              <a:buChar char="-"/>
+            </a:pPr>
+            <a:r>
+              <a:rPr lang="fr-FR" dirty="0"/>
+              <a:t>Sauvegarde régulière</a:t>
+            </a:r>
+          </a:p>
+          <a:p>
+            <a:pPr marL="285750" indent="-285750">
+              <a:buFontTx/>
+              <a:buChar char="-"/>
+            </a:pPr>
+            <a:r>
+              <a:rPr lang="fr-FR" dirty="0"/>
+              <a:t>Prendre le moins de place</a:t>
+            </a:r>
+          </a:p>
+          <a:p>
+            <a:pPr marL="285750" indent="-285750">
+              <a:buFontTx/>
+              <a:buChar char="-"/>
+            </a:pPr>
+            <a:r>
+              <a:rPr lang="fr-FR" dirty="0"/>
+              <a:t>Alerté en cas d’erreur</a:t>
+            </a:r>
           </a:p>
         </p:txBody>
       </p:sp>

--- a/Soutenance/Diaporama.pptx
+++ b/Soutenance/Diaporama.pptx
@@ -758,7 +758,7 @@
           <a:noFill/>
           <a:extLst>
             <a:ext uri="{909E8E84-426E-40dd-AFC4-6F175D3DCCD1}">
-              <a14:hiddenFill xmlns="" xmlns:a14="http://schemas.microsoft.com/office/drawing/2010/main">
+              <a14:hiddenFill xmlns:a14="http://schemas.microsoft.com/office/drawing/2010/main" xmlns="">
                 <a:solidFill>
                   <a:srgbClr val="FFFFFF"/>
                 </a:solidFill>
@@ -818,7 +818,7 @@
             </a:ln>
             <a:extLst>
               <a:ext uri="{91240B29-F687-4f45-9708-019B960494DF}">
-                <a14:hiddenLine xmlns="" xmlns:a14="http://schemas.microsoft.com/office/drawing/2010/main" w="9525">
+                <a14:hiddenLine xmlns:a14="http://schemas.microsoft.com/office/drawing/2010/main" xmlns="" w="9525">
                   <a:solidFill>
                     <a:srgbClr val="000000"/>
                   </a:solidFill>
@@ -908,7 +908,7 @@
             </a:ln>
             <a:extLst>
               <a:ext uri="{91240B29-F687-4f45-9708-019B960494DF}">
-                <a14:hiddenLine xmlns="" xmlns:a14="http://schemas.microsoft.com/office/drawing/2010/main" w="9525">
+                <a14:hiddenLine xmlns:a14="http://schemas.microsoft.com/office/drawing/2010/main" xmlns="" w="9525">
                   <a:solidFill>
                     <a:srgbClr val="000000"/>
                   </a:solidFill>
@@ -998,7 +998,7 @@
             </a:ln>
             <a:extLst>
               <a:ext uri="{91240B29-F687-4f45-9708-019B960494DF}">
-                <a14:hiddenLine xmlns="" xmlns:a14="http://schemas.microsoft.com/office/drawing/2010/main" w="9525">
+                <a14:hiddenLine xmlns:a14="http://schemas.microsoft.com/office/drawing/2010/main" xmlns="" w="9525">
                   <a:solidFill>
                     <a:srgbClr val="000000"/>
                   </a:solidFill>
@@ -1032,7 +1032,7 @@
             </a:ln>
             <a:extLst>
               <a:ext uri="{91240B29-F687-4f45-9708-019B960494DF}">
-                <a14:hiddenLine xmlns="" xmlns:a14="http://schemas.microsoft.com/office/drawing/2010/main" w="9525">
+                <a14:hiddenLine xmlns:a14="http://schemas.microsoft.com/office/drawing/2010/main" xmlns="" w="9525">
                   <a:solidFill>
                     <a:srgbClr val="000000"/>
                   </a:solidFill>
@@ -1122,7 +1122,7 @@
             </a:ln>
             <a:extLst>
               <a:ext uri="{91240B29-F687-4f45-9708-019B960494DF}">
-                <a14:hiddenLine xmlns="" xmlns:a14="http://schemas.microsoft.com/office/drawing/2010/main" w="9525">
+                <a14:hiddenLine xmlns:a14="http://schemas.microsoft.com/office/drawing/2010/main" xmlns="" w="9525">
                   <a:solidFill>
                     <a:srgbClr val="000000"/>
                   </a:solidFill>
@@ -1184,7 +1184,7 @@
             </a:ln>
             <a:extLst>
               <a:ext uri="{91240B29-F687-4f45-9708-019B960494DF}">
-                <a14:hiddenLine xmlns="" xmlns:a14="http://schemas.microsoft.com/office/drawing/2010/main" w="9525">
+                <a14:hiddenLine xmlns:a14="http://schemas.microsoft.com/office/drawing/2010/main" xmlns="" w="9525">
                   <a:solidFill>
                     <a:srgbClr val="000000"/>
                   </a:solidFill>
@@ -1246,7 +1246,7 @@
             </a:ln>
             <a:extLst>
               <a:ext uri="{91240B29-F687-4f45-9708-019B960494DF}">
-                <a14:hiddenLine xmlns="" xmlns:a14="http://schemas.microsoft.com/office/drawing/2010/main" w="9525">
+                <a14:hiddenLine xmlns:a14="http://schemas.microsoft.com/office/drawing/2010/main" xmlns="" w="9525">
                   <a:solidFill>
                     <a:srgbClr val="000000"/>
                   </a:solidFill>
@@ -1336,7 +1336,7 @@
             </a:ln>
             <a:extLst>
               <a:ext uri="{91240B29-F687-4f45-9708-019B960494DF}">
-                <a14:hiddenLine xmlns="" xmlns:a14="http://schemas.microsoft.com/office/drawing/2010/main" w="9525">
+                <a14:hiddenLine xmlns:a14="http://schemas.microsoft.com/office/drawing/2010/main" xmlns="" w="9525">
                   <a:solidFill>
                     <a:srgbClr val="000000"/>
                   </a:solidFill>
@@ -1398,7 +1398,7 @@
             </a:ln>
             <a:extLst>
               <a:ext uri="{91240B29-F687-4f45-9708-019B960494DF}">
-                <a14:hiddenLine xmlns="" xmlns:a14="http://schemas.microsoft.com/office/drawing/2010/main" w="9525">
+                <a14:hiddenLine xmlns:a14="http://schemas.microsoft.com/office/drawing/2010/main" xmlns="" w="9525">
                   <a:solidFill>
                     <a:srgbClr val="000000"/>
                   </a:solidFill>
@@ -1460,7 +1460,7 @@
             </a:ln>
             <a:extLst>
               <a:ext uri="{91240B29-F687-4f45-9708-019B960494DF}">
-                <a14:hiddenLine xmlns="" xmlns:a14="http://schemas.microsoft.com/office/drawing/2010/main" w="9525">
+                <a14:hiddenLine xmlns:a14="http://schemas.microsoft.com/office/drawing/2010/main" xmlns="" w="9525">
                   <a:solidFill>
                     <a:srgbClr val="000000"/>
                   </a:solidFill>
@@ -1550,7 +1550,7 @@
             </a:ln>
             <a:extLst>
               <a:ext uri="{91240B29-F687-4f45-9708-019B960494DF}">
-                <a14:hiddenLine xmlns="" xmlns:a14="http://schemas.microsoft.com/office/drawing/2010/main" w="9525">
+                <a14:hiddenLine xmlns:a14="http://schemas.microsoft.com/office/drawing/2010/main" xmlns="" w="9525">
                   <a:solidFill>
                     <a:srgbClr val="000000"/>
                   </a:solidFill>
@@ -1640,7 +1640,7 @@
             </a:ln>
             <a:extLst>
               <a:ext uri="{91240B29-F687-4f45-9708-019B960494DF}">
-                <a14:hiddenLine xmlns="" xmlns:a14="http://schemas.microsoft.com/office/drawing/2010/main" w="9525">
+                <a14:hiddenLine xmlns:a14="http://schemas.microsoft.com/office/drawing/2010/main" xmlns="" w="9525">
                   <a:solidFill>
                     <a:srgbClr val="000000"/>
                   </a:solidFill>
@@ -1702,7 +1702,7 @@
             </a:ln>
             <a:extLst>
               <a:ext uri="{91240B29-F687-4f45-9708-019B960494DF}">
-                <a14:hiddenLine xmlns="" xmlns:a14="http://schemas.microsoft.com/office/drawing/2010/main" w="9525">
+                <a14:hiddenLine xmlns:a14="http://schemas.microsoft.com/office/drawing/2010/main" xmlns="" w="9525">
                   <a:solidFill>
                     <a:srgbClr val="000000"/>
                   </a:solidFill>
@@ -1812,7 +1812,7 @@
             </a:ln>
             <a:extLst>
               <a:ext uri="{91240B29-F687-4f45-9708-019B960494DF}">
-                <a14:hiddenLine xmlns="" xmlns:a14="http://schemas.microsoft.com/office/drawing/2010/main" w="9525">
+                <a14:hiddenLine xmlns:a14="http://schemas.microsoft.com/office/drawing/2010/main" xmlns="" w="9525">
                   <a:solidFill>
                     <a:srgbClr val="000000"/>
                   </a:solidFill>
@@ -1874,7 +1874,7 @@
             </a:ln>
             <a:extLst>
               <a:ext uri="{91240B29-F687-4f45-9708-019B960494DF}">
-                <a14:hiddenLine xmlns="" xmlns:a14="http://schemas.microsoft.com/office/drawing/2010/main" w="9525">
+                <a14:hiddenLine xmlns:a14="http://schemas.microsoft.com/office/drawing/2010/main" xmlns="" w="9525">
                   <a:solidFill>
                     <a:srgbClr val="000000"/>
                   </a:solidFill>
@@ -1964,7 +1964,7 @@
             </a:ln>
             <a:extLst>
               <a:ext uri="{91240B29-F687-4f45-9708-019B960494DF}">
-                <a14:hiddenLine xmlns="" xmlns:a14="http://schemas.microsoft.com/office/drawing/2010/main" w="9525">
+                <a14:hiddenLine xmlns:a14="http://schemas.microsoft.com/office/drawing/2010/main" xmlns="" w="9525">
                   <a:solidFill>
                     <a:srgbClr val="000000"/>
                   </a:solidFill>
@@ -2054,7 +2054,7 @@
             </a:ln>
             <a:extLst>
               <a:ext uri="{91240B29-F687-4f45-9708-019B960494DF}">
-                <a14:hiddenLine xmlns="" xmlns:a14="http://schemas.microsoft.com/office/drawing/2010/main" w="9525">
+                <a14:hiddenLine xmlns:a14="http://schemas.microsoft.com/office/drawing/2010/main" xmlns="" w="9525">
                   <a:solidFill>
                     <a:srgbClr val="000000"/>
                   </a:solidFill>
@@ -2116,7 +2116,7 @@
             </a:ln>
             <a:extLst>
               <a:ext uri="{91240B29-F687-4f45-9708-019B960494DF}">
-                <a14:hiddenLine xmlns="" xmlns:a14="http://schemas.microsoft.com/office/drawing/2010/main" w="9525">
+                <a14:hiddenLine xmlns:a14="http://schemas.microsoft.com/office/drawing/2010/main" xmlns="" w="9525">
                   <a:solidFill>
                     <a:srgbClr val="000000"/>
                   </a:solidFill>
@@ -2206,7 +2206,7 @@
             </a:ln>
             <a:extLst>
               <a:ext uri="{91240B29-F687-4f45-9708-019B960494DF}">
-                <a14:hiddenLine xmlns="" xmlns:a14="http://schemas.microsoft.com/office/drawing/2010/main" w="9525">
+                <a14:hiddenLine xmlns:a14="http://schemas.microsoft.com/office/drawing/2010/main" xmlns="" w="9525">
                   <a:solidFill>
                     <a:srgbClr val="000000"/>
                   </a:solidFill>
@@ -2296,7 +2296,7 @@
             </a:ln>
             <a:extLst>
               <a:ext uri="{91240B29-F687-4f45-9708-019B960494DF}">
-                <a14:hiddenLine xmlns="" xmlns:a14="http://schemas.microsoft.com/office/drawing/2010/main" w="9525">
+                <a14:hiddenLine xmlns:a14="http://schemas.microsoft.com/office/drawing/2010/main" xmlns="" w="9525">
                   <a:solidFill>
                     <a:srgbClr val="000000"/>
                   </a:solidFill>
@@ -2352,7 +2352,7 @@
             </a:ln>
             <a:extLst>
               <a:ext uri="{91240B29-F687-4f45-9708-019B960494DF}">
-                <a14:hiddenLine xmlns="" xmlns:a14="http://schemas.microsoft.com/office/drawing/2010/main" w="9525">
+                <a14:hiddenLine xmlns:a14="http://schemas.microsoft.com/office/drawing/2010/main" xmlns="" w="9525">
                   <a:solidFill>
                     <a:srgbClr val="000000"/>
                   </a:solidFill>
@@ -2442,7 +2442,7 @@
             </a:ln>
             <a:extLst>
               <a:ext uri="{91240B29-F687-4f45-9708-019B960494DF}">
-                <a14:hiddenLine xmlns="" xmlns:a14="http://schemas.microsoft.com/office/drawing/2010/main" w="9525">
+                <a14:hiddenLine xmlns:a14="http://schemas.microsoft.com/office/drawing/2010/main" xmlns="" w="9525">
                   <a:solidFill>
                     <a:srgbClr val="000000"/>
                   </a:solidFill>
@@ -2498,7 +2498,7 @@
             </a:ln>
             <a:extLst>
               <a:ext uri="{91240B29-F687-4f45-9708-019B960494DF}">
-                <a14:hiddenLine xmlns="" xmlns:a14="http://schemas.microsoft.com/office/drawing/2010/main" w="9525">
+                <a14:hiddenLine xmlns:a14="http://schemas.microsoft.com/office/drawing/2010/main" xmlns="" w="9525">
                   <a:solidFill>
                     <a:srgbClr val="000000"/>
                   </a:solidFill>
@@ -2588,7 +2588,7 @@
             </a:ln>
             <a:extLst>
               <a:ext uri="{91240B29-F687-4f45-9708-019B960494DF}">
-                <a14:hiddenLine xmlns="" xmlns:a14="http://schemas.microsoft.com/office/drawing/2010/main" w="9525">
+                <a14:hiddenLine xmlns:a14="http://schemas.microsoft.com/office/drawing/2010/main" xmlns="" w="9525">
                   <a:solidFill>
                     <a:srgbClr val="000000"/>
                   </a:solidFill>
@@ -2656,7 +2656,7 @@
             </a:ln>
             <a:extLst>
               <a:ext uri="{91240B29-F687-4f45-9708-019B960494DF}">
-                <a14:hiddenLine xmlns="" xmlns:a14="http://schemas.microsoft.com/office/drawing/2010/main" w="9525">
+                <a14:hiddenLine xmlns:a14="http://schemas.microsoft.com/office/drawing/2010/main" xmlns="" w="9525">
                   <a:solidFill>
                     <a:srgbClr val="000000"/>
                   </a:solidFill>
@@ -2746,7 +2746,7 @@
             </a:ln>
             <a:extLst>
               <a:ext uri="{91240B29-F687-4f45-9708-019B960494DF}">
-                <a14:hiddenLine xmlns="" xmlns:a14="http://schemas.microsoft.com/office/drawing/2010/main" w="9525">
+                <a14:hiddenLine xmlns:a14="http://schemas.microsoft.com/office/drawing/2010/main" xmlns="" w="9525">
                   <a:solidFill>
                     <a:srgbClr val="000000"/>
                   </a:solidFill>
@@ -2814,7 +2814,7 @@
             </a:ln>
             <a:extLst>
               <a:ext uri="{91240B29-F687-4f45-9708-019B960494DF}">
-                <a14:hiddenLine xmlns="" xmlns:a14="http://schemas.microsoft.com/office/drawing/2010/main" w="9525">
+                <a14:hiddenLine xmlns:a14="http://schemas.microsoft.com/office/drawing/2010/main" xmlns="" w="9525">
                   <a:solidFill>
                     <a:srgbClr val="000000"/>
                   </a:solidFill>
@@ -2904,7 +2904,7 @@
             </a:ln>
             <a:extLst>
               <a:ext uri="{91240B29-F687-4f45-9708-019B960494DF}">
-                <a14:hiddenLine xmlns="" xmlns:a14="http://schemas.microsoft.com/office/drawing/2010/main" w="9525">
+                <a14:hiddenLine xmlns:a14="http://schemas.microsoft.com/office/drawing/2010/main" xmlns="" w="9525">
                   <a:solidFill>
                     <a:srgbClr val="000000"/>
                   </a:solidFill>
@@ -2938,7 +2938,7 @@
             </a:ln>
             <a:extLst>
               <a:ext uri="{91240B29-F687-4f45-9708-019B960494DF}">
-                <a14:hiddenLine xmlns="" xmlns:a14="http://schemas.microsoft.com/office/drawing/2010/main" w="9525">
+                <a14:hiddenLine xmlns:a14="http://schemas.microsoft.com/office/drawing/2010/main" xmlns="" w="9525">
                   <a:solidFill>
                     <a:srgbClr val="000000"/>
                   </a:solidFill>
@@ -3028,7 +3028,7 @@
             </a:ln>
             <a:extLst>
               <a:ext uri="{91240B29-F687-4f45-9708-019B960494DF}">
-                <a14:hiddenLine xmlns="" xmlns:a14="http://schemas.microsoft.com/office/drawing/2010/main" w="9525">
+                <a14:hiddenLine xmlns:a14="http://schemas.microsoft.com/office/drawing/2010/main" xmlns="" w="9525">
                   <a:solidFill>
                     <a:srgbClr val="000000"/>
                   </a:solidFill>
@@ -3090,7 +3090,7 @@
             </a:ln>
             <a:extLst>
               <a:ext uri="{91240B29-F687-4f45-9708-019B960494DF}">
-                <a14:hiddenLine xmlns="" xmlns:a14="http://schemas.microsoft.com/office/drawing/2010/main" w="9525">
+                <a14:hiddenLine xmlns:a14="http://schemas.microsoft.com/office/drawing/2010/main" xmlns="" w="9525">
                   <a:solidFill>
                     <a:srgbClr val="000000"/>
                   </a:solidFill>
@@ -3152,7 +3152,7 @@
             </a:ln>
             <a:extLst>
               <a:ext uri="{91240B29-F687-4f45-9708-019B960494DF}">
-                <a14:hiddenLine xmlns="" xmlns:a14="http://schemas.microsoft.com/office/drawing/2010/main" w="9525">
+                <a14:hiddenLine xmlns:a14="http://schemas.microsoft.com/office/drawing/2010/main" xmlns="" w="9525">
                   <a:solidFill>
                     <a:srgbClr val="000000"/>
                   </a:solidFill>
@@ -3242,7 +3242,7 @@
             </a:ln>
             <a:extLst>
               <a:ext uri="{91240B29-F687-4f45-9708-019B960494DF}">
-                <a14:hiddenLine xmlns="" xmlns:a14="http://schemas.microsoft.com/office/drawing/2010/main" w="9525">
+                <a14:hiddenLine xmlns:a14="http://schemas.microsoft.com/office/drawing/2010/main" xmlns="" w="9525">
                   <a:solidFill>
                     <a:srgbClr val="000000"/>
                   </a:solidFill>
@@ -3310,7 +3310,7 @@
             </a:ln>
             <a:extLst>
               <a:ext uri="{91240B29-F687-4f45-9708-019B960494DF}">
-                <a14:hiddenLine xmlns="" xmlns:a14="http://schemas.microsoft.com/office/drawing/2010/main" w="9525">
+                <a14:hiddenLine xmlns:a14="http://schemas.microsoft.com/office/drawing/2010/main" xmlns="" w="9525">
                   <a:solidFill>
                     <a:srgbClr val="000000"/>
                   </a:solidFill>
@@ -3372,7 +3372,7 @@
             </a:ln>
             <a:extLst>
               <a:ext uri="{91240B29-F687-4f45-9708-019B960494DF}">
-                <a14:hiddenLine xmlns="" xmlns:a14="http://schemas.microsoft.com/office/drawing/2010/main" w="9525">
+                <a14:hiddenLine xmlns:a14="http://schemas.microsoft.com/office/drawing/2010/main" xmlns="" w="9525">
                   <a:solidFill>
                     <a:srgbClr val="000000"/>
                   </a:solidFill>
@@ -3462,7 +3462,7 @@
             </a:ln>
             <a:extLst>
               <a:ext uri="{91240B29-F687-4f45-9708-019B960494DF}">
-                <a14:hiddenLine xmlns="" xmlns:a14="http://schemas.microsoft.com/office/drawing/2010/main" w="9525">
+                <a14:hiddenLine xmlns:a14="http://schemas.microsoft.com/office/drawing/2010/main" xmlns="" w="9525">
                   <a:solidFill>
                     <a:srgbClr val="000000"/>
                   </a:solidFill>
@@ -3524,7 +3524,7 @@
             </a:ln>
             <a:extLst>
               <a:ext uri="{91240B29-F687-4f45-9708-019B960494DF}">
-                <a14:hiddenLine xmlns="" xmlns:a14="http://schemas.microsoft.com/office/drawing/2010/main" w="9525">
+                <a14:hiddenLine xmlns:a14="http://schemas.microsoft.com/office/drawing/2010/main" xmlns="" w="9525">
                   <a:solidFill>
                     <a:srgbClr val="000000"/>
                   </a:solidFill>
@@ -3614,7 +3614,7 @@
             </a:ln>
             <a:extLst>
               <a:ext uri="{91240B29-F687-4f45-9708-019B960494DF}">
-                <a14:hiddenLine xmlns="" xmlns:a14="http://schemas.microsoft.com/office/drawing/2010/main" w="9525">
+                <a14:hiddenLine xmlns:a14="http://schemas.microsoft.com/office/drawing/2010/main" xmlns="" w="9525">
                   <a:solidFill>
                     <a:srgbClr val="000000"/>
                   </a:solidFill>
@@ -3676,7 +3676,7 @@
             </a:ln>
             <a:extLst>
               <a:ext uri="{91240B29-F687-4f45-9708-019B960494DF}">
-                <a14:hiddenLine xmlns="" xmlns:a14="http://schemas.microsoft.com/office/drawing/2010/main" w="9525">
+                <a14:hiddenLine xmlns:a14="http://schemas.microsoft.com/office/drawing/2010/main" xmlns="" w="9525">
                   <a:solidFill>
                     <a:srgbClr val="000000"/>
                   </a:solidFill>
@@ -3766,7 +3766,7 @@
             </a:ln>
             <a:extLst>
               <a:ext uri="{91240B29-F687-4f45-9708-019B960494DF}">
-                <a14:hiddenLine xmlns="" xmlns:a14="http://schemas.microsoft.com/office/drawing/2010/main" w="9525">
+                <a14:hiddenLine xmlns:a14="http://schemas.microsoft.com/office/drawing/2010/main" xmlns="" w="9525">
                   <a:solidFill>
                     <a:srgbClr val="000000"/>
                   </a:solidFill>
@@ -3800,7 +3800,7 @@
             </a:ln>
             <a:extLst>
               <a:ext uri="{91240B29-F687-4f45-9708-019B960494DF}">
-                <a14:hiddenLine xmlns="" xmlns:a14="http://schemas.microsoft.com/office/drawing/2010/main" w="9525">
+                <a14:hiddenLine xmlns:a14="http://schemas.microsoft.com/office/drawing/2010/main" xmlns="" w="9525">
                   <a:solidFill>
                     <a:srgbClr val="000000"/>
                   </a:solidFill>
@@ -3865,7 +3865,7 @@
             </a:ln>
             <a:extLst>
               <a:ext uri="{91240B29-F687-4f45-9708-019B960494DF}">
-                <a14:hiddenLine xmlns="" xmlns:a14="http://schemas.microsoft.com/office/drawing/2010/main" w="9525">
+                <a14:hiddenLine xmlns:a14="http://schemas.microsoft.com/office/drawing/2010/main" xmlns="" w="9525">
                   <a:solidFill>
                     <a:srgbClr val="000000"/>
                   </a:solidFill>
@@ -3955,7 +3955,7 @@
             </a:ln>
             <a:extLst>
               <a:ext uri="{91240B29-F687-4f45-9708-019B960494DF}">
-                <a14:hiddenLine xmlns="" xmlns:a14="http://schemas.microsoft.com/office/drawing/2010/main" w="9525">
+                <a14:hiddenLine xmlns:a14="http://schemas.microsoft.com/office/drawing/2010/main" xmlns="" w="9525">
                   <a:solidFill>
                     <a:srgbClr val="000000"/>
                   </a:solidFill>
@@ -4017,7 +4017,7 @@
             </a:ln>
             <a:extLst>
               <a:ext uri="{91240B29-F687-4f45-9708-019B960494DF}">
-                <a14:hiddenLine xmlns="" xmlns:a14="http://schemas.microsoft.com/office/drawing/2010/main" w="9525">
+                <a14:hiddenLine xmlns:a14="http://schemas.microsoft.com/office/drawing/2010/main" xmlns="" w="9525">
                   <a:solidFill>
                     <a:srgbClr val="000000"/>
                   </a:solidFill>
@@ -4107,7 +4107,7 @@
             </a:ln>
             <a:extLst>
               <a:ext uri="{91240B29-F687-4f45-9708-019B960494DF}">
-                <a14:hiddenLine xmlns="" xmlns:a14="http://schemas.microsoft.com/office/drawing/2010/main" w="9525">
+                <a14:hiddenLine xmlns:a14="http://schemas.microsoft.com/office/drawing/2010/main" xmlns="" w="9525">
                   <a:solidFill>
                     <a:srgbClr val="000000"/>
                   </a:solidFill>
@@ -4197,7 +4197,7 @@
             </a:ln>
             <a:extLst>
               <a:ext uri="{91240B29-F687-4f45-9708-019B960494DF}">
-                <a14:hiddenLine xmlns="" xmlns:a14="http://schemas.microsoft.com/office/drawing/2010/main" w="9525">
+                <a14:hiddenLine xmlns:a14="http://schemas.microsoft.com/office/drawing/2010/main" xmlns="" w="9525">
                   <a:solidFill>
                     <a:srgbClr val="000000"/>
                   </a:solidFill>
@@ -4262,7 +4262,7 @@
             </a:ln>
             <a:extLst>
               <a:ext uri="{91240B29-F687-4f45-9708-019B960494DF}">
-                <a14:hiddenLine xmlns="" xmlns:a14="http://schemas.microsoft.com/office/drawing/2010/main" w="9525">
+                <a14:hiddenLine xmlns:a14="http://schemas.microsoft.com/office/drawing/2010/main" xmlns="" w="9525">
                   <a:solidFill>
                     <a:srgbClr val="000000"/>
                   </a:solidFill>
@@ -4324,7 +4324,7 @@
             </a:ln>
             <a:extLst>
               <a:ext uri="{91240B29-F687-4f45-9708-019B960494DF}">
-                <a14:hiddenLine xmlns="" xmlns:a14="http://schemas.microsoft.com/office/drawing/2010/main" w="9525">
+                <a14:hiddenLine xmlns:a14="http://schemas.microsoft.com/office/drawing/2010/main" xmlns="" w="9525">
                   <a:solidFill>
                     <a:srgbClr val="000000"/>
                   </a:solidFill>
@@ -4414,7 +4414,7 @@
             </a:ln>
             <a:extLst>
               <a:ext uri="{91240B29-F687-4f45-9708-019B960494DF}">
-                <a14:hiddenLine xmlns="" xmlns:a14="http://schemas.microsoft.com/office/drawing/2010/main" w="9525">
+                <a14:hiddenLine xmlns:a14="http://schemas.microsoft.com/office/drawing/2010/main" xmlns="" w="9525">
                   <a:solidFill>
                     <a:srgbClr val="000000"/>
                   </a:solidFill>
@@ -4504,7 +4504,7 @@
             </a:ln>
             <a:extLst>
               <a:ext uri="{91240B29-F687-4f45-9708-019B960494DF}">
-                <a14:hiddenLine xmlns="" xmlns:a14="http://schemas.microsoft.com/office/drawing/2010/main" w="9525">
+                <a14:hiddenLine xmlns:a14="http://schemas.microsoft.com/office/drawing/2010/main" xmlns="" w="9525">
                   <a:solidFill>
                     <a:srgbClr val="000000"/>
                   </a:solidFill>
@@ -4566,7 +4566,7 @@
             </a:ln>
             <a:extLst>
               <a:ext uri="{91240B29-F687-4f45-9708-019B960494DF}">
-                <a14:hiddenLine xmlns="" xmlns:a14="http://schemas.microsoft.com/office/drawing/2010/main" w="9525">
+                <a14:hiddenLine xmlns:a14="http://schemas.microsoft.com/office/drawing/2010/main" xmlns="" w="9525">
                   <a:solidFill>
                     <a:srgbClr val="000000"/>
                   </a:solidFill>
@@ -4686,7 +4686,7 @@
             </a:ln>
             <a:extLst>
               <a:ext uri="{91240B29-F687-4f45-9708-019B960494DF}">
-                <a14:hiddenLine xmlns="" xmlns:a14="http://schemas.microsoft.com/office/drawing/2010/main" w="9525">
+                <a14:hiddenLine xmlns:a14="http://schemas.microsoft.com/office/drawing/2010/main" xmlns="" w="9525">
                   <a:solidFill>
                     <a:srgbClr val="000000"/>
                   </a:solidFill>
@@ -4754,7 +4754,7 @@
             </a:ln>
             <a:extLst>
               <a:ext uri="{91240B29-F687-4f45-9708-019B960494DF}">
-                <a14:hiddenLine xmlns="" xmlns:a14="http://schemas.microsoft.com/office/drawing/2010/main" w="9525">
+                <a14:hiddenLine xmlns:a14="http://schemas.microsoft.com/office/drawing/2010/main" xmlns="" w="9525">
                   <a:solidFill>
                     <a:srgbClr val="000000"/>
                   </a:solidFill>
@@ -4844,7 +4844,7 @@
             </a:ln>
             <a:extLst>
               <a:ext uri="{91240B29-F687-4f45-9708-019B960494DF}">
-                <a14:hiddenLine xmlns="" xmlns:a14="http://schemas.microsoft.com/office/drawing/2010/main" w="9525">
+                <a14:hiddenLine xmlns:a14="http://schemas.microsoft.com/office/drawing/2010/main" xmlns="" w="9525">
                   <a:solidFill>
                     <a:srgbClr val="000000"/>
                   </a:solidFill>
@@ -9651,7 +9651,7 @@
           <a:noFill/>
           <a:extLst>
             <a:ext uri="{909E8E84-426E-40dd-AFC4-6F175D3DCCD1}">
-              <a14:hiddenFill xmlns="" xmlns:a14="http://schemas.microsoft.com/office/drawing/2010/main">
+              <a14:hiddenFill xmlns:a14="http://schemas.microsoft.com/office/drawing/2010/main" xmlns="">
                 <a:solidFill>
                   <a:srgbClr val="FFFFFF"/>
                 </a:solidFill>
@@ -9725,7 +9725,7 @@
               </a:ln>
               <a:extLst>
                 <a:ext uri="{91240B29-F687-4f45-9708-019B960494DF}">
-                  <a14:hiddenLine xmlns="" xmlns:a14="http://schemas.microsoft.com/office/drawing/2010/main" w="9525">
+                  <a14:hiddenLine xmlns:a14="http://schemas.microsoft.com/office/drawing/2010/main" xmlns="" w="9525">
                     <a:solidFill>
                       <a:srgbClr val="000000"/>
                     </a:solidFill>
@@ -9815,7 +9815,7 @@
               </a:ln>
               <a:extLst>
                 <a:ext uri="{91240B29-F687-4f45-9708-019B960494DF}">
-                  <a14:hiddenLine xmlns="" xmlns:a14="http://schemas.microsoft.com/office/drawing/2010/main" w="9525">
+                  <a14:hiddenLine xmlns:a14="http://schemas.microsoft.com/office/drawing/2010/main" xmlns="" w="9525">
                     <a:solidFill>
                       <a:srgbClr val="000000"/>
                     </a:solidFill>
@@ -9905,7 +9905,7 @@
               </a:ln>
               <a:extLst>
                 <a:ext uri="{91240B29-F687-4f45-9708-019B960494DF}">
-                  <a14:hiddenLine xmlns="" xmlns:a14="http://schemas.microsoft.com/office/drawing/2010/main" w="9525">
+                  <a14:hiddenLine xmlns:a14="http://schemas.microsoft.com/office/drawing/2010/main" xmlns="" w="9525">
                     <a:solidFill>
                       <a:srgbClr val="000000"/>
                     </a:solidFill>
@@ -9967,7 +9967,7 @@
               </a:ln>
               <a:extLst>
                 <a:ext uri="{91240B29-F687-4f45-9708-019B960494DF}">
-                  <a14:hiddenLine xmlns="" xmlns:a14="http://schemas.microsoft.com/office/drawing/2010/main" w="9525">
+                  <a14:hiddenLine xmlns:a14="http://schemas.microsoft.com/office/drawing/2010/main" xmlns="" w="9525">
                     <a:solidFill>
                       <a:srgbClr val="000000"/>
                     </a:solidFill>
@@ -10057,7 +10057,7 @@
               </a:ln>
               <a:extLst>
                 <a:ext uri="{91240B29-F687-4f45-9708-019B960494DF}">
-                  <a14:hiddenLine xmlns="" xmlns:a14="http://schemas.microsoft.com/office/drawing/2010/main" w="9525">
+                  <a14:hiddenLine xmlns:a14="http://schemas.microsoft.com/office/drawing/2010/main" xmlns="" w="9525">
                     <a:solidFill>
                       <a:srgbClr val="000000"/>
                     </a:solidFill>
@@ -10119,7 +10119,7 @@
               </a:ln>
               <a:extLst>
                 <a:ext uri="{91240B29-F687-4f45-9708-019B960494DF}">
-                  <a14:hiddenLine xmlns="" xmlns:a14="http://schemas.microsoft.com/office/drawing/2010/main" w="9525">
+                  <a14:hiddenLine xmlns:a14="http://schemas.microsoft.com/office/drawing/2010/main" xmlns="" w="9525">
                     <a:solidFill>
                       <a:srgbClr val="000000"/>
                     </a:solidFill>
@@ -10181,7 +10181,7 @@
               </a:ln>
               <a:extLst>
                 <a:ext uri="{91240B29-F687-4f45-9708-019B960494DF}">
-                  <a14:hiddenLine xmlns="" xmlns:a14="http://schemas.microsoft.com/office/drawing/2010/main" w="9525">
+                  <a14:hiddenLine xmlns:a14="http://schemas.microsoft.com/office/drawing/2010/main" xmlns="" w="9525">
                     <a:solidFill>
                       <a:srgbClr val="000000"/>
                     </a:solidFill>
@@ -10271,7 +10271,7 @@
               </a:ln>
               <a:extLst>
                 <a:ext uri="{91240B29-F687-4f45-9708-019B960494DF}">
-                  <a14:hiddenLine xmlns="" xmlns:a14="http://schemas.microsoft.com/office/drawing/2010/main" w="9525">
+                  <a14:hiddenLine xmlns:a14="http://schemas.microsoft.com/office/drawing/2010/main" xmlns="" w="9525">
                     <a:solidFill>
                       <a:srgbClr val="000000"/>
                     </a:solidFill>
@@ -10361,7 +10361,7 @@
               </a:ln>
               <a:extLst>
                 <a:ext uri="{91240B29-F687-4f45-9708-019B960494DF}">
-                  <a14:hiddenLine xmlns="" xmlns:a14="http://schemas.microsoft.com/office/drawing/2010/main" w="9525">
+                  <a14:hiddenLine xmlns:a14="http://schemas.microsoft.com/office/drawing/2010/main" xmlns="" w="9525">
                     <a:solidFill>
                       <a:srgbClr val="000000"/>
                     </a:solidFill>
@@ -10423,7 +10423,7 @@
               </a:ln>
               <a:extLst>
                 <a:ext uri="{91240B29-F687-4f45-9708-019B960494DF}">
-                  <a14:hiddenLine xmlns="" xmlns:a14="http://schemas.microsoft.com/office/drawing/2010/main" w="9525">
+                  <a14:hiddenLine xmlns:a14="http://schemas.microsoft.com/office/drawing/2010/main" xmlns="" w="9525">
                     <a:solidFill>
                       <a:srgbClr val="000000"/>
                     </a:solidFill>
@@ -10533,7 +10533,7 @@
               </a:ln>
               <a:extLst>
                 <a:ext uri="{91240B29-F687-4f45-9708-019B960494DF}">
-                  <a14:hiddenLine xmlns="" xmlns:a14="http://schemas.microsoft.com/office/drawing/2010/main" w="9525">
+                  <a14:hiddenLine xmlns:a14="http://schemas.microsoft.com/office/drawing/2010/main" xmlns="" w="9525">
                     <a:solidFill>
                       <a:srgbClr val="000000"/>
                     </a:solidFill>
@@ -10617,7 +10617,7 @@
               </a:ln>
               <a:extLst>
                 <a:ext uri="{91240B29-F687-4f45-9708-019B960494DF}">
-                  <a14:hiddenLine xmlns="" xmlns:a14="http://schemas.microsoft.com/office/drawing/2010/main" w="9525">
+                  <a14:hiddenLine xmlns:a14="http://schemas.microsoft.com/office/drawing/2010/main" xmlns="" w="9525">
                     <a:solidFill>
                       <a:srgbClr val="000000"/>
                     </a:solidFill>
@@ -10679,7 +10679,7 @@
               </a:ln>
               <a:extLst>
                 <a:ext uri="{91240B29-F687-4f45-9708-019B960494DF}">
-                  <a14:hiddenLine xmlns="" xmlns:a14="http://schemas.microsoft.com/office/drawing/2010/main" w="9525">
+                  <a14:hiddenLine xmlns:a14="http://schemas.microsoft.com/office/drawing/2010/main" xmlns="" w="9525">
                     <a:solidFill>
                       <a:srgbClr val="000000"/>
                     </a:solidFill>
@@ -10741,7 +10741,7 @@
               </a:ln>
               <a:extLst>
                 <a:ext uri="{91240B29-F687-4f45-9708-019B960494DF}">
-                  <a14:hiddenLine xmlns="" xmlns:a14="http://schemas.microsoft.com/office/drawing/2010/main" w="9525">
+                  <a14:hiddenLine xmlns:a14="http://schemas.microsoft.com/office/drawing/2010/main" xmlns="" w="9525">
                     <a:solidFill>
                       <a:srgbClr val="000000"/>
                     </a:solidFill>
@@ -10831,7 +10831,7 @@
               </a:ln>
               <a:extLst>
                 <a:ext uri="{91240B29-F687-4f45-9708-019B960494DF}">
-                  <a14:hiddenLine xmlns="" xmlns:a14="http://schemas.microsoft.com/office/drawing/2010/main" w="9525">
+                  <a14:hiddenLine xmlns:a14="http://schemas.microsoft.com/office/drawing/2010/main" xmlns="" w="9525">
                     <a:solidFill>
                       <a:srgbClr val="000000"/>
                     </a:solidFill>
@@ -10865,7 +10865,7 @@
               </a:ln>
               <a:extLst>
                 <a:ext uri="{91240B29-F687-4f45-9708-019B960494DF}">
-                  <a14:hiddenLine xmlns="" xmlns:a14="http://schemas.microsoft.com/office/drawing/2010/main" w="9525">
+                  <a14:hiddenLine xmlns:a14="http://schemas.microsoft.com/office/drawing/2010/main" xmlns="" w="9525">
                     <a:solidFill>
                       <a:srgbClr val="000000"/>
                     </a:solidFill>
@@ -10930,7 +10930,7 @@
               </a:ln>
               <a:extLst>
                 <a:ext uri="{91240B29-F687-4f45-9708-019B960494DF}">
-                  <a14:hiddenLine xmlns="" xmlns:a14="http://schemas.microsoft.com/office/drawing/2010/main" w="9525">
+                  <a14:hiddenLine xmlns:a14="http://schemas.microsoft.com/office/drawing/2010/main" xmlns="" w="9525">
                     <a:solidFill>
                       <a:srgbClr val="000000"/>
                     </a:solidFill>
@@ -11020,7 +11020,7 @@
               </a:ln>
               <a:extLst>
                 <a:ext uri="{91240B29-F687-4f45-9708-019B960494DF}">
-                  <a14:hiddenLine xmlns="" xmlns:a14="http://schemas.microsoft.com/office/drawing/2010/main" w="9525">
+                  <a14:hiddenLine xmlns:a14="http://schemas.microsoft.com/office/drawing/2010/main" xmlns="" w="9525">
                     <a:solidFill>
                       <a:srgbClr val="000000"/>
                     </a:solidFill>
@@ -11082,7 +11082,7 @@
               </a:ln>
               <a:extLst>
                 <a:ext uri="{91240B29-F687-4f45-9708-019B960494DF}">
-                  <a14:hiddenLine xmlns="" xmlns:a14="http://schemas.microsoft.com/office/drawing/2010/main" w="9525">
+                  <a14:hiddenLine xmlns:a14="http://schemas.microsoft.com/office/drawing/2010/main" xmlns="" w="9525">
                     <a:solidFill>
                       <a:srgbClr val="000000"/>
                     </a:solidFill>
@@ -11172,7 +11172,7 @@
               </a:ln>
               <a:extLst>
                 <a:ext uri="{91240B29-F687-4f45-9708-019B960494DF}">
-                  <a14:hiddenLine xmlns="" xmlns:a14="http://schemas.microsoft.com/office/drawing/2010/main" w="9525">
+                  <a14:hiddenLine xmlns:a14="http://schemas.microsoft.com/office/drawing/2010/main" xmlns="" w="9525">
                     <a:solidFill>
                       <a:srgbClr val="000000"/>
                     </a:solidFill>
@@ -11237,7 +11237,7 @@
               </a:ln>
               <a:extLst>
                 <a:ext uri="{91240B29-F687-4f45-9708-019B960494DF}">
-                  <a14:hiddenLine xmlns="" xmlns:a14="http://schemas.microsoft.com/office/drawing/2010/main" w="9525">
+                  <a14:hiddenLine xmlns:a14="http://schemas.microsoft.com/office/drawing/2010/main" xmlns="" w="9525">
                     <a:solidFill>
                       <a:srgbClr val="000000"/>
                     </a:solidFill>
@@ -11299,7 +11299,7 @@
               </a:ln>
               <a:extLst>
                 <a:ext uri="{91240B29-F687-4f45-9708-019B960494DF}">
-                  <a14:hiddenLine xmlns="" xmlns:a14="http://schemas.microsoft.com/office/drawing/2010/main" w="9525">
+                  <a14:hiddenLine xmlns:a14="http://schemas.microsoft.com/office/drawing/2010/main" xmlns="" w="9525">
                     <a:solidFill>
                       <a:srgbClr val="000000"/>
                     </a:solidFill>
@@ -11389,7 +11389,7 @@
               </a:ln>
               <a:extLst>
                 <a:ext uri="{91240B29-F687-4f45-9708-019B960494DF}">
-                  <a14:hiddenLine xmlns="" xmlns:a14="http://schemas.microsoft.com/office/drawing/2010/main" w="9525">
+                  <a14:hiddenLine xmlns:a14="http://schemas.microsoft.com/office/drawing/2010/main" xmlns="" w="9525">
                     <a:solidFill>
                       <a:srgbClr val="000000"/>
                     </a:solidFill>
@@ -11479,7 +11479,7 @@
               </a:ln>
               <a:extLst>
                 <a:ext uri="{91240B29-F687-4f45-9708-019B960494DF}">
-                  <a14:hiddenLine xmlns="" xmlns:a14="http://schemas.microsoft.com/office/drawing/2010/main" w="9525">
+                  <a14:hiddenLine xmlns:a14="http://schemas.microsoft.com/office/drawing/2010/main" xmlns="" w="9525">
                     <a:solidFill>
                       <a:srgbClr val="000000"/>
                     </a:solidFill>
@@ -11544,7 +11544,7 @@
               </a:ln>
               <a:extLst>
                 <a:ext uri="{91240B29-F687-4f45-9708-019B960494DF}">
-                  <a14:hiddenLine xmlns="" xmlns:a14="http://schemas.microsoft.com/office/drawing/2010/main" w="9525">
+                  <a14:hiddenLine xmlns:a14="http://schemas.microsoft.com/office/drawing/2010/main" xmlns="" w="9525">
                     <a:solidFill>
                       <a:srgbClr val="000000"/>
                     </a:solidFill>
@@ -11664,7 +11664,7 @@
               </a:ln>
               <a:extLst>
                 <a:ext uri="{91240B29-F687-4f45-9708-019B960494DF}">
-                  <a14:hiddenLine xmlns="" xmlns:a14="http://schemas.microsoft.com/office/drawing/2010/main" w="9525">
+                  <a14:hiddenLine xmlns:a14="http://schemas.microsoft.com/office/drawing/2010/main" xmlns="" w="9525">
                     <a:solidFill>
                       <a:srgbClr val="000000"/>
                     </a:solidFill>
@@ -11762,7 +11762,7 @@
               </a:ln>
               <a:extLst>
                 <a:ext uri="{91240B29-F687-4f45-9708-019B960494DF}">
-                  <a14:hiddenLine xmlns="" xmlns:a14="http://schemas.microsoft.com/office/drawing/2010/main" w="9525">
+                  <a14:hiddenLine xmlns:a14="http://schemas.microsoft.com/office/drawing/2010/main" xmlns="" w="9525">
                     <a:solidFill>
                       <a:srgbClr val="000000"/>
                     </a:solidFill>
@@ -11877,7 +11877,7 @@
               </a:ln>
               <a:extLst>
                 <a:ext uri="{91240B29-F687-4f45-9708-019B960494DF}">
-                  <a14:hiddenLine xmlns="" xmlns:a14="http://schemas.microsoft.com/office/drawing/2010/main" w="9525">
+                  <a14:hiddenLine xmlns:a14="http://schemas.microsoft.com/office/drawing/2010/main" xmlns="" w="9525">
                     <a:solidFill>
                       <a:srgbClr val="000000"/>
                     </a:solidFill>
@@ -11967,7 +11967,7 @@
               </a:ln>
               <a:extLst>
                 <a:ext uri="{91240B29-F687-4f45-9708-019B960494DF}">
-                  <a14:hiddenLine xmlns="" xmlns:a14="http://schemas.microsoft.com/office/drawing/2010/main" w="9525">
+                  <a14:hiddenLine xmlns:a14="http://schemas.microsoft.com/office/drawing/2010/main" xmlns="" w="9525">
                     <a:solidFill>
                       <a:srgbClr val="000000"/>
                     </a:solidFill>
@@ -12032,7 +12032,7 @@
               </a:ln>
               <a:extLst>
                 <a:ext uri="{91240B29-F687-4f45-9708-019B960494DF}">
-                  <a14:hiddenLine xmlns="" xmlns:a14="http://schemas.microsoft.com/office/drawing/2010/main" w="9525">
+                  <a14:hiddenLine xmlns:a14="http://schemas.microsoft.com/office/drawing/2010/main" xmlns="" w="9525">
                     <a:solidFill>
                       <a:srgbClr val="000000"/>
                     </a:solidFill>
@@ -12122,7 +12122,7 @@
               </a:ln>
               <a:extLst>
                 <a:ext uri="{91240B29-F687-4f45-9708-019B960494DF}">
-                  <a14:hiddenLine xmlns="" xmlns:a14="http://schemas.microsoft.com/office/drawing/2010/main" w="9525">
+                  <a14:hiddenLine xmlns:a14="http://schemas.microsoft.com/office/drawing/2010/main" xmlns="" w="9525">
                     <a:solidFill>
                       <a:srgbClr val="000000"/>
                     </a:solidFill>
@@ -12190,7 +12190,7 @@
               </a:ln>
               <a:extLst>
                 <a:ext uri="{91240B29-F687-4f45-9708-019B960494DF}">
-                  <a14:hiddenLine xmlns="" xmlns:a14="http://schemas.microsoft.com/office/drawing/2010/main" w="9525">
+                  <a14:hiddenLine xmlns:a14="http://schemas.microsoft.com/office/drawing/2010/main" xmlns="" w="9525">
                     <a:solidFill>
                       <a:srgbClr val="000000"/>
                     </a:solidFill>
@@ -12280,7 +12280,7 @@
               </a:ln>
               <a:extLst>
                 <a:ext uri="{91240B29-F687-4f45-9708-019B960494DF}">
-                  <a14:hiddenLine xmlns="" xmlns:a14="http://schemas.microsoft.com/office/drawing/2010/main" w="9525">
+                  <a14:hiddenLine xmlns:a14="http://schemas.microsoft.com/office/drawing/2010/main" xmlns="" w="9525">
                     <a:solidFill>
                       <a:srgbClr val="000000"/>
                     </a:solidFill>
@@ -12348,7 +12348,7 @@
               </a:ln>
               <a:extLst>
                 <a:ext uri="{91240B29-F687-4f45-9708-019B960494DF}">
-                  <a14:hiddenLine xmlns="" xmlns:a14="http://schemas.microsoft.com/office/drawing/2010/main" w="9525">
+                  <a14:hiddenLine xmlns:a14="http://schemas.microsoft.com/office/drawing/2010/main" xmlns="" w="9525">
                     <a:solidFill>
                       <a:srgbClr val="000000"/>
                     </a:solidFill>
@@ -12438,7 +12438,7 @@
               </a:ln>
               <a:extLst>
                 <a:ext uri="{91240B29-F687-4f45-9708-019B960494DF}">
-                  <a14:hiddenLine xmlns="" xmlns:a14="http://schemas.microsoft.com/office/drawing/2010/main" w="9525">
+                  <a14:hiddenLine xmlns:a14="http://schemas.microsoft.com/office/drawing/2010/main" xmlns="" w="9525">
                     <a:solidFill>
                       <a:srgbClr val="000000"/>
                     </a:solidFill>
@@ -12472,7 +12472,7 @@
               </a:ln>
               <a:extLst>
                 <a:ext uri="{91240B29-F687-4f45-9708-019B960494DF}">
-                  <a14:hiddenLine xmlns="" xmlns:a14="http://schemas.microsoft.com/office/drawing/2010/main" w="9525">
+                  <a14:hiddenLine xmlns:a14="http://schemas.microsoft.com/office/drawing/2010/main" xmlns="" w="9525">
                     <a:solidFill>
                       <a:srgbClr val="000000"/>
                     </a:solidFill>
@@ -15005,7 +15005,7 @@
         </p:blipFill>
         <p:spPr>
           <a:xfrm>
-            <a:off x="2155006" y="4209689"/>
+            <a:off x="2155006" y="4108655"/>
             <a:ext cx="8454724" cy="206970"/>
           </a:xfrm>
           <a:prstGeom prst="rect">
@@ -15035,7 +15035,7 @@
         </p:blipFill>
         <p:spPr>
           <a:xfrm>
-            <a:off x="2896372" y="3794310"/>
+            <a:off x="2896372" y="3693276"/>
             <a:ext cx="6762124" cy="220624"/>
           </a:xfrm>
           <a:prstGeom prst="rect">
@@ -15160,7 +15160,7 @@
         </p:blipFill>
         <p:spPr>
           <a:xfrm>
-            <a:off x="5139196" y="5057932"/>
+            <a:off x="7226573" y="5161318"/>
             <a:ext cx="2276475" cy="552450"/>
           </a:xfrm>
           <a:prstGeom prst="rect">
@@ -15202,6 +15202,36 @@
           </a:p>
         </p:txBody>
       </p:sp>
+      <p:pic>
+        <p:nvPicPr>
+          <p:cNvPr id="3" name="Image 2">
+            <a:extLst>
+              <a:ext uri="{FF2B5EF4-FFF2-40B4-BE49-F238E27FC236}">
+                <a16:creationId xmlns:a16="http://schemas.microsoft.com/office/drawing/2014/main" id="{97ADCFB6-B6AD-45A8-8F5D-D6ADF33BEF37}"/>
+              </a:ext>
+            </a:extLst>
+          </p:cNvPr>
+          <p:cNvPicPr>
+            <a:picLocks noChangeAspect="1"/>
+          </p:cNvPicPr>
+          <p:nvPr/>
+        </p:nvPicPr>
+        <p:blipFill>
+          <a:blip r:embed="rId6"/>
+          <a:stretch>
+            <a:fillRect/>
+          </a:stretch>
+        </p:blipFill>
+        <p:spPr>
+          <a:xfrm>
+            <a:off x="2155006" y="4652125"/>
+            <a:ext cx="4124325" cy="1638300"/>
+          </a:xfrm>
+          <a:prstGeom prst="rect">
+            <a:avLst/>
+          </a:prstGeom>
+        </p:spPr>
+      </p:pic>
     </p:spTree>
     <p:extLst>
       <p:ext uri="{BB962C8B-B14F-4D97-AF65-F5344CB8AC3E}">

--- a/Soutenance/Diaporama.pptx
+++ b/Soutenance/Diaporama.pptx
@@ -758,7 +758,7 @@
           <a:noFill/>
           <a:extLst>
             <a:ext uri="{909E8E84-426E-40dd-AFC4-6F175D3DCCD1}">
-              <a14:hiddenFill xmlns:a14="http://schemas.microsoft.com/office/drawing/2010/main" xmlns="">
+              <a14:hiddenFill xmlns="" xmlns:a14="http://schemas.microsoft.com/office/drawing/2010/main">
                 <a:solidFill>
                   <a:srgbClr val="FFFFFF"/>
                 </a:solidFill>
@@ -818,7 +818,7 @@
             </a:ln>
             <a:extLst>
               <a:ext uri="{91240B29-F687-4f45-9708-019B960494DF}">
-                <a14:hiddenLine xmlns:a14="http://schemas.microsoft.com/office/drawing/2010/main" xmlns="" w="9525">
+                <a14:hiddenLine xmlns="" xmlns:a14="http://schemas.microsoft.com/office/drawing/2010/main" w="9525">
                   <a:solidFill>
                     <a:srgbClr val="000000"/>
                   </a:solidFill>
@@ -908,7 +908,7 @@
             </a:ln>
             <a:extLst>
               <a:ext uri="{91240B29-F687-4f45-9708-019B960494DF}">
-                <a14:hiddenLine xmlns:a14="http://schemas.microsoft.com/office/drawing/2010/main" xmlns="" w="9525">
+                <a14:hiddenLine xmlns="" xmlns:a14="http://schemas.microsoft.com/office/drawing/2010/main" w="9525">
                   <a:solidFill>
                     <a:srgbClr val="000000"/>
                   </a:solidFill>
@@ -998,7 +998,7 @@
             </a:ln>
             <a:extLst>
               <a:ext uri="{91240B29-F687-4f45-9708-019B960494DF}">
-                <a14:hiddenLine xmlns:a14="http://schemas.microsoft.com/office/drawing/2010/main" xmlns="" w="9525">
+                <a14:hiddenLine xmlns="" xmlns:a14="http://schemas.microsoft.com/office/drawing/2010/main" w="9525">
                   <a:solidFill>
                     <a:srgbClr val="000000"/>
                   </a:solidFill>
@@ -1032,7 +1032,7 @@
             </a:ln>
             <a:extLst>
               <a:ext uri="{91240B29-F687-4f45-9708-019B960494DF}">
-                <a14:hiddenLine xmlns:a14="http://schemas.microsoft.com/office/drawing/2010/main" xmlns="" w="9525">
+                <a14:hiddenLine xmlns="" xmlns:a14="http://schemas.microsoft.com/office/drawing/2010/main" w="9525">
                   <a:solidFill>
                     <a:srgbClr val="000000"/>
                   </a:solidFill>
@@ -1122,7 +1122,7 @@
             </a:ln>
             <a:extLst>
               <a:ext uri="{91240B29-F687-4f45-9708-019B960494DF}">
-                <a14:hiddenLine xmlns:a14="http://schemas.microsoft.com/office/drawing/2010/main" xmlns="" w="9525">
+                <a14:hiddenLine xmlns="" xmlns:a14="http://schemas.microsoft.com/office/drawing/2010/main" w="9525">
                   <a:solidFill>
                     <a:srgbClr val="000000"/>
                   </a:solidFill>
@@ -1184,7 +1184,7 @@
             </a:ln>
             <a:extLst>
               <a:ext uri="{91240B29-F687-4f45-9708-019B960494DF}">
-                <a14:hiddenLine xmlns:a14="http://schemas.microsoft.com/office/drawing/2010/main" xmlns="" w="9525">
+                <a14:hiddenLine xmlns="" xmlns:a14="http://schemas.microsoft.com/office/drawing/2010/main" w="9525">
                   <a:solidFill>
                     <a:srgbClr val="000000"/>
                   </a:solidFill>
@@ -1246,7 +1246,7 @@
             </a:ln>
             <a:extLst>
               <a:ext uri="{91240B29-F687-4f45-9708-019B960494DF}">
-                <a14:hiddenLine xmlns:a14="http://schemas.microsoft.com/office/drawing/2010/main" xmlns="" w="9525">
+                <a14:hiddenLine xmlns="" xmlns:a14="http://schemas.microsoft.com/office/drawing/2010/main" w="9525">
                   <a:solidFill>
                     <a:srgbClr val="000000"/>
                   </a:solidFill>
@@ -1336,7 +1336,7 @@
             </a:ln>
             <a:extLst>
               <a:ext uri="{91240B29-F687-4f45-9708-019B960494DF}">
-                <a14:hiddenLine xmlns:a14="http://schemas.microsoft.com/office/drawing/2010/main" xmlns="" w="9525">
+                <a14:hiddenLine xmlns="" xmlns:a14="http://schemas.microsoft.com/office/drawing/2010/main" w="9525">
                   <a:solidFill>
                     <a:srgbClr val="000000"/>
                   </a:solidFill>
@@ -1398,7 +1398,7 @@
             </a:ln>
             <a:extLst>
               <a:ext uri="{91240B29-F687-4f45-9708-019B960494DF}">
-                <a14:hiddenLine xmlns:a14="http://schemas.microsoft.com/office/drawing/2010/main" xmlns="" w="9525">
+                <a14:hiddenLine xmlns="" xmlns:a14="http://schemas.microsoft.com/office/drawing/2010/main" w="9525">
                   <a:solidFill>
                     <a:srgbClr val="000000"/>
                   </a:solidFill>
@@ -1460,7 +1460,7 @@
             </a:ln>
             <a:extLst>
               <a:ext uri="{91240B29-F687-4f45-9708-019B960494DF}">
-                <a14:hiddenLine xmlns:a14="http://schemas.microsoft.com/office/drawing/2010/main" xmlns="" w="9525">
+                <a14:hiddenLine xmlns="" xmlns:a14="http://schemas.microsoft.com/office/drawing/2010/main" w="9525">
                   <a:solidFill>
                     <a:srgbClr val="000000"/>
                   </a:solidFill>
@@ -1550,7 +1550,7 @@
             </a:ln>
             <a:extLst>
               <a:ext uri="{91240B29-F687-4f45-9708-019B960494DF}">
-                <a14:hiddenLine xmlns:a14="http://schemas.microsoft.com/office/drawing/2010/main" xmlns="" w="9525">
+                <a14:hiddenLine xmlns="" xmlns:a14="http://schemas.microsoft.com/office/drawing/2010/main" w="9525">
                   <a:solidFill>
                     <a:srgbClr val="000000"/>
                   </a:solidFill>
@@ -1640,7 +1640,7 @@
             </a:ln>
             <a:extLst>
               <a:ext uri="{91240B29-F687-4f45-9708-019B960494DF}">
-                <a14:hiddenLine xmlns:a14="http://schemas.microsoft.com/office/drawing/2010/main" xmlns="" w="9525">
+                <a14:hiddenLine xmlns="" xmlns:a14="http://schemas.microsoft.com/office/drawing/2010/main" w="9525">
                   <a:solidFill>
                     <a:srgbClr val="000000"/>
                   </a:solidFill>
@@ -1702,7 +1702,7 @@
             </a:ln>
             <a:extLst>
               <a:ext uri="{91240B29-F687-4f45-9708-019B960494DF}">
-                <a14:hiddenLine xmlns:a14="http://schemas.microsoft.com/office/drawing/2010/main" xmlns="" w="9525">
+                <a14:hiddenLine xmlns="" xmlns:a14="http://schemas.microsoft.com/office/drawing/2010/main" w="9525">
                   <a:solidFill>
                     <a:srgbClr val="000000"/>
                   </a:solidFill>
@@ -1812,7 +1812,7 @@
             </a:ln>
             <a:extLst>
               <a:ext uri="{91240B29-F687-4f45-9708-019B960494DF}">
-                <a14:hiddenLine xmlns:a14="http://schemas.microsoft.com/office/drawing/2010/main" xmlns="" w="9525">
+                <a14:hiddenLine xmlns="" xmlns:a14="http://schemas.microsoft.com/office/drawing/2010/main" w="9525">
                   <a:solidFill>
                     <a:srgbClr val="000000"/>
                   </a:solidFill>
@@ -1874,7 +1874,7 @@
             </a:ln>
             <a:extLst>
               <a:ext uri="{91240B29-F687-4f45-9708-019B960494DF}">
-                <a14:hiddenLine xmlns:a14="http://schemas.microsoft.com/office/drawing/2010/main" xmlns="" w="9525">
+                <a14:hiddenLine xmlns="" xmlns:a14="http://schemas.microsoft.com/office/drawing/2010/main" w="9525">
                   <a:solidFill>
                     <a:srgbClr val="000000"/>
                   </a:solidFill>
@@ -1964,7 +1964,7 @@
             </a:ln>
             <a:extLst>
               <a:ext uri="{91240B29-F687-4f45-9708-019B960494DF}">
-                <a14:hiddenLine xmlns:a14="http://schemas.microsoft.com/office/drawing/2010/main" xmlns="" w="9525">
+                <a14:hiddenLine xmlns="" xmlns:a14="http://schemas.microsoft.com/office/drawing/2010/main" w="9525">
                   <a:solidFill>
                     <a:srgbClr val="000000"/>
                   </a:solidFill>
@@ -2054,7 +2054,7 @@
             </a:ln>
             <a:extLst>
               <a:ext uri="{91240B29-F687-4f45-9708-019B960494DF}">
-                <a14:hiddenLine xmlns:a14="http://schemas.microsoft.com/office/drawing/2010/main" xmlns="" w="9525">
+                <a14:hiddenLine xmlns="" xmlns:a14="http://schemas.microsoft.com/office/drawing/2010/main" w="9525">
                   <a:solidFill>
                     <a:srgbClr val="000000"/>
                   </a:solidFill>
@@ -2116,7 +2116,7 @@
             </a:ln>
             <a:extLst>
               <a:ext uri="{91240B29-F687-4f45-9708-019B960494DF}">
-                <a14:hiddenLine xmlns:a14="http://schemas.microsoft.com/office/drawing/2010/main" xmlns="" w="9525">
+                <a14:hiddenLine xmlns="" xmlns:a14="http://schemas.microsoft.com/office/drawing/2010/main" w="9525">
                   <a:solidFill>
                     <a:srgbClr val="000000"/>
                   </a:solidFill>
@@ -2206,7 +2206,7 @@
             </a:ln>
             <a:extLst>
               <a:ext uri="{91240B29-F687-4f45-9708-019B960494DF}">
-                <a14:hiddenLine xmlns:a14="http://schemas.microsoft.com/office/drawing/2010/main" xmlns="" w="9525">
+                <a14:hiddenLine xmlns="" xmlns:a14="http://schemas.microsoft.com/office/drawing/2010/main" w="9525">
                   <a:solidFill>
                     <a:srgbClr val="000000"/>
                   </a:solidFill>
@@ -2296,7 +2296,7 @@
             </a:ln>
             <a:extLst>
               <a:ext uri="{91240B29-F687-4f45-9708-019B960494DF}">
-                <a14:hiddenLine xmlns:a14="http://schemas.microsoft.com/office/drawing/2010/main" xmlns="" w="9525">
+                <a14:hiddenLine xmlns="" xmlns:a14="http://schemas.microsoft.com/office/drawing/2010/main" w="9525">
                   <a:solidFill>
                     <a:srgbClr val="000000"/>
                   </a:solidFill>
@@ -2352,7 +2352,7 @@
             </a:ln>
             <a:extLst>
               <a:ext uri="{91240B29-F687-4f45-9708-019B960494DF}">
-                <a14:hiddenLine xmlns:a14="http://schemas.microsoft.com/office/drawing/2010/main" xmlns="" w="9525">
+                <a14:hiddenLine xmlns="" xmlns:a14="http://schemas.microsoft.com/office/drawing/2010/main" w="9525">
                   <a:solidFill>
                     <a:srgbClr val="000000"/>
                   </a:solidFill>
@@ -2442,7 +2442,7 @@
             </a:ln>
             <a:extLst>
               <a:ext uri="{91240B29-F687-4f45-9708-019B960494DF}">
-                <a14:hiddenLine xmlns:a14="http://schemas.microsoft.com/office/drawing/2010/main" xmlns="" w="9525">
+                <a14:hiddenLine xmlns="" xmlns:a14="http://schemas.microsoft.com/office/drawing/2010/main" w="9525">
                   <a:solidFill>
                     <a:srgbClr val="000000"/>
                   </a:solidFill>
@@ -2498,7 +2498,7 @@
             </a:ln>
             <a:extLst>
               <a:ext uri="{91240B29-F687-4f45-9708-019B960494DF}">
-                <a14:hiddenLine xmlns:a14="http://schemas.microsoft.com/office/drawing/2010/main" xmlns="" w="9525">
+                <a14:hiddenLine xmlns="" xmlns:a14="http://schemas.microsoft.com/office/drawing/2010/main" w="9525">
                   <a:solidFill>
                     <a:srgbClr val="000000"/>
                   </a:solidFill>
@@ -2588,7 +2588,7 @@
             </a:ln>
             <a:extLst>
               <a:ext uri="{91240B29-F687-4f45-9708-019B960494DF}">
-                <a14:hiddenLine xmlns:a14="http://schemas.microsoft.com/office/drawing/2010/main" xmlns="" w="9525">
+                <a14:hiddenLine xmlns="" xmlns:a14="http://schemas.microsoft.com/office/drawing/2010/main" w="9525">
                   <a:solidFill>
                     <a:srgbClr val="000000"/>
                   </a:solidFill>
@@ -2656,7 +2656,7 @@
             </a:ln>
             <a:extLst>
               <a:ext uri="{91240B29-F687-4f45-9708-019B960494DF}">
-                <a14:hiddenLine xmlns:a14="http://schemas.microsoft.com/office/drawing/2010/main" xmlns="" w="9525">
+                <a14:hiddenLine xmlns="" xmlns:a14="http://schemas.microsoft.com/office/drawing/2010/main" w="9525">
                   <a:solidFill>
                     <a:srgbClr val="000000"/>
                   </a:solidFill>
@@ -2746,7 +2746,7 @@
             </a:ln>
             <a:extLst>
               <a:ext uri="{91240B29-F687-4f45-9708-019B960494DF}">
-                <a14:hiddenLine xmlns:a14="http://schemas.microsoft.com/office/drawing/2010/main" xmlns="" w="9525">
+                <a14:hiddenLine xmlns="" xmlns:a14="http://schemas.microsoft.com/office/drawing/2010/main" w="9525">
                   <a:solidFill>
                     <a:srgbClr val="000000"/>
                   </a:solidFill>
@@ -2814,7 +2814,7 @@
             </a:ln>
             <a:extLst>
               <a:ext uri="{91240B29-F687-4f45-9708-019B960494DF}">
-                <a14:hiddenLine xmlns:a14="http://schemas.microsoft.com/office/drawing/2010/main" xmlns="" w="9525">
+                <a14:hiddenLine xmlns="" xmlns:a14="http://schemas.microsoft.com/office/drawing/2010/main" w="9525">
                   <a:solidFill>
                     <a:srgbClr val="000000"/>
                   </a:solidFill>
@@ -2904,7 +2904,7 @@
             </a:ln>
             <a:extLst>
               <a:ext uri="{91240B29-F687-4f45-9708-019B960494DF}">
-                <a14:hiddenLine xmlns:a14="http://schemas.microsoft.com/office/drawing/2010/main" xmlns="" w="9525">
+                <a14:hiddenLine xmlns="" xmlns:a14="http://schemas.microsoft.com/office/drawing/2010/main" w="9525">
                   <a:solidFill>
                     <a:srgbClr val="000000"/>
                   </a:solidFill>
@@ -2938,7 +2938,7 @@
             </a:ln>
             <a:extLst>
               <a:ext uri="{91240B29-F687-4f45-9708-019B960494DF}">
-                <a14:hiddenLine xmlns:a14="http://schemas.microsoft.com/office/drawing/2010/main" xmlns="" w="9525">
+                <a14:hiddenLine xmlns="" xmlns:a14="http://schemas.microsoft.com/office/drawing/2010/main" w="9525">
                   <a:solidFill>
                     <a:srgbClr val="000000"/>
                   </a:solidFill>
@@ -3028,7 +3028,7 @@
             </a:ln>
             <a:extLst>
               <a:ext uri="{91240B29-F687-4f45-9708-019B960494DF}">
-                <a14:hiddenLine xmlns:a14="http://schemas.microsoft.com/office/drawing/2010/main" xmlns="" w="9525">
+                <a14:hiddenLine xmlns="" xmlns:a14="http://schemas.microsoft.com/office/drawing/2010/main" w="9525">
                   <a:solidFill>
                     <a:srgbClr val="000000"/>
                   </a:solidFill>
@@ -3090,7 +3090,7 @@
             </a:ln>
             <a:extLst>
               <a:ext uri="{91240B29-F687-4f45-9708-019B960494DF}">
-                <a14:hiddenLine xmlns:a14="http://schemas.microsoft.com/office/drawing/2010/main" xmlns="" w="9525">
+                <a14:hiddenLine xmlns="" xmlns:a14="http://schemas.microsoft.com/office/drawing/2010/main" w="9525">
                   <a:solidFill>
                     <a:srgbClr val="000000"/>
                   </a:solidFill>
@@ -3152,7 +3152,7 @@
             </a:ln>
             <a:extLst>
               <a:ext uri="{91240B29-F687-4f45-9708-019B960494DF}">
-                <a14:hiddenLine xmlns:a14="http://schemas.microsoft.com/office/drawing/2010/main" xmlns="" w="9525">
+                <a14:hiddenLine xmlns="" xmlns:a14="http://schemas.microsoft.com/office/drawing/2010/main" w="9525">
                   <a:solidFill>
                     <a:srgbClr val="000000"/>
                   </a:solidFill>
@@ -3242,7 +3242,7 @@
             </a:ln>
             <a:extLst>
               <a:ext uri="{91240B29-F687-4f45-9708-019B960494DF}">
-                <a14:hiddenLine xmlns:a14="http://schemas.microsoft.com/office/drawing/2010/main" xmlns="" w="9525">
+                <a14:hiddenLine xmlns="" xmlns:a14="http://schemas.microsoft.com/office/drawing/2010/main" w="9525">
                   <a:solidFill>
                     <a:srgbClr val="000000"/>
                   </a:solidFill>
@@ -3310,7 +3310,7 @@
             </a:ln>
             <a:extLst>
               <a:ext uri="{91240B29-F687-4f45-9708-019B960494DF}">
-                <a14:hiddenLine xmlns:a14="http://schemas.microsoft.com/office/drawing/2010/main" xmlns="" w="9525">
+                <a14:hiddenLine xmlns="" xmlns:a14="http://schemas.microsoft.com/office/drawing/2010/main" w="9525">
                   <a:solidFill>
                     <a:srgbClr val="000000"/>
                   </a:solidFill>
@@ -3372,7 +3372,7 @@
             </a:ln>
             <a:extLst>
               <a:ext uri="{91240B29-F687-4f45-9708-019B960494DF}">
-                <a14:hiddenLine xmlns:a14="http://schemas.microsoft.com/office/drawing/2010/main" xmlns="" w="9525">
+                <a14:hiddenLine xmlns="" xmlns:a14="http://schemas.microsoft.com/office/drawing/2010/main" w="9525">
                   <a:solidFill>
                     <a:srgbClr val="000000"/>
                   </a:solidFill>
@@ -3462,7 +3462,7 @@
             </a:ln>
             <a:extLst>
               <a:ext uri="{91240B29-F687-4f45-9708-019B960494DF}">
-                <a14:hiddenLine xmlns:a14="http://schemas.microsoft.com/office/drawing/2010/main" xmlns="" w="9525">
+                <a14:hiddenLine xmlns="" xmlns:a14="http://schemas.microsoft.com/office/drawing/2010/main" w="9525">
                   <a:solidFill>
                     <a:srgbClr val="000000"/>
                   </a:solidFill>
@@ -3524,7 +3524,7 @@
             </a:ln>
             <a:extLst>
               <a:ext uri="{91240B29-F687-4f45-9708-019B960494DF}">
-                <a14:hiddenLine xmlns:a14="http://schemas.microsoft.com/office/drawing/2010/main" xmlns="" w="9525">
+                <a14:hiddenLine xmlns="" xmlns:a14="http://schemas.microsoft.com/office/drawing/2010/main" w="9525">
                   <a:solidFill>
                     <a:srgbClr val="000000"/>
                   </a:solidFill>
@@ -3614,7 +3614,7 @@
             </a:ln>
             <a:extLst>
               <a:ext uri="{91240B29-F687-4f45-9708-019B960494DF}">
-                <a14:hiddenLine xmlns:a14="http://schemas.microsoft.com/office/drawing/2010/main" xmlns="" w="9525">
+                <a14:hiddenLine xmlns="" xmlns:a14="http://schemas.microsoft.com/office/drawing/2010/main" w="9525">
                   <a:solidFill>
                     <a:srgbClr val="000000"/>
                   </a:solidFill>
@@ -3676,7 +3676,7 @@
             </a:ln>
             <a:extLst>
               <a:ext uri="{91240B29-F687-4f45-9708-019B960494DF}">
-                <a14:hiddenLine xmlns:a14="http://schemas.microsoft.com/office/drawing/2010/main" xmlns="" w="9525">
+                <a14:hiddenLine xmlns="" xmlns:a14="http://schemas.microsoft.com/office/drawing/2010/main" w="9525">
                   <a:solidFill>
                     <a:srgbClr val="000000"/>
                   </a:solidFill>
@@ -3766,7 +3766,7 @@
             </a:ln>
             <a:extLst>
               <a:ext uri="{91240B29-F687-4f45-9708-019B960494DF}">
-                <a14:hiddenLine xmlns:a14="http://schemas.microsoft.com/office/drawing/2010/main" xmlns="" w="9525">
+                <a14:hiddenLine xmlns="" xmlns:a14="http://schemas.microsoft.com/office/drawing/2010/main" w="9525">
                   <a:solidFill>
                     <a:srgbClr val="000000"/>
                   </a:solidFill>
@@ -3800,7 +3800,7 @@
             </a:ln>
             <a:extLst>
               <a:ext uri="{91240B29-F687-4f45-9708-019B960494DF}">
-                <a14:hiddenLine xmlns:a14="http://schemas.microsoft.com/office/drawing/2010/main" xmlns="" w="9525">
+                <a14:hiddenLine xmlns="" xmlns:a14="http://schemas.microsoft.com/office/drawing/2010/main" w="9525">
                   <a:solidFill>
                     <a:srgbClr val="000000"/>
                   </a:solidFill>
@@ -3865,7 +3865,7 @@
             </a:ln>
             <a:extLst>
               <a:ext uri="{91240B29-F687-4f45-9708-019B960494DF}">
-                <a14:hiddenLine xmlns:a14="http://schemas.microsoft.com/office/drawing/2010/main" xmlns="" w="9525">
+                <a14:hiddenLine xmlns="" xmlns:a14="http://schemas.microsoft.com/office/drawing/2010/main" w="9525">
                   <a:solidFill>
                     <a:srgbClr val="000000"/>
                   </a:solidFill>
@@ -3955,7 +3955,7 @@
             </a:ln>
             <a:extLst>
               <a:ext uri="{91240B29-F687-4f45-9708-019B960494DF}">
-                <a14:hiddenLine xmlns:a14="http://schemas.microsoft.com/office/drawing/2010/main" xmlns="" w="9525">
+                <a14:hiddenLine xmlns="" xmlns:a14="http://schemas.microsoft.com/office/drawing/2010/main" w="9525">
                   <a:solidFill>
                     <a:srgbClr val="000000"/>
                   </a:solidFill>
@@ -4017,7 +4017,7 @@
             </a:ln>
             <a:extLst>
               <a:ext uri="{91240B29-F687-4f45-9708-019B960494DF}">
-                <a14:hiddenLine xmlns:a14="http://schemas.microsoft.com/office/drawing/2010/main" xmlns="" w="9525">
+                <a14:hiddenLine xmlns="" xmlns:a14="http://schemas.microsoft.com/office/drawing/2010/main" w="9525">
                   <a:solidFill>
                     <a:srgbClr val="000000"/>
                   </a:solidFill>
@@ -4107,7 +4107,7 @@
             </a:ln>
             <a:extLst>
               <a:ext uri="{91240B29-F687-4f45-9708-019B960494DF}">
-                <a14:hiddenLine xmlns:a14="http://schemas.microsoft.com/office/drawing/2010/main" xmlns="" w="9525">
+                <a14:hiddenLine xmlns="" xmlns:a14="http://schemas.microsoft.com/office/drawing/2010/main" w="9525">
                   <a:solidFill>
                     <a:srgbClr val="000000"/>
                   </a:solidFill>
@@ -4197,7 +4197,7 @@
             </a:ln>
             <a:extLst>
               <a:ext uri="{91240B29-F687-4f45-9708-019B960494DF}">
-                <a14:hiddenLine xmlns:a14="http://schemas.microsoft.com/office/drawing/2010/main" xmlns="" w="9525">
+                <a14:hiddenLine xmlns="" xmlns:a14="http://schemas.microsoft.com/office/drawing/2010/main" w="9525">
                   <a:solidFill>
                     <a:srgbClr val="000000"/>
                   </a:solidFill>
@@ -4262,7 +4262,7 @@
             </a:ln>
             <a:extLst>
               <a:ext uri="{91240B29-F687-4f45-9708-019B960494DF}">
-                <a14:hiddenLine xmlns:a14="http://schemas.microsoft.com/office/drawing/2010/main" xmlns="" w="9525">
+                <a14:hiddenLine xmlns="" xmlns:a14="http://schemas.microsoft.com/office/drawing/2010/main" w="9525">
                   <a:solidFill>
                     <a:srgbClr val="000000"/>
                   </a:solidFill>
@@ -4324,7 +4324,7 @@
             </a:ln>
             <a:extLst>
               <a:ext uri="{91240B29-F687-4f45-9708-019B960494DF}">
-                <a14:hiddenLine xmlns:a14="http://schemas.microsoft.com/office/drawing/2010/main" xmlns="" w="9525">
+                <a14:hiddenLine xmlns="" xmlns:a14="http://schemas.microsoft.com/office/drawing/2010/main" w="9525">
                   <a:solidFill>
                     <a:srgbClr val="000000"/>
                   </a:solidFill>
@@ -4414,7 +4414,7 @@
             </a:ln>
             <a:extLst>
               <a:ext uri="{91240B29-F687-4f45-9708-019B960494DF}">
-                <a14:hiddenLine xmlns:a14="http://schemas.microsoft.com/office/drawing/2010/main" xmlns="" w="9525">
+                <a14:hiddenLine xmlns="" xmlns:a14="http://schemas.microsoft.com/office/drawing/2010/main" w="9525">
                   <a:solidFill>
                     <a:srgbClr val="000000"/>
                   </a:solidFill>
@@ -4504,7 +4504,7 @@
             </a:ln>
             <a:extLst>
               <a:ext uri="{91240B29-F687-4f45-9708-019B960494DF}">
-                <a14:hiddenLine xmlns:a14="http://schemas.microsoft.com/office/drawing/2010/main" xmlns="" w="9525">
+                <a14:hiddenLine xmlns="" xmlns:a14="http://schemas.microsoft.com/office/drawing/2010/main" w="9525">
                   <a:solidFill>
                     <a:srgbClr val="000000"/>
                   </a:solidFill>
@@ -4566,7 +4566,7 @@
             </a:ln>
             <a:extLst>
               <a:ext uri="{91240B29-F687-4f45-9708-019B960494DF}">
-                <a14:hiddenLine xmlns:a14="http://schemas.microsoft.com/office/drawing/2010/main" xmlns="" w="9525">
+                <a14:hiddenLine xmlns="" xmlns:a14="http://schemas.microsoft.com/office/drawing/2010/main" w="9525">
                   <a:solidFill>
                     <a:srgbClr val="000000"/>
                   </a:solidFill>
@@ -4686,7 +4686,7 @@
             </a:ln>
             <a:extLst>
               <a:ext uri="{91240B29-F687-4f45-9708-019B960494DF}">
-                <a14:hiddenLine xmlns:a14="http://schemas.microsoft.com/office/drawing/2010/main" xmlns="" w="9525">
+                <a14:hiddenLine xmlns="" xmlns:a14="http://schemas.microsoft.com/office/drawing/2010/main" w="9525">
                   <a:solidFill>
                     <a:srgbClr val="000000"/>
                   </a:solidFill>
@@ -4754,7 +4754,7 @@
             </a:ln>
             <a:extLst>
               <a:ext uri="{91240B29-F687-4f45-9708-019B960494DF}">
-                <a14:hiddenLine xmlns:a14="http://schemas.microsoft.com/office/drawing/2010/main" xmlns="" w="9525">
+                <a14:hiddenLine xmlns="" xmlns:a14="http://schemas.microsoft.com/office/drawing/2010/main" w="9525">
                   <a:solidFill>
                     <a:srgbClr val="000000"/>
                   </a:solidFill>
@@ -4844,7 +4844,7 @@
             </a:ln>
             <a:extLst>
               <a:ext uri="{91240B29-F687-4f45-9708-019B960494DF}">
-                <a14:hiddenLine xmlns:a14="http://schemas.microsoft.com/office/drawing/2010/main" xmlns="" w="9525">
+                <a14:hiddenLine xmlns="" xmlns:a14="http://schemas.microsoft.com/office/drawing/2010/main" w="9525">
                   <a:solidFill>
                     <a:srgbClr val="000000"/>
                   </a:solidFill>
@@ -9651,7 +9651,7 @@
           <a:noFill/>
           <a:extLst>
             <a:ext uri="{909E8E84-426E-40dd-AFC4-6F175D3DCCD1}">
-              <a14:hiddenFill xmlns:a14="http://schemas.microsoft.com/office/drawing/2010/main" xmlns="">
+              <a14:hiddenFill xmlns="" xmlns:a14="http://schemas.microsoft.com/office/drawing/2010/main">
                 <a:solidFill>
                   <a:srgbClr val="FFFFFF"/>
                 </a:solidFill>
@@ -9725,7 +9725,7 @@
               </a:ln>
               <a:extLst>
                 <a:ext uri="{91240B29-F687-4f45-9708-019B960494DF}">
-                  <a14:hiddenLine xmlns:a14="http://schemas.microsoft.com/office/drawing/2010/main" xmlns="" w="9525">
+                  <a14:hiddenLine xmlns="" xmlns:a14="http://schemas.microsoft.com/office/drawing/2010/main" w="9525">
                     <a:solidFill>
                       <a:srgbClr val="000000"/>
                     </a:solidFill>
@@ -9815,7 +9815,7 @@
               </a:ln>
               <a:extLst>
                 <a:ext uri="{91240B29-F687-4f45-9708-019B960494DF}">
-                  <a14:hiddenLine xmlns:a14="http://schemas.microsoft.com/office/drawing/2010/main" xmlns="" w="9525">
+                  <a14:hiddenLine xmlns="" xmlns:a14="http://schemas.microsoft.com/office/drawing/2010/main" w="9525">
                     <a:solidFill>
                       <a:srgbClr val="000000"/>
                     </a:solidFill>
@@ -9905,7 +9905,7 @@
               </a:ln>
               <a:extLst>
                 <a:ext uri="{91240B29-F687-4f45-9708-019B960494DF}">
-                  <a14:hiddenLine xmlns:a14="http://schemas.microsoft.com/office/drawing/2010/main" xmlns="" w="9525">
+                  <a14:hiddenLine xmlns="" xmlns:a14="http://schemas.microsoft.com/office/drawing/2010/main" w="9525">
                     <a:solidFill>
                       <a:srgbClr val="000000"/>
                     </a:solidFill>
@@ -9967,7 +9967,7 @@
               </a:ln>
               <a:extLst>
                 <a:ext uri="{91240B29-F687-4f45-9708-019B960494DF}">
-                  <a14:hiddenLine xmlns:a14="http://schemas.microsoft.com/office/drawing/2010/main" xmlns="" w="9525">
+                  <a14:hiddenLine xmlns="" xmlns:a14="http://schemas.microsoft.com/office/drawing/2010/main" w="9525">
                     <a:solidFill>
                       <a:srgbClr val="000000"/>
                     </a:solidFill>
@@ -10057,7 +10057,7 @@
               </a:ln>
               <a:extLst>
                 <a:ext uri="{91240B29-F687-4f45-9708-019B960494DF}">
-                  <a14:hiddenLine xmlns:a14="http://schemas.microsoft.com/office/drawing/2010/main" xmlns="" w="9525">
+                  <a14:hiddenLine xmlns="" xmlns:a14="http://schemas.microsoft.com/office/drawing/2010/main" w="9525">
                     <a:solidFill>
                       <a:srgbClr val="000000"/>
                     </a:solidFill>
@@ -10119,7 +10119,7 @@
               </a:ln>
               <a:extLst>
                 <a:ext uri="{91240B29-F687-4f45-9708-019B960494DF}">
-                  <a14:hiddenLine xmlns:a14="http://schemas.microsoft.com/office/drawing/2010/main" xmlns="" w="9525">
+                  <a14:hiddenLine xmlns="" xmlns:a14="http://schemas.microsoft.com/office/drawing/2010/main" w="9525">
                     <a:solidFill>
                       <a:srgbClr val="000000"/>
                     </a:solidFill>
@@ -10181,7 +10181,7 @@
               </a:ln>
               <a:extLst>
                 <a:ext uri="{91240B29-F687-4f45-9708-019B960494DF}">
-                  <a14:hiddenLine xmlns:a14="http://schemas.microsoft.com/office/drawing/2010/main" xmlns="" w="9525">
+                  <a14:hiddenLine xmlns="" xmlns:a14="http://schemas.microsoft.com/office/drawing/2010/main" w="9525">
                     <a:solidFill>
                       <a:srgbClr val="000000"/>
                     </a:solidFill>
@@ -10271,7 +10271,7 @@
               </a:ln>
               <a:extLst>
                 <a:ext uri="{91240B29-F687-4f45-9708-019B960494DF}">
-                  <a14:hiddenLine xmlns:a14="http://schemas.microsoft.com/office/drawing/2010/main" xmlns="" w="9525">
+                  <a14:hiddenLine xmlns="" xmlns:a14="http://schemas.microsoft.com/office/drawing/2010/main" w="9525">
                     <a:solidFill>
                       <a:srgbClr val="000000"/>
                     </a:solidFill>
@@ -10361,7 +10361,7 @@
               </a:ln>
               <a:extLst>
                 <a:ext uri="{91240B29-F687-4f45-9708-019B960494DF}">
-                  <a14:hiddenLine xmlns:a14="http://schemas.microsoft.com/office/drawing/2010/main" xmlns="" w="9525">
+                  <a14:hiddenLine xmlns="" xmlns:a14="http://schemas.microsoft.com/office/drawing/2010/main" w="9525">
                     <a:solidFill>
                       <a:srgbClr val="000000"/>
                     </a:solidFill>
@@ -10423,7 +10423,7 @@
               </a:ln>
               <a:extLst>
                 <a:ext uri="{91240B29-F687-4f45-9708-019B960494DF}">
-                  <a14:hiddenLine xmlns:a14="http://schemas.microsoft.com/office/drawing/2010/main" xmlns="" w="9525">
+                  <a14:hiddenLine xmlns="" xmlns:a14="http://schemas.microsoft.com/office/drawing/2010/main" w="9525">
                     <a:solidFill>
                       <a:srgbClr val="000000"/>
                     </a:solidFill>
@@ -10533,7 +10533,7 @@
               </a:ln>
               <a:extLst>
                 <a:ext uri="{91240B29-F687-4f45-9708-019B960494DF}">
-                  <a14:hiddenLine xmlns:a14="http://schemas.microsoft.com/office/drawing/2010/main" xmlns="" w="9525">
+                  <a14:hiddenLine xmlns="" xmlns:a14="http://schemas.microsoft.com/office/drawing/2010/main" w="9525">
                     <a:solidFill>
                       <a:srgbClr val="000000"/>
                     </a:solidFill>
@@ -10617,7 +10617,7 @@
               </a:ln>
               <a:extLst>
                 <a:ext uri="{91240B29-F687-4f45-9708-019B960494DF}">
-                  <a14:hiddenLine xmlns:a14="http://schemas.microsoft.com/office/drawing/2010/main" xmlns="" w="9525">
+                  <a14:hiddenLine xmlns="" xmlns:a14="http://schemas.microsoft.com/office/drawing/2010/main" w="9525">
                     <a:solidFill>
                       <a:srgbClr val="000000"/>
                     </a:solidFill>
@@ -10679,7 +10679,7 @@
               </a:ln>
               <a:extLst>
                 <a:ext uri="{91240B29-F687-4f45-9708-019B960494DF}">
-                  <a14:hiddenLine xmlns:a14="http://schemas.microsoft.com/office/drawing/2010/main" xmlns="" w="9525">
+                  <a14:hiddenLine xmlns="" xmlns:a14="http://schemas.microsoft.com/office/drawing/2010/main" w="9525">
                     <a:solidFill>
                       <a:srgbClr val="000000"/>
                     </a:solidFill>
@@ -10741,7 +10741,7 @@
               </a:ln>
               <a:extLst>
                 <a:ext uri="{91240B29-F687-4f45-9708-019B960494DF}">
-                  <a14:hiddenLine xmlns:a14="http://schemas.microsoft.com/office/drawing/2010/main" xmlns="" w="9525">
+                  <a14:hiddenLine xmlns="" xmlns:a14="http://schemas.microsoft.com/office/drawing/2010/main" w="9525">
                     <a:solidFill>
                       <a:srgbClr val="000000"/>
                     </a:solidFill>
@@ -10831,7 +10831,7 @@
               </a:ln>
               <a:extLst>
                 <a:ext uri="{91240B29-F687-4f45-9708-019B960494DF}">
-                  <a14:hiddenLine xmlns:a14="http://schemas.microsoft.com/office/drawing/2010/main" xmlns="" w="9525">
+                  <a14:hiddenLine xmlns="" xmlns:a14="http://schemas.microsoft.com/office/drawing/2010/main" w="9525">
                     <a:solidFill>
                       <a:srgbClr val="000000"/>
                     </a:solidFill>
@@ -10865,7 +10865,7 @@
               </a:ln>
               <a:extLst>
                 <a:ext uri="{91240B29-F687-4f45-9708-019B960494DF}">
-                  <a14:hiddenLine xmlns:a14="http://schemas.microsoft.com/office/drawing/2010/main" xmlns="" w="9525">
+                  <a14:hiddenLine xmlns="" xmlns:a14="http://schemas.microsoft.com/office/drawing/2010/main" w="9525">
                     <a:solidFill>
                       <a:srgbClr val="000000"/>
                     </a:solidFill>
@@ -10930,7 +10930,7 @@
               </a:ln>
               <a:extLst>
                 <a:ext uri="{91240B29-F687-4f45-9708-019B960494DF}">
-                  <a14:hiddenLine xmlns:a14="http://schemas.microsoft.com/office/drawing/2010/main" xmlns="" w="9525">
+                  <a14:hiddenLine xmlns="" xmlns:a14="http://schemas.microsoft.com/office/drawing/2010/main" w="9525">
                     <a:solidFill>
                       <a:srgbClr val="000000"/>
                     </a:solidFill>
@@ -11020,7 +11020,7 @@
               </a:ln>
               <a:extLst>
                 <a:ext uri="{91240B29-F687-4f45-9708-019B960494DF}">
-                  <a14:hiddenLine xmlns:a14="http://schemas.microsoft.com/office/drawing/2010/main" xmlns="" w="9525">
+                  <a14:hiddenLine xmlns="" xmlns:a14="http://schemas.microsoft.com/office/drawing/2010/main" w="9525">
                     <a:solidFill>
                       <a:srgbClr val="000000"/>
                     </a:solidFill>
@@ -11082,7 +11082,7 @@
               </a:ln>
               <a:extLst>
                 <a:ext uri="{91240B29-F687-4f45-9708-019B960494DF}">
-                  <a14:hiddenLine xmlns:a14="http://schemas.microsoft.com/office/drawing/2010/main" xmlns="" w="9525">
+                  <a14:hiddenLine xmlns="" xmlns:a14="http://schemas.microsoft.com/office/drawing/2010/main" w="9525">
                     <a:solidFill>
                       <a:srgbClr val="000000"/>
                     </a:solidFill>
@@ -11172,7 +11172,7 @@
               </a:ln>
               <a:extLst>
                 <a:ext uri="{91240B29-F687-4f45-9708-019B960494DF}">
-                  <a14:hiddenLine xmlns:a14="http://schemas.microsoft.com/office/drawing/2010/main" xmlns="" w="9525">
+                  <a14:hiddenLine xmlns="" xmlns:a14="http://schemas.microsoft.com/office/drawing/2010/main" w="9525">
                     <a:solidFill>
                       <a:srgbClr val="000000"/>
                     </a:solidFill>
@@ -11237,7 +11237,7 @@
               </a:ln>
               <a:extLst>
                 <a:ext uri="{91240B29-F687-4f45-9708-019B960494DF}">
-                  <a14:hiddenLine xmlns:a14="http://schemas.microsoft.com/office/drawing/2010/main" xmlns="" w="9525">
+                  <a14:hiddenLine xmlns="" xmlns:a14="http://schemas.microsoft.com/office/drawing/2010/main" w="9525">
                     <a:solidFill>
                       <a:srgbClr val="000000"/>
                     </a:solidFill>
@@ -11299,7 +11299,7 @@
               </a:ln>
               <a:extLst>
                 <a:ext uri="{91240B29-F687-4f45-9708-019B960494DF}">
-                  <a14:hiddenLine xmlns:a14="http://schemas.microsoft.com/office/drawing/2010/main" xmlns="" w="9525">
+                  <a14:hiddenLine xmlns="" xmlns:a14="http://schemas.microsoft.com/office/drawing/2010/main" w="9525">
                     <a:solidFill>
                       <a:srgbClr val="000000"/>
                     </a:solidFill>
@@ -11389,7 +11389,7 @@
               </a:ln>
               <a:extLst>
                 <a:ext uri="{91240B29-F687-4f45-9708-019B960494DF}">
-                  <a14:hiddenLine xmlns:a14="http://schemas.microsoft.com/office/drawing/2010/main" xmlns="" w="9525">
+                  <a14:hiddenLine xmlns="" xmlns:a14="http://schemas.microsoft.com/office/drawing/2010/main" w="9525">
                     <a:solidFill>
                       <a:srgbClr val="000000"/>
                     </a:solidFill>
@@ -11479,7 +11479,7 @@
               </a:ln>
               <a:extLst>
                 <a:ext uri="{91240B29-F687-4f45-9708-019B960494DF}">
-                  <a14:hiddenLine xmlns:a14="http://schemas.microsoft.com/office/drawing/2010/main" xmlns="" w="9525">
+                  <a14:hiddenLine xmlns="" xmlns:a14="http://schemas.microsoft.com/office/drawing/2010/main" w="9525">
                     <a:solidFill>
                       <a:srgbClr val="000000"/>
                     </a:solidFill>
@@ -11544,7 +11544,7 @@
               </a:ln>
               <a:extLst>
                 <a:ext uri="{91240B29-F687-4f45-9708-019B960494DF}">
-                  <a14:hiddenLine xmlns:a14="http://schemas.microsoft.com/office/drawing/2010/main" xmlns="" w="9525">
+                  <a14:hiddenLine xmlns="" xmlns:a14="http://schemas.microsoft.com/office/drawing/2010/main" w="9525">
                     <a:solidFill>
                       <a:srgbClr val="000000"/>
                     </a:solidFill>
@@ -11664,7 +11664,7 @@
               </a:ln>
               <a:extLst>
                 <a:ext uri="{91240B29-F687-4f45-9708-019B960494DF}">
-                  <a14:hiddenLine xmlns:a14="http://schemas.microsoft.com/office/drawing/2010/main" xmlns="" w="9525">
+                  <a14:hiddenLine xmlns="" xmlns:a14="http://schemas.microsoft.com/office/drawing/2010/main" w="9525">
                     <a:solidFill>
                       <a:srgbClr val="000000"/>
                     </a:solidFill>
@@ -11762,7 +11762,7 @@
               </a:ln>
               <a:extLst>
                 <a:ext uri="{91240B29-F687-4f45-9708-019B960494DF}">
-                  <a14:hiddenLine xmlns:a14="http://schemas.microsoft.com/office/drawing/2010/main" xmlns="" w="9525">
+                  <a14:hiddenLine xmlns="" xmlns:a14="http://schemas.microsoft.com/office/drawing/2010/main" w="9525">
                     <a:solidFill>
                       <a:srgbClr val="000000"/>
                     </a:solidFill>
@@ -11877,7 +11877,7 @@
               </a:ln>
               <a:extLst>
                 <a:ext uri="{91240B29-F687-4f45-9708-019B960494DF}">
-                  <a14:hiddenLine xmlns:a14="http://schemas.microsoft.com/office/drawing/2010/main" xmlns="" w="9525">
+                  <a14:hiddenLine xmlns="" xmlns:a14="http://schemas.microsoft.com/office/drawing/2010/main" w="9525">
                     <a:solidFill>
                       <a:srgbClr val="000000"/>
                     </a:solidFill>
@@ -11967,7 +11967,7 @@
               </a:ln>
               <a:extLst>
                 <a:ext uri="{91240B29-F687-4f45-9708-019B960494DF}">
-                  <a14:hiddenLine xmlns:a14="http://schemas.microsoft.com/office/drawing/2010/main" xmlns="" w="9525">
+                  <a14:hiddenLine xmlns="" xmlns:a14="http://schemas.microsoft.com/office/drawing/2010/main" w="9525">
                     <a:solidFill>
                       <a:srgbClr val="000000"/>
                     </a:solidFill>
@@ -12032,7 +12032,7 @@
               </a:ln>
               <a:extLst>
                 <a:ext uri="{91240B29-F687-4f45-9708-019B960494DF}">
-                  <a14:hiddenLine xmlns:a14="http://schemas.microsoft.com/office/drawing/2010/main" xmlns="" w="9525">
+                  <a14:hiddenLine xmlns="" xmlns:a14="http://schemas.microsoft.com/office/drawing/2010/main" w="9525">
                     <a:solidFill>
                       <a:srgbClr val="000000"/>
                     </a:solidFill>
@@ -12122,7 +12122,7 @@
               </a:ln>
               <a:extLst>
                 <a:ext uri="{91240B29-F687-4f45-9708-019B960494DF}">
-                  <a14:hiddenLine xmlns:a14="http://schemas.microsoft.com/office/drawing/2010/main" xmlns="" w="9525">
+                  <a14:hiddenLine xmlns="" xmlns:a14="http://schemas.microsoft.com/office/drawing/2010/main" w="9525">
                     <a:solidFill>
                       <a:srgbClr val="000000"/>
                     </a:solidFill>
@@ -12190,7 +12190,7 @@
               </a:ln>
               <a:extLst>
                 <a:ext uri="{91240B29-F687-4f45-9708-019B960494DF}">
-                  <a14:hiddenLine xmlns:a14="http://schemas.microsoft.com/office/drawing/2010/main" xmlns="" w="9525">
+                  <a14:hiddenLine xmlns="" xmlns:a14="http://schemas.microsoft.com/office/drawing/2010/main" w="9525">
                     <a:solidFill>
                       <a:srgbClr val="000000"/>
                     </a:solidFill>
@@ -12280,7 +12280,7 @@
               </a:ln>
               <a:extLst>
                 <a:ext uri="{91240B29-F687-4f45-9708-019B960494DF}">
-                  <a14:hiddenLine xmlns:a14="http://schemas.microsoft.com/office/drawing/2010/main" xmlns="" w="9525">
+                  <a14:hiddenLine xmlns="" xmlns:a14="http://schemas.microsoft.com/office/drawing/2010/main" w="9525">
                     <a:solidFill>
                       <a:srgbClr val="000000"/>
                     </a:solidFill>
@@ -12348,7 +12348,7 @@
               </a:ln>
               <a:extLst>
                 <a:ext uri="{91240B29-F687-4f45-9708-019B960494DF}">
-                  <a14:hiddenLine xmlns:a14="http://schemas.microsoft.com/office/drawing/2010/main" xmlns="" w="9525">
+                  <a14:hiddenLine xmlns="" xmlns:a14="http://schemas.microsoft.com/office/drawing/2010/main" w="9525">
                     <a:solidFill>
                       <a:srgbClr val="000000"/>
                     </a:solidFill>
@@ -12438,7 +12438,7 @@
               </a:ln>
               <a:extLst>
                 <a:ext uri="{91240B29-F687-4f45-9708-019B960494DF}">
-                  <a14:hiddenLine xmlns:a14="http://schemas.microsoft.com/office/drawing/2010/main" xmlns="" w="9525">
+                  <a14:hiddenLine xmlns="" xmlns:a14="http://schemas.microsoft.com/office/drawing/2010/main" w="9525">
                     <a:solidFill>
                       <a:srgbClr val="000000"/>
                     </a:solidFill>
@@ -12472,7 +12472,7 @@
               </a:ln>
               <a:extLst>
                 <a:ext uri="{91240B29-F687-4f45-9708-019B960494DF}">
-                  <a14:hiddenLine xmlns:a14="http://schemas.microsoft.com/office/drawing/2010/main" xmlns="" w="9525">
+                  <a14:hiddenLine xmlns="" xmlns:a14="http://schemas.microsoft.com/office/drawing/2010/main" w="9525">
                     <a:solidFill>
                       <a:srgbClr val="000000"/>
                     </a:solidFill>
@@ -14161,7 +14161,7 @@
             </a:r>
             <a:r>
               <a:rPr lang="fr-FR" dirty="0" err="1"/>
-              <a:t>superv.carnofluxe.domaine</a:t>
+              <a:t>superv.carnofluxe.domain</a:t>
             </a:r>
             <a:endParaRPr lang="fr-FR" dirty="0"/>
           </a:p>
@@ -14247,7 +14247,12 @@
             <p:ph type="title"/>
           </p:nvPr>
         </p:nvSpPr>
-        <p:spPr/>
+        <p:spPr>
+          <a:xfrm>
+            <a:off x="1141413" y="618518"/>
+            <a:ext cx="9905998" cy="1478570"/>
+          </a:xfrm>
+        </p:spPr>
         <p:txBody>
           <a:bodyPr/>
           <a:lstStyle/>
@@ -14294,6 +14299,193 @@
           </a:p>
         </p:txBody>
       </p:sp>
+      <p:sp>
+        <p:nvSpPr>
+          <p:cNvPr id="3" name="ZoneTexte 2">
+            <a:extLst>
+              <a:ext uri="{FF2B5EF4-FFF2-40B4-BE49-F238E27FC236}">
+                <a16:creationId xmlns:a16="http://schemas.microsoft.com/office/drawing/2014/main" id="{11CDD356-60F8-4ED8-BABF-5392A971E7B9}"/>
+              </a:ext>
+            </a:extLst>
+          </p:cNvPr>
+          <p:cNvSpPr txBox="1"/>
+          <p:nvPr/>
+        </p:nvSpPr>
+        <p:spPr>
+          <a:xfrm>
+            <a:off x="2331721" y="2564017"/>
+            <a:ext cx="2898648" cy="1477328"/>
+          </a:xfrm>
+          <a:prstGeom prst="rect">
+            <a:avLst/>
+          </a:prstGeom>
+          <a:noFill/>
+        </p:spPr>
+        <p:txBody>
+          <a:bodyPr wrap="square" rtlCol="0">
+            <a:spAutoFit/>
+          </a:bodyPr>
+          <a:lstStyle/>
+          <a:p>
+            <a:r>
+              <a:rPr lang="fr-FR" dirty="0"/>
+              <a:t>Problèmes rencontrées :</a:t>
+            </a:r>
+          </a:p>
+          <a:p>
+            <a:endParaRPr lang="fr-FR" dirty="0"/>
+          </a:p>
+          <a:p>
+            <a:pPr marL="285750" indent="-285750">
+              <a:buFont typeface="Arial" panose="020B0604020202020204" pitchFamily="34" charset="0"/>
+              <a:buChar char="•"/>
+            </a:pPr>
+            <a:r>
+              <a:rPr lang="fr-FR" dirty="0"/>
+              <a:t>Erreurs de frappes</a:t>
+            </a:r>
+          </a:p>
+          <a:p>
+            <a:pPr marL="285750" indent="-285750">
+              <a:buFont typeface="Arial" panose="020B0604020202020204" pitchFamily="34" charset="0"/>
+              <a:buChar char="•"/>
+            </a:pPr>
+            <a:r>
+              <a:rPr lang="fr-FR" dirty="0"/>
+              <a:t>Mise en commun</a:t>
+            </a:r>
+          </a:p>
+          <a:p>
+            <a:pPr marL="285750" indent="-285750">
+              <a:buFont typeface="Arial" panose="020B0604020202020204" pitchFamily="34" charset="0"/>
+              <a:buChar char="•"/>
+            </a:pPr>
+            <a:endParaRPr lang="fr-FR" dirty="0"/>
+          </a:p>
+        </p:txBody>
+      </p:sp>
+      <p:sp>
+        <p:nvSpPr>
+          <p:cNvPr id="5" name="ZoneTexte 4">
+            <a:extLst>
+              <a:ext uri="{FF2B5EF4-FFF2-40B4-BE49-F238E27FC236}">
+                <a16:creationId xmlns:a16="http://schemas.microsoft.com/office/drawing/2014/main" id="{B35F57A9-0140-4E44-A3EF-8C4CA5372974}"/>
+              </a:ext>
+            </a:extLst>
+          </p:cNvPr>
+          <p:cNvSpPr txBox="1"/>
+          <p:nvPr/>
+        </p:nvSpPr>
+        <p:spPr>
+          <a:xfrm>
+            <a:off x="6961633" y="2564017"/>
+            <a:ext cx="3983736" cy="1754326"/>
+          </a:xfrm>
+          <a:prstGeom prst="rect">
+            <a:avLst/>
+          </a:prstGeom>
+          <a:noFill/>
+        </p:spPr>
+        <p:txBody>
+          <a:bodyPr wrap="square" rtlCol="0">
+            <a:spAutoFit/>
+          </a:bodyPr>
+          <a:lstStyle/>
+          <a:p>
+            <a:r>
+              <a:rPr lang="fr-FR" dirty="0"/>
+              <a:t>Points à améliorer :</a:t>
+            </a:r>
+          </a:p>
+          <a:p>
+            <a:endParaRPr lang="fr-FR" dirty="0"/>
+          </a:p>
+          <a:p>
+            <a:pPr marL="285750" indent="-285750">
+              <a:buFont typeface="Arial" panose="020B0604020202020204" pitchFamily="34" charset="0"/>
+              <a:buChar char="•"/>
+            </a:pPr>
+            <a:r>
+              <a:rPr lang="fr-FR" dirty="0"/>
+              <a:t>Sécurité du SSH</a:t>
+            </a:r>
+          </a:p>
+          <a:p>
+            <a:pPr marL="285750" indent="-285750">
+              <a:buFont typeface="Arial" panose="020B0604020202020204" pitchFamily="34" charset="0"/>
+              <a:buChar char="•"/>
+            </a:pPr>
+            <a:r>
+              <a:rPr lang="fr-FR" dirty="0"/>
+              <a:t>Meilleure mise en page des sites</a:t>
+            </a:r>
+          </a:p>
+          <a:p>
+            <a:pPr marL="285750" indent="-285750">
+              <a:buFont typeface="Arial" panose="020B0604020202020204" pitchFamily="34" charset="0"/>
+              <a:buChar char="•"/>
+            </a:pPr>
+            <a:r>
+              <a:rPr lang="fr-FR" dirty="0"/>
+              <a:t>Création d’un serveur mail</a:t>
+            </a:r>
+          </a:p>
+          <a:p>
+            <a:pPr marL="285750" indent="-285750">
+              <a:buFont typeface="Arial" panose="020B0604020202020204" pitchFamily="34" charset="0"/>
+              <a:buChar char="•"/>
+            </a:pPr>
+            <a:endParaRPr lang="fr-FR" dirty="0"/>
+          </a:p>
+        </p:txBody>
+      </p:sp>
+      <p:pic>
+        <p:nvPicPr>
+          <p:cNvPr id="1026" name="Picture 2" descr="RÃ©sultat de recherche d'images pour &quot;conclusion png&quot;">
+            <a:extLst>
+              <a:ext uri="{FF2B5EF4-FFF2-40B4-BE49-F238E27FC236}">
+                <a16:creationId xmlns:a16="http://schemas.microsoft.com/office/drawing/2014/main" id="{9FF33A81-FEB3-46D3-B97F-08042FDE8362}"/>
+              </a:ext>
+            </a:extLst>
+          </p:cNvPr>
+          <p:cNvPicPr>
+            <a:picLocks noChangeAspect="1" noChangeArrowheads="1"/>
+          </p:cNvPicPr>
+          <p:nvPr/>
+        </p:nvPicPr>
+        <p:blipFill>
+          <a:blip r:embed="rId2">
+            <a:extLst>
+              <a:ext uri="{28A0092B-C50C-407E-A947-70E740481C1C}">
+                <a14:useLocalDpi xmlns:a14="http://schemas.microsoft.com/office/drawing/2010/main" val="0"/>
+              </a:ext>
+            </a:extLst>
+          </a:blip>
+          <a:srcRect/>
+          <a:stretch>
+            <a:fillRect/>
+          </a:stretch>
+        </p:blipFill>
+        <p:spPr bwMode="auto">
+          <a:xfrm>
+            <a:off x="5073487" y="4293983"/>
+            <a:ext cx="2041849" cy="2041849"/>
+          </a:xfrm>
+          <a:prstGeom prst="rect">
+            <a:avLst/>
+          </a:prstGeom>
+          <a:noFill/>
+          <a:extLst>
+            <a:ext uri="{909E8E84-426E-40DD-AFC4-6F175D3DCCD1}">
+              <a14:hiddenFill xmlns:a14="http://schemas.microsoft.com/office/drawing/2010/main">
+                <a:solidFill>
+                  <a:srgbClr val="FFFFFF"/>
+                </a:solidFill>
+              </a14:hiddenFill>
+            </a:ext>
+          </a:extLst>
+        </p:spPr>
+      </p:pic>
     </p:spTree>
     <p:extLst>
       <p:ext uri="{BB962C8B-B14F-4D97-AF65-F5344CB8AC3E}">

--- a/Soutenance/Diaporama.pptx
+++ b/Soutenance/Diaporama.pptx
@@ -758,7 +758,7 @@
           <a:noFill/>
           <a:extLst>
             <a:ext uri="{909E8E84-426E-40dd-AFC4-6F175D3DCCD1}">
-              <a14:hiddenFill xmlns="" xmlns:a14="http://schemas.microsoft.com/office/drawing/2010/main">
+              <a14:hiddenFill xmlns:a14="http://schemas.microsoft.com/office/drawing/2010/main" xmlns="">
                 <a:solidFill>
                   <a:srgbClr val="FFFFFF"/>
                 </a:solidFill>
@@ -818,7 +818,7 @@
             </a:ln>
             <a:extLst>
               <a:ext uri="{91240B29-F687-4f45-9708-019B960494DF}">
-                <a14:hiddenLine xmlns="" xmlns:a14="http://schemas.microsoft.com/office/drawing/2010/main" w="9525">
+                <a14:hiddenLine xmlns:a14="http://schemas.microsoft.com/office/drawing/2010/main" xmlns="" w="9525">
                   <a:solidFill>
                     <a:srgbClr val="000000"/>
                   </a:solidFill>
@@ -908,7 +908,7 @@
             </a:ln>
             <a:extLst>
               <a:ext uri="{91240B29-F687-4f45-9708-019B960494DF}">
-                <a14:hiddenLine xmlns="" xmlns:a14="http://schemas.microsoft.com/office/drawing/2010/main" w="9525">
+                <a14:hiddenLine xmlns:a14="http://schemas.microsoft.com/office/drawing/2010/main" xmlns="" w="9525">
                   <a:solidFill>
                     <a:srgbClr val="000000"/>
                   </a:solidFill>
@@ -998,7 +998,7 @@
             </a:ln>
             <a:extLst>
               <a:ext uri="{91240B29-F687-4f45-9708-019B960494DF}">
-                <a14:hiddenLine xmlns="" xmlns:a14="http://schemas.microsoft.com/office/drawing/2010/main" w="9525">
+                <a14:hiddenLine xmlns:a14="http://schemas.microsoft.com/office/drawing/2010/main" xmlns="" w="9525">
                   <a:solidFill>
                     <a:srgbClr val="000000"/>
                   </a:solidFill>
@@ -1032,7 +1032,7 @@
             </a:ln>
             <a:extLst>
               <a:ext uri="{91240B29-F687-4f45-9708-019B960494DF}">
-                <a14:hiddenLine xmlns="" xmlns:a14="http://schemas.microsoft.com/office/drawing/2010/main" w="9525">
+                <a14:hiddenLine xmlns:a14="http://schemas.microsoft.com/office/drawing/2010/main" xmlns="" w="9525">
                   <a:solidFill>
                     <a:srgbClr val="000000"/>
                   </a:solidFill>
@@ -1122,7 +1122,7 @@
             </a:ln>
             <a:extLst>
               <a:ext uri="{91240B29-F687-4f45-9708-019B960494DF}">
-                <a14:hiddenLine xmlns="" xmlns:a14="http://schemas.microsoft.com/office/drawing/2010/main" w="9525">
+                <a14:hiddenLine xmlns:a14="http://schemas.microsoft.com/office/drawing/2010/main" xmlns="" w="9525">
                   <a:solidFill>
                     <a:srgbClr val="000000"/>
                   </a:solidFill>
@@ -1184,7 +1184,7 @@
             </a:ln>
             <a:extLst>
               <a:ext uri="{91240B29-F687-4f45-9708-019B960494DF}">
-                <a14:hiddenLine xmlns="" xmlns:a14="http://schemas.microsoft.com/office/drawing/2010/main" w="9525">
+                <a14:hiddenLine xmlns:a14="http://schemas.microsoft.com/office/drawing/2010/main" xmlns="" w="9525">
                   <a:solidFill>
                     <a:srgbClr val="000000"/>
                   </a:solidFill>
@@ -1246,7 +1246,7 @@
             </a:ln>
             <a:extLst>
               <a:ext uri="{91240B29-F687-4f45-9708-019B960494DF}">
-                <a14:hiddenLine xmlns="" xmlns:a14="http://schemas.microsoft.com/office/drawing/2010/main" w="9525">
+                <a14:hiddenLine xmlns:a14="http://schemas.microsoft.com/office/drawing/2010/main" xmlns="" w="9525">
                   <a:solidFill>
                     <a:srgbClr val="000000"/>
                   </a:solidFill>
@@ -1336,7 +1336,7 @@
             </a:ln>
             <a:extLst>
               <a:ext uri="{91240B29-F687-4f45-9708-019B960494DF}">
-                <a14:hiddenLine xmlns="" xmlns:a14="http://schemas.microsoft.com/office/drawing/2010/main" w="9525">
+                <a14:hiddenLine xmlns:a14="http://schemas.microsoft.com/office/drawing/2010/main" xmlns="" w="9525">
                   <a:solidFill>
                     <a:srgbClr val="000000"/>
                   </a:solidFill>
@@ -1398,7 +1398,7 @@
             </a:ln>
             <a:extLst>
               <a:ext uri="{91240B29-F687-4f45-9708-019B960494DF}">
-                <a14:hiddenLine xmlns="" xmlns:a14="http://schemas.microsoft.com/office/drawing/2010/main" w="9525">
+                <a14:hiddenLine xmlns:a14="http://schemas.microsoft.com/office/drawing/2010/main" xmlns="" w="9525">
                   <a:solidFill>
                     <a:srgbClr val="000000"/>
                   </a:solidFill>
@@ -1460,7 +1460,7 @@
             </a:ln>
             <a:extLst>
               <a:ext uri="{91240B29-F687-4f45-9708-019B960494DF}">
-                <a14:hiddenLine xmlns="" xmlns:a14="http://schemas.microsoft.com/office/drawing/2010/main" w="9525">
+                <a14:hiddenLine xmlns:a14="http://schemas.microsoft.com/office/drawing/2010/main" xmlns="" w="9525">
                   <a:solidFill>
                     <a:srgbClr val="000000"/>
                   </a:solidFill>
@@ -1550,7 +1550,7 @@
             </a:ln>
             <a:extLst>
               <a:ext uri="{91240B29-F687-4f45-9708-019B960494DF}">
-                <a14:hiddenLine xmlns="" xmlns:a14="http://schemas.microsoft.com/office/drawing/2010/main" w="9525">
+                <a14:hiddenLine xmlns:a14="http://schemas.microsoft.com/office/drawing/2010/main" xmlns="" w="9525">
                   <a:solidFill>
                     <a:srgbClr val="000000"/>
                   </a:solidFill>
@@ -1640,7 +1640,7 @@
             </a:ln>
             <a:extLst>
               <a:ext uri="{91240B29-F687-4f45-9708-019B960494DF}">
-                <a14:hiddenLine xmlns="" xmlns:a14="http://schemas.microsoft.com/office/drawing/2010/main" w="9525">
+                <a14:hiddenLine xmlns:a14="http://schemas.microsoft.com/office/drawing/2010/main" xmlns="" w="9525">
                   <a:solidFill>
                     <a:srgbClr val="000000"/>
                   </a:solidFill>
@@ -1702,7 +1702,7 @@
             </a:ln>
             <a:extLst>
               <a:ext uri="{91240B29-F687-4f45-9708-019B960494DF}">
-                <a14:hiddenLine xmlns="" xmlns:a14="http://schemas.microsoft.com/office/drawing/2010/main" w="9525">
+                <a14:hiddenLine xmlns:a14="http://schemas.microsoft.com/office/drawing/2010/main" xmlns="" w="9525">
                   <a:solidFill>
                     <a:srgbClr val="000000"/>
                   </a:solidFill>
@@ -1812,7 +1812,7 @@
             </a:ln>
             <a:extLst>
               <a:ext uri="{91240B29-F687-4f45-9708-019B960494DF}">
-                <a14:hiddenLine xmlns="" xmlns:a14="http://schemas.microsoft.com/office/drawing/2010/main" w="9525">
+                <a14:hiddenLine xmlns:a14="http://schemas.microsoft.com/office/drawing/2010/main" xmlns="" w="9525">
                   <a:solidFill>
                     <a:srgbClr val="000000"/>
                   </a:solidFill>
@@ -1874,7 +1874,7 @@
             </a:ln>
             <a:extLst>
               <a:ext uri="{91240B29-F687-4f45-9708-019B960494DF}">
-                <a14:hiddenLine xmlns="" xmlns:a14="http://schemas.microsoft.com/office/drawing/2010/main" w="9525">
+                <a14:hiddenLine xmlns:a14="http://schemas.microsoft.com/office/drawing/2010/main" xmlns="" w="9525">
                   <a:solidFill>
                     <a:srgbClr val="000000"/>
                   </a:solidFill>
@@ -1964,7 +1964,7 @@
             </a:ln>
             <a:extLst>
               <a:ext uri="{91240B29-F687-4f45-9708-019B960494DF}">
-                <a14:hiddenLine xmlns="" xmlns:a14="http://schemas.microsoft.com/office/drawing/2010/main" w="9525">
+                <a14:hiddenLine xmlns:a14="http://schemas.microsoft.com/office/drawing/2010/main" xmlns="" w="9525">
                   <a:solidFill>
                     <a:srgbClr val="000000"/>
                   </a:solidFill>
@@ -2054,7 +2054,7 @@
             </a:ln>
             <a:extLst>
               <a:ext uri="{91240B29-F687-4f45-9708-019B960494DF}">
-                <a14:hiddenLine xmlns="" xmlns:a14="http://schemas.microsoft.com/office/drawing/2010/main" w="9525">
+                <a14:hiddenLine xmlns:a14="http://schemas.microsoft.com/office/drawing/2010/main" xmlns="" w="9525">
                   <a:solidFill>
                     <a:srgbClr val="000000"/>
                   </a:solidFill>
@@ -2116,7 +2116,7 @@
             </a:ln>
             <a:extLst>
               <a:ext uri="{91240B29-F687-4f45-9708-019B960494DF}">
-                <a14:hiddenLine xmlns="" xmlns:a14="http://schemas.microsoft.com/office/drawing/2010/main" w="9525">
+                <a14:hiddenLine xmlns:a14="http://schemas.microsoft.com/office/drawing/2010/main" xmlns="" w="9525">
                   <a:solidFill>
                     <a:srgbClr val="000000"/>
                   </a:solidFill>
@@ -2206,7 +2206,7 @@
             </a:ln>
             <a:extLst>
               <a:ext uri="{91240B29-F687-4f45-9708-019B960494DF}">
-                <a14:hiddenLine xmlns="" xmlns:a14="http://schemas.microsoft.com/office/drawing/2010/main" w="9525">
+                <a14:hiddenLine xmlns:a14="http://schemas.microsoft.com/office/drawing/2010/main" xmlns="" w="9525">
                   <a:solidFill>
                     <a:srgbClr val="000000"/>
                   </a:solidFill>
@@ -2296,7 +2296,7 @@
             </a:ln>
             <a:extLst>
               <a:ext uri="{91240B29-F687-4f45-9708-019B960494DF}">
-                <a14:hiddenLine xmlns="" xmlns:a14="http://schemas.microsoft.com/office/drawing/2010/main" w="9525">
+                <a14:hiddenLine xmlns:a14="http://schemas.microsoft.com/office/drawing/2010/main" xmlns="" w="9525">
                   <a:solidFill>
                     <a:srgbClr val="000000"/>
                   </a:solidFill>
@@ -2352,7 +2352,7 @@
             </a:ln>
             <a:extLst>
               <a:ext uri="{91240B29-F687-4f45-9708-019B960494DF}">
-                <a14:hiddenLine xmlns="" xmlns:a14="http://schemas.microsoft.com/office/drawing/2010/main" w="9525">
+                <a14:hiddenLine xmlns:a14="http://schemas.microsoft.com/office/drawing/2010/main" xmlns="" w="9525">
                   <a:solidFill>
                     <a:srgbClr val="000000"/>
                   </a:solidFill>
@@ -2442,7 +2442,7 @@
             </a:ln>
             <a:extLst>
               <a:ext uri="{91240B29-F687-4f45-9708-019B960494DF}">
-                <a14:hiddenLine xmlns="" xmlns:a14="http://schemas.microsoft.com/office/drawing/2010/main" w="9525">
+                <a14:hiddenLine xmlns:a14="http://schemas.microsoft.com/office/drawing/2010/main" xmlns="" w="9525">
                   <a:solidFill>
                     <a:srgbClr val="000000"/>
                   </a:solidFill>
@@ -2498,7 +2498,7 @@
             </a:ln>
             <a:extLst>
               <a:ext uri="{91240B29-F687-4f45-9708-019B960494DF}">
-                <a14:hiddenLine xmlns="" xmlns:a14="http://schemas.microsoft.com/office/drawing/2010/main" w="9525">
+                <a14:hiddenLine xmlns:a14="http://schemas.microsoft.com/office/drawing/2010/main" xmlns="" w="9525">
                   <a:solidFill>
                     <a:srgbClr val="000000"/>
                   </a:solidFill>
@@ -2588,7 +2588,7 @@
             </a:ln>
             <a:extLst>
               <a:ext uri="{91240B29-F687-4f45-9708-019B960494DF}">
-                <a14:hiddenLine xmlns="" xmlns:a14="http://schemas.microsoft.com/office/drawing/2010/main" w="9525">
+                <a14:hiddenLine xmlns:a14="http://schemas.microsoft.com/office/drawing/2010/main" xmlns="" w="9525">
                   <a:solidFill>
                     <a:srgbClr val="000000"/>
                   </a:solidFill>
@@ -2656,7 +2656,7 @@
             </a:ln>
             <a:extLst>
               <a:ext uri="{91240B29-F687-4f45-9708-019B960494DF}">
-                <a14:hiddenLine xmlns="" xmlns:a14="http://schemas.microsoft.com/office/drawing/2010/main" w="9525">
+                <a14:hiddenLine xmlns:a14="http://schemas.microsoft.com/office/drawing/2010/main" xmlns="" w="9525">
                   <a:solidFill>
                     <a:srgbClr val="000000"/>
                   </a:solidFill>
@@ -2746,7 +2746,7 @@
             </a:ln>
             <a:extLst>
               <a:ext uri="{91240B29-F687-4f45-9708-019B960494DF}">
-                <a14:hiddenLine xmlns="" xmlns:a14="http://schemas.microsoft.com/office/drawing/2010/main" w="9525">
+                <a14:hiddenLine xmlns:a14="http://schemas.microsoft.com/office/drawing/2010/main" xmlns="" w="9525">
                   <a:solidFill>
                     <a:srgbClr val="000000"/>
                   </a:solidFill>
@@ -2814,7 +2814,7 @@
             </a:ln>
             <a:extLst>
               <a:ext uri="{91240B29-F687-4f45-9708-019B960494DF}">
-                <a14:hiddenLine xmlns="" xmlns:a14="http://schemas.microsoft.com/office/drawing/2010/main" w="9525">
+                <a14:hiddenLine xmlns:a14="http://schemas.microsoft.com/office/drawing/2010/main" xmlns="" w="9525">
                   <a:solidFill>
                     <a:srgbClr val="000000"/>
                   </a:solidFill>
@@ -2904,7 +2904,7 @@
             </a:ln>
             <a:extLst>
               <a:ext uri="{91240B29-F687-4f45-9708-019B960494DF}">
-                <a14:hiddenLine xmlns="" xmlns:a14="http://schemas.microsoft.com/office/drawing/2010/main" w="9525">
+                <a14:hiddenLine xmlns:a14="http://schemas.microsoft.com/office/drawing/2010/main" xmlns="" w="9525">
                   <a:solidFill>
                     <a:srgbClr val="000000"/>
                   </a:solidFill>
@@ -2938,7 +2938,7 @@
             </a:ln>
             <a:extLst>
               <a:ext uri="{91240B29-F687-4f45-9708-019B960494DF}">
-                <a14:hiddenLine xmlns="" xmlns:a14="http://schemas.microsoft.com/office/drawing/2010/main" w="9525">
+                <a14:hiddenLine xmlns:a14="http://schemas.microsoft.com/office/drawing/2010/main" xmlns="" w="9525">
                   <a:solidFill>
                     <a:srgbClr val="000000"/>
                   </a:solidFill>
@@ -3028,7 +3028,7 @@
             </a:ln>
             <a:extLst>
               <a:ext uri="{91240B29-F687-4f45-9708-019B960494DF}">
-                <a14:hiddenLine xmlns="" xmlns:a14="http://schemas.microsoft.com/office/drawing/2010/main" w="9525">
+                <a14:hiddenLine xmlns:a14="http://schemas.microsoft.com/office/drawing/2010/main" xmlns="" w="9525">
                   <a:solidFill>
                     <a:srgbClr val="000000"/>
                   </a:solidFill>
@@ -3090,7 +3090,7 @@
             </a:ln>
             <a:extLst>
               <a:ext uri="{91240B29-F687-4f45-9708-019B960494DF}">
-                <a14:hiddenLine xmlns="" xmlns:a14="http://schemas.microsoft.com/office/drawing/2010/main" w="9525">
+                <a14:hiddenLine xmlns:a14="http://schemas.microsoft.com/office/drawing/2010/main" xmlns="" w="9525">
                   <a:solidFill>
                     <a:srgbClr val="000000"/>
                   </a:solidFill>
@@ -3152,7 +3152,7 @@
             </a:ln>
             <a:extLst>
               <a:ext uri="{91240B29-F687-4f45-9708-019B960494DF}">
-                <a14:hiddenLine xmlns="" xmlns:a14="http://schemas.microsoft.com/office/drawing/2010/main" w="9525">
+                <a14:hiddenLine xmlns:a14="http://schemas.microsoft.com/office/drawing/2010/main" xmlns="" w="9525">
                   <a:solidFill>
                     <a:srgbClr val="000000"/>
                   </a:solidFill>
@@ -3242,7 +3242,7 @@
             </a:ln>
             <a:extLst>
               <a:ext uri="{91240B29-F687-4f45-9708-019B960494DF}">
-                <a14:hiddenLine xmlns="" xmlns:a14="http://schemas.microsoft.com/office/drawing/2010/main" w="9525">
+                <a14:hiddenLine xmlns:a14="http://schemas.microsoft.com/office/drawing/2010/main" xmlns="" w="9525">
                   <a:solidFill>
                     <a:srgbClr val="000000"/>
                   </a:solidFill>
@@ -3310,7 +3310,7 @@
             </a:ln>
             <a:extLst>
               <a:ext uri="{91240B29-F687-4f45-9708-019B960494DF}">
-                <a14:hiddenLine xmlns="" xmlns:a14="http://schemas.microsoft.com/office/drawing/2010/main" w="9525">
+                <a14:hiddenLine xmlns:a14="http://schemas.microsoft.com/office/drawing/2010/main" xmlns="" w="9525">
                   <a:solidFill>
                     <a:srgbClr val="000000"/>
                   </a:solidFill>
@@ -3372,7 +3372,7 @@
             </a:ln>
             <a:extLst>
               <a:ext uri="{91240B29-F687-4f45-9708-019B960494DF}">
-                <a14:hiddenLine xmlns="" xmlns:a14="http://schemas.microsoft.com/office/drawing/2010/main" w="9525">
+                <a14:hiddenLine xmlns:a14="http://schemas.microsoft.com/office/drawing/2010/main" xmlns="" w="9525">
                   <a:solidFill>
                     <a:srgbClr val="000000"/>
                   </a:solidFill>
@@ -3462,7 +3462,7 @@
             </a:ln>
             <a:extLst>
               <a:ext uri="{91240B29-F687-4f45-9708-019B960494DF}">
-                <a14:hiddenLine xmlns="" xmlns:a14="http://schemas.microsoft.com/office/drawing/2010/main" w="9525">
+                <a14:hiddenLine xmlns:a14="http://schemas.microsoft.com/office/drawing/2010/main" xmlns="" w="9525">
                   <a:solidFill>
                     <a:srgbClr val="000000"/>
                   </a:solidFill>
@@ -3524,7 +3524,7 @@
             </a:ln>
             <a:extLst>
               <a:ext uri="{91240B29-F687-4f45-9708-019B960494DF}">
-                <a14:hiddenLine xmlns="" xmlns:a14="http://schemas.microsoft.com/office/drawing/2010/main" w="9525">
+                <a14:hiddenLine xmlns:a14="http://schemas.microsoft.com/office/drawing/2010/main" xmlns="" w="9525">
                   <a:solidFill>
                     <a:srgbClr val="000000"/>
                   </a:solidFill>
@@ -3614,7 +3614,7 @@
             </a:ln>
             <a:extLst>
               <a:ext uri="{91240B29-F687-4f45-9708-019B960494DF}">
-                <a14:hiddenLine xmlns="" xmlns:a14="http://schemas.microsoft.com/office/drawing/2010/main" w="9525">
+                <a14:hiddenLine xmlns:a14="http://schemas.microsoft.com/office/drawing/2010/main" xmlns="" w="9525">
                   <a:solidFill>
                     <a:srgbClr val="000000"/>
                   </a:solidFill>
@@ -3676,7 +3676,7 @@
             </a:ln>
             <a:extLst>
               <a:ext uri="{91240B29-F687-4f45-9708-019B960494DF}">
-                <a14:hiddenLine xmlns="" xmlns:a14="http://schemas.microsoft.com/office/drawing/2010/main" w="9525">
+                <a14:hiddenLine xmlns:a14="http://schemas.microsoft.com/office/drawing/2010/main" xmlns="" w="9525">
                   <a:solidFill>
                     <a:srgbClr val="000000"/>
                   </a:solidFill>
@@ -3766,7 +3766,7 @@
             </a:ln>
             <a:extLst>
               <a:ext uri="{91240B29-F687-4f45-9708-019B960494DF}">
-                <a14:hiddenLine xmlns="" xmlns:a14="http://schemas.microsoft.com/office/drawing/2010/main" w="9525">
+                <a14:hiddenLine xmlns:a14="http://schemas.microsoft.com/office/drawing/2010/main" xmlns="" w="9525">
                   <a:solidFill>
                     <a:srgbClr val="000000"/>
                   </a:solidFill>
@@ -3800,7 +3800,7 @@
             </a:ln>
             <a:extLst>
               <a:ext uri="{91240B29-F687-4f45-9708-019B960494DF}">
-                <a14:hiddenLine xmlns="" xmlns:a14="http://schemas.microsoft.com/office/drawing/2010/main" w="9525">
+                <a14:hiddenLine xmlns:a14="http://schemas.microsoft.com/office/drawing/2010/main" xmlns="" w="9525">
                   <a:solidFill>
                     <a:srgbClr val="000000"/>
                   </a:solidFill>
@@ -3865,7 +3865,7 @@
             </a:ln>
             <a:extLst>
               <a:ext uri="{91240B29-F687-4f45-9708-019B960494DF}">
-                <a14:hiddenLine xmlns="" xmlns:a14="http://schemas.microsoft.com/office/drawing/2010/main" w="9525">
+                <a14:hiddenLine xmlns:a14="http://schemas.microsoft.com/office/drawing/2010/main" xmlns="" w="9525">
                   <a:solidFill>
                     <a:srgbClr val="000000"/>
                   </a:solidFill>
@@ -3955,7 +3955,7 @@
             </a:ln>
             <a:extLst>
               <a:ext uri="{91240B29-F687-4f45-9708-019B960494DF}">
-                <a14:hiddenLine xmlns="" xmlns:a14="http://schemas.microsoft.com/office/drawing/2010/main" w="9525">
+                <a14:hiddenLine xmlns:a14="http://schemas.microsoft.com/office/drawing/2010/main" xmlns="" w="9525">
                   <a:solidFill>
                     <a:srgbClr val="000000"/>
                   </a:solidFill>
@@ -4017,7 +4017,7 @@
             </a:ln>
             <a:extLst>
               <a:ext uri="{91240B29-F687-4f45-9708-019B960494DF}">
-                <a14:hiddenLine xmlns="" xmlns:a14="http://schemas.microsoft.com/office/drawing/2010/main" w="9525">
+                <a14:hiddenLine xmlns:a14="http://schemas.microsoft.com/office/drawing/2010/main" xmlns="" w="9525">
                   <a:solidFill>
                     <a:srgbClr val="000000"/>
                   </a:solidFill>
@@ -4107,7 +4107,7 @@
             </a:ln>
             <a:extLst>
               <a:ext uri="{91240B29-F687-4f45-9708-019B960494DF}">
-                <a14:hiddenLine xmlns="" xmlns:a14="http://schemas.microsoft.com/office/drawing/2010/main" w="9525">
+                <a14:hiddenLine xmlns:a14="http://schemas.microsoft.com/office/drawing/2010/main" xmlns="" w="9525">
                   <a:solidFill>
                     <a:srgbClr val="000000"/>
                   </a:solidFill>
@@ -4197,7 +4197,7 @@
             </a:ln>
             <a:extLst>
               <a:ext uri="{91240B29-F687-4f45-9708-019B960494DF}">
-                <a14:hiddenLine xmlns="" xmlns:a14="http://schemas.microsoft.com/office/drawing/2010/main" w="9525">
+                <a14:hiddenLine xmlns:a14="http://schemas.microsoft.com/office/drawing/2010/main" xmlns="" w="9525">
                   <a:solidFill>
                     <a:srgbClr val="000000"/>
                   </a:solidFill>
@@ -4262,7 +4262,7 @@
             </a:ln>
             <a:extLst>
               <a:ext uri="{91240B29-F687-4f45-9708-019B960494DF}">
-                <a14:hiddenLine xmlns="" xmlns:a14="http://schemas.microsoft.com/office/drawing/2010/main" w="9525">
+                <a14:hiddenLine xmlns:a14="http://schemas.microsoft.com/office/drawing/2010/main" xmlns="" w="9525">
                   <a:solidFill>
                     <a:srgbClr val="000000"/>
                   </a:solidFill>
@@ -4324,7 +4324,7 @@
             </a:ln>
             <a:extLst>
               <a:ext uri="{91240B29-F687-4f45-9708-019B960494DF}">
-                <a14:hiddenLine xmlns="" xmlns:a14="http://schemas.microsoft.com/office/drawing/2010/main" w="9525">
+                <a14:hiddenLine xmlns:a14="http://schemas.microsoft.com/office/drawing/2010/main" xmlns="" w="9525">
                   <a:solidFill>
                     <a:srgbClr val="000000"/>
                   </a:solidFill>
@@ -4414,7 +4414,7 @@
             </a:ln>
             <a:extLst>
               <a:ext uri="{91240B29-F687-4f45-9708-019B960494DF}">
-                <a14:hiddenLine xmlns="" xmlns:a14="http://schemas.microsoft.com/office/drawing/2010/main" w="9525">
+                <a14:hiddenLine xmlns:a14="http://schemas.microsoft.com/office/drawing/2010/main" xmlns="" w="9525">
                   <a:solidFill>
                     <a:srgbClr val="000000"/>
                   </a:solidFill>
@@ -4504,7 +4504,7 @@
             </a:ln>
             <a:extLst>
               <a:ext uri="{91240B29-F687-4f45-9708-019B960494DF}">
-                <a14:hiddenLine xmlns="" xmlns:a14="http://schemas.microsoft.com/office/drawing/2010/main" w="9525">
+                <a14:hiddenLine xmlns:a14="http://schemas.microsoft.com/office/drawing/2010/main" xmlns="" w="9525">
                   <a:solidFill>
                     <a:srgbClr val="000000"/>
                   </a:solidFill>
@@ -4566,7 +4566,7 @@
             </a:ln>
             <a:extLst>
               <a:ext uri="{91240B29-F687-4f45-9708-019B960494DF}">
-                <a14:hiddenLine xmlns="" xmlns:a14="http://schemas.microsoft.com/office/drawing/2010/main" w="9525">
+                <a14:hiddenLine xmlns:a14="http://schemas.microsoft.com/office/drawing/2010/main" xmlns="" w="9525">
                   <a:solidFill>
                     <a:srgbClr val="000000"/>
                   </a:solidFill>
@@ -4686,7 +4686,7 @@
             </a:ln>
             <a:extLst>
               <a:ext uri="{91240B29-F687-4f45-9708-019B960494DF}">
-                <a14:hiddenLine xmlns="" xmlns:a14="http://schemas.microsoft.com/office/drawing/2010/main" w="9525">
+                <a14:hiddenLine xmlns:a14="http://schemas.microsoft.com/office/drawing/2010/main" xmlns="" w="9525">
                   <a:solidFill>
                     <a:srgbClr val="000000"/>
                   </a:solidFill>
@@ -4754,7 +4754,7 @@
             </a:ln>
             <a:extLst>
               <a:ext uri="{91240B29-F687-4f45-9708-019B960494DF}">
-                <a14:hiddenLine xmlns="" xmlns:a14="http://schemas.microsoft.com/office/drawing/2010/main" w="9525">
+                <a14:hiddenLine xmlns:a14="http://schemas.microsoft.com/office/drawing/2010/main" xmlns="" w="9525">
                   <a:solidFill>
                     <a:srgbClr val="000000"/>
                   </a:solidFill>
@@ -4844,7 +4844,7 @@
             </a:ln>
             <a:extLst>
               <a:ext uri="{91240B29-F687-4f45-9708-019B960494DF}">
-                <a14:hiddenLine xmlns="" xmlns:a14="http://schemas.microsoft.com/office/drawing/2010/main" w="9525">
+                <a14:hiddenLine xmlns:a14="http://schemas.microsoft.com/office/drawing/2010/main" xmlns="" w="9525">
                   <a:solidFill>
                     <a:srgbClr val="000000"/>
                   </a:solidFill>
@@ -9651,7 +9651,7 @@
           <a:noFill/>
           <a:extLst>
             <a:ext uri="{909E8E84-426E-40dd-AFC4-6F175D3DCCD1}">
-              <a14:hiddenFill xmlns="" xmlns:a14="http://schemas.microsoft.com/office/drawing/2010/main">
+              <a14:hiddenFill xmlns:a14="http://schemas.microsoft.com/office/drawing/2010/main" xmlns="">
                 <a:solidFill>
                   <a:srgbClr val="FFFFFF"/>
                 </a:solidFill>
@@ -9725,7 +9725,7 @@
               </a:ln>
               <a:extLst>
                 <a:ext uri="{91240B29-F687-4f45-9708-019B960494DF}">
-                  <a14:hiddenLine xmlns="" xmlns:a14="http://schemas.microsoft.com/office/drawing/2010/main" w="9525">
+                  <a14:hiddenLine xmlns:a14="http://schemas.microsoft.com/office/drawing/2010/main" xmlns="" w="9525">
                     <a:solidFill>
                       <a:srgbClr val="000000"/>
                     </a:solidFill>
@@ -9815,7 +9815,7 @@
               </a:ln>
               <a:extLst>
                 <a:ext uri="{91240B29-F687-4f45-9708-019B960494DF}">
-                  <a14:hiddenLine xmlns="" xmlns:a14="http://schemas.microsoft.com/office/drawing/2010/main" w="9525">
+                  <a14:hiddenLine xmlns:a14="http://schemas.microsoft.com/office/drawing/2010/main" xmlns="" w="9525">
                     <a:solidFill>
                       <a:srgbClr val="000000"/>
                     </a:solidFill>
@@ -9905,7 +9905,7 @@
               </a:ln>
               <a:extLst>
                 <a:ext uri="{91240B29-F687-4f45-9708-019B960494DF}">
-                  <a14:hiddenLine xmlns="" xmlns:a14="http://schemas.microsoft.com/office/drawing/2010/main" w="9525">
+                  <a14:hiddenLine xmlns:a14="http://schemas.microsoft.com/office/drawing/2010/main" xmlns="" w="9525">
                     <a:solidFill>
                       <a:srgbClr val="000000"/>
                     </a:solidFill>
@@ -9967,7 +9967,7 @@
               </a:ln>
               <a:extLst>
                 <a:ext uri="{91240B29-F687-4f45-9708-019B960494DF}">
-                  <a14:hiddenLine xmlns="" xmlns:a14="http://schemas.microsoft.com/office/drawing/2010/main" w="9525">
+                  <a14:hiddenLine xmlns:a14="http://schemas.microsoft.com/office/drawing/2010/main" xmlns="" w="9525">
                     <a:solidFill>
                       <a:srgbClr val="000000"/>
                     </a:solidFill>
@@ -10057,7 +10057,7 @@
               </a:ln>
               <a:extLst>
                 <a:ext uri="{91240B29-F687-4f45-9708-019B960494DF}">
-                  <a14:hiddenLine xmlns="" xmlns:a14="http://schemas.microsoft.com/office/drawing/2010/main" w="9525">
+                  <a14:hiddenLine xmlns:a14="http://schemas.microsoft.com/office/drawing/2010/main" xmlns="" w="9525">
                     <a:solidFill>
                       <a:srgbClr val="000000"/>
                     </a:solidFill>
@@ -10119,7 +10119,7 @@
               </a:ln>
               <a:extLst>
                 <a:ext uri="{91240B29-F687-4f45-9708-019B960494DF}">
-                  <a14:hiddenLine xmlns="" xmlns:a14="http://schemas.microsoft.com/office/drawing/2010/main" w="9525">
+                  <a14:hiddenLine xmlns:a14="http://schemas.microsoft.com/office/drawing/2010/main" xmlns="" w="9525">
                     <a:solidFill>
                       <a:srgbClr val="000000"/>
                     </a:solidFill>
@@ -10181,7 +10181,7 @@
               </a:ln>
               <a:extLst>
                 <a:ext uri="{91240B29-F687-4f45-9708-019B960494DF}">
-                  <a14:hiddenLine xmlns="" xmlns:a14="http://schemas.microsoft.com/office/drawing/2010/main" w="9525">
+                  <a14:hiddenLine xmlns:a14="http://schemas.microsoft.com/office/drawing/2010/main" xmlns="" w="9525">
                     <a:solidFill>
                       <a:srgbClr val="000000"/>
                     </a:solidFill>
@@ -10271,7 +10271,7 @@
               </a:ln>
               <a:extLst>
                 <a:ext uri="{91240B29-F687-4f45-9708-019B960494DF}">
-                  <a14:hiddenLine xmlns="" xmlns:a14="http://schemas.microsoft.com/office/drawing/2010/main" w="9525">
+                  <a14:hiddenLine xmlns:a14="http://schemas.microsoft.com/office/drawing/2010/main" xmlns="" w="9525">
                     <a:solidFill>
                       <a:srgbClr val="000000"/>
                     </a:solidFill>
@@ -10361,7 +10361,7 @@
               </a:ln>
               <a:extLst>
                 <a:ext uri="{91240B29-F687-4f45-9708-019B960494DF}">
-                  <a14:hiddenLine xmlns="" xmlns:a14="http://schemas.microsoft.com/office/drawing/2010/main" w="9525">
+                  <a14:hiddenLine xmlns:a14="http://schemas.microsoft.com/office/drawing/2010/main" xmlns="" w="9525">
                     <a:solidFill>
                       <a:srgbClr val="000000"/>
                     </a:solidFill>
@@ -10423,7 +10423,7 @@
               </a:ln>
               <a:extLst>
                 <a:ext uri="{91240B29-F687-4f45-9708-019B960494DF}">
-                  <a14:hiddenLine xmlns="" xmlns:a14="http://schemas.microsoft.com/office/drawing/2010/main" w="9525">
+                  <a14:hiddenLine xmlns:a14="http://schemas.microsoft.com/office/drawing/2010/main" xmlns="" w="9525">
                     <a:solidFill>
                       <a:srgbClr val="000000"/>
                     </a:solidFill>
@@ -10533,7 +10533,7 @@
               </a:ln>
               <a:extLst>
                 <a:ext uri="{91240B29-F687-4f45-9708-019B960494DF}">
-                  <a14:hiddenLine xmlns="" xmlns:a14="http://schemas.microsoft.com/office/drawing/2010/main" w="9525">
+                  <a14:hiddenLine xmlns:a14="http://schemas.microsoft.com/office/drawing/2010/main" xmlns="" w="9525">
                     <a:solidFill>
                       <a:srgbClr val="000000"/>
                     </a:solidFill>
@@ -10617,7 +10617,7 @@
               </a:ln>
               <a:extLst>
                 <a:ext uri="{91240B29-F687-4f45-9708-019B960494DF}">
-                  <a14:hiddenLine xmlns="" xmlns:a14="http://schemas.microsoft.com/office/drawing/2010/main" w="9525">
+                  <a14:hiddenLine xmlns:a14="http://schemas.microsoft.com/office/drawing/2010/main" xmlns="" w="9525">
                     <a:solidFill>
                       <a:srgbClr val="000000"/>
                     </a:solidFill>
@@ -10679,7 +10679,7 @@
               </a:ln>
               <a:extLst>
                 <a:ext uri="{91240B29-F687-4f45-9708-019B960494DF}">
-                  <a14:hiddenLine xmlns="" xmlns:a14="http://schemas.microsoft.com/office/drawing/2010/main" w="9525">
+                  <a14:hiddenLine xmlns:a14="http://schemas.microsoft.com/office/drawing/2010/main" xmlns="" w="9525">
                     <a:solidFill>
                       <a:srgbClr val="000000"/>
                     </a:solidFill>
@@ -10741,7 +10741,7 @@
               </a:ln>
               <a:extLst>
                 <a:ext uri="{91240B29-F687-4f45-9708-019B960494DF}">
-                  <a14:hiddenLine xmlns="" xmlns:a14="http://schemas.microsoft.com/office/drawing/2010/main" w="9525">
+                  <a14:hiddenLine xmlns:a14="http://schemas.microsoft.com/office/drawing/2010/main" xmlns="" w="9525">
                     <a:solidFill>
                       <a:srgbClr val="000000"/>
                     </a:solidFill>
@@ -10831,7 +10831,7 @@
               </a:ln>
               <a:extLst>
                 <a:ext uri="{91240B29-F687-4f45-9708-019B960494DF}">
-                  <a14:hiddenLine xmlns="" xmlns:a14="http://schemas.microsoft.com/office/drawing/2010/main" w="9525">
+                  <a14:hiddenLine xmlns:a14="http://schemas.microsoft.com/office/drawing/2010/main" xmlns="" w="9525">
                     <a:solidFill>
                       <a:srgbClr val="000000"/>
                     </a:solidFill>
@@ -10865,7 +10865,7 @@
               </a:ln>
               <a:extLst>
                 <a:ext uri="{91240B29-F687-4f45-9708-019B960494DF}">
-                  <a14:hiddenLine xmlns="" xmlns:a14="http://schemas.microsoft.com/office/drawing/2010/main" w="9525">
+                  <a14:hiddenLine xmlns:a14="http://schemas.microsoft.com/office/drawing/2010/main" xmlns="" w="9525">
                     <a:solidFill>
                       <a:srgbClr val="000000"/>
                     </a:solidFill>
@@ -10930,7 +10930,7 @@
               </a:ln>
               <a:extLst>
                 <a:ext uri="{91240B29-F687-4f45-9708-019B960494DF}">
-                  <a14:hiddenLine xmlns="" xmlns:a14="http://schemas.microsoft.com/office/drawing/2010/main" w="9525">
+                  <a14:hiddenLine xmlns:a14="http://schemas.microsoft.com/office/drawing/2010/main" xmlns="" w="9525">
                     <a:solidFill>
                       <a:srgbClr val="000000"/>
                     </a:solidFill>
@@ -11020,7 +11020,7 @@
               </a:ln>
               <a:extLst>
                 <a:ext uri="{91240B29-F687-4f45-9708-019B960494DF}">
-                  <a14:hiddenLine xmlns="" xmlns:a14="http://schemas.microsoft.com/office/drawing/2010/main" w="9525">
+                  <a14:hiddenLine xmlns:a14="http://schemas.microsoft.com/office/drawing/2010/main" xmlns="" w="9525">
                     <a:solidFill>
                       <a:srgbClr val="000000"/>
                     </a:solidFill>
@@ -11082,7 +11082,7 @@
               </a:ln>
               <a:extLst>
                 <a:ext uri="{91240B29-F687-4f45-9708-019B960494DF}">
-                  <a14:hiddenLine xmlns="" xmlns:a14="http://schemas.microsoft.com/office/drawing/2010/main" w="9525">
+                  <a14:hiddenLine xmlns:a14="http://schemas.microsoft.com/office/drawing/2010/main" xmlns="" w="9525">
                     <a:solidFill>
                       <a:srgbClr val="000000"/>
                     </a:solidFill>
@@ -11172,7 +11172,7 @@
               </a:ln>
               <a:extLst>
                 <a:ext uri="{91240B29-F687-4f45-9708-019B960494DF}">
-                  <a14:hiddenLine xmlns="" xmlns:a14="http://schemas.microsoft.com/office/drawing/2010/main" w="9525">
+                  <a14:hiddenLine xmlns:a14="http://schemas.microsoft.com/office/drawing/2010/main" xmlns="" w="9525">
                     <a:solidFill>
                       <a:srgbClr val="000000"/>
                     </a:solidFill>
@@ -11237,7 +11237,7 @@
               </a:ln>
               <a:extLst>
                 <a:ext uri="{91240B29-F687-4f45-9708-019B960494DF}">
-                  <a14:hiddenLine xmlns="" xmlns:a14="http://schemas.microsoft.com/office/drawing/2010/main" w="9525">
+                  <a14:hiddenLine xmlns:a14="http://schemas.microsoft.com/office/drawing/2010/main" xmlns="" w="9525">
                     <a:solidFill>
                       <a:srgbClr val="000000"/>
                     </a:solidFill>
@@ -11299,7 +11299,7 @@
               </a:ln>
               <a:extLst>
                 <a:ext uri="{91240B29-F687-4f45-9708-019B960494DF}">
-                  <a14:hiddenLine xmlns="" xmlns:a14="http://schemas.microsoft.com/office/drawing/2010/main" w="9525">
+                  <a14:hiddenLine xmlns:a14="http://schemas.microsoft.com/office/drawing/2010/main" xmlns="" w="9525">
                     <a:solidFill>
                       <a:srgbClr val="000000"/>
                     </a:solidFill>
@@ -11389,7 +11389,7 @@
               </a:ln>
               <a:extLst>
                 <a:ext uri="{91240B29-F687-4f45-9708-019B960494DF}">
-                  <a14:hiddenLine xmlns="" xmlns:a14="http://schemas.microsoft.com/office/drawing/2010/main" w="9525">
+                  <a14:hiddenLine xmlns:a14="http://schemas.microsoft.com/office/drawing/2010/main" xmlns="" w="9525">
                     <a:solidFill>
                       <a:srgbClr val="000000"/>
                     </a:solidFill>
@@ -11479,7 +11479,7 @@
               </a:ln>
               <a:extLst>
                 <a:ext uri="{91240B29-F687-4f45-9708-019B960494DF}">
-                  <a14:hiddenLine xmlns="" xmlns:a14="http://schemas.microsoft.com/office/drawing/2010/main" w="9525">
+                  <a14:hiddenLine xmlns:a14="http://schemas.microsoft.com/office/drawing/2010/main" xmlns="" w="9525">
                     <a:solidFill>
                       <a:srgbClr val="000000"/>
                     </a:solidFill>
@@ -11544,7 +11544,7 @@
               </a:ln>
               <a:extLst>
                 <a:ext uri="{91240B29-F687-4f45-9708-019B960494DF}">
-                  <a14:hiddenLine xmlns="" xmlns:a14="http://schemas.microsoft.com/office/drawing/2010/main" w="9525">
+                  <a14:hiddenLine xmlns:a14="http://schemas.microsoft.com/office/drawing/2010/main" xmlns="" w="9525">
                     <a:solidFill>
                       <a:srgbClr val="000000"/>
                     </a:solidFill>
@@ -11664,7 +11664,7 @@
               </a:ln>
               <a:extLst>
                 <a:ext uri="{91240B29-F687-4f45-9708-019B960494DF}">
-                  <a14:hiddenLine xmlns="" xmlns:a14="http://schemas.microsoft.com/office/drawing/2010/main" w="9525">
+                  <a14:hiddenLine xmlns:a14="http://schemas.microsoft.com/office/drawing/2010/main" xmlns="" w="9525">
                     <a:solidFill>
                       <a:srgbClr val="000000"/>
                     </a:solidFill>
@@ -11762,7 +11762,7 @@
               </a:ln>
               <a:extLst>
                 <a:ext uri="{91240B29-F687-4f45-9708-019B960494DF}">
-                  <a14:hiddenLine xmlns="" xmlns:a14="http://schemas.microsoft.com/office/drawing/2010/main" w="9525">
+                  <a14:hiddenLine xmlns:a14="http://schemas.microsoft.com/office/drawing/2010/main" xmlns="" w="9525">
                     <a:solidFill>
                       <a:srgbClr val="000000"/>
                     </a:solidFill>
@@ -11877,7 +11877,7 @@
               </a:ln>
               <a:extLst>
                 <a:ext uri="{91240B29-F687-4f45-9708-019B960494DF}">
-                  <a14:hiddenLine xmlns="" xmlns:a14="http://schemas.microsoft.com/office/drawing/2010/main" w="9525">
+                  <a14:hiddenLine xmlns:a14="http://schemas.microsoft.com/office/drawing/2010/main" xmlns="" w="9525">
                     <a:solidFill>
                       <a:srgbClr val="000000"/>
                     </a:solidFill>
@@ -11967,7 +11967,7 @@
               </a:ln>
               <a:extLst>
                 <a:ext uri="{91240B29-F687-4f45-9708-019B960494DF}">
-                  <a14:hiddenLine xmlns="" xmlns:a14="http://schemas.microsoft.com/office/drawing/2010/main" w="9525">
+                  <a14:hiddenLine xmlns:a14="http://schemas.microsoft.com/office/drawing/2010/main" xmlns="" w="9525">
                     <a:solidFill>
                       <a:srgbClr val="000000"/>
                     </a:solidFill>
@@ -12032,7 +12032,7 @@
               </a:ln>
               <a:extLst>
                 <a:ext uri="{91240B29-F687-4f45-9708-019B960494DF}">
-                  <a14:hiddenLine xmlns="" xmlns:a14="http://schemas.microsoft.com/office/drawing/2010/main" w="9525">
+                  <a14:hiddenLine xmlns:a14="http://schemas.microsoft.com/office/drawing/2010/main" xmlns="" w="9525">
                     <a:solidFill>
                       <a:srgbClr val="000000"/>
                     </a:solidFill>
@@ -12122,7 +12122,7 @@
               </a:ln>
               <a:extLst>
                 <a:ext uri="{91240B29-F687-4f45-9708-019B960494DF}">
-                  <a14:hiddenLine xmlns="" xmlns:a14="http://schemas.microsoft.com/office/drawing/2010/main" w="9525">
+                  <a14:hiddenLine xmlns:a14="http://schemas.microsoft.com/office/drawing/2010/main" xmlns="" w="9525">
                     <a:solidFill>
                       <a:srgbClr val="000000"/>
                     </a:solidFill>
@@ -12190,7 +12190,7 @@
               </a:ln>
               <a:extLst>
                 <a:ext uri="{91240B29-F687-4f45-9708-019B960494DF}">
-                  <a14:hiddenLine xmlns="" xmlns:a14="http://schemas.microsoft.com/office/drawing/2010/main" w="9525">
+                  <a14:hiddenLine xmlns:a14="http://schemas.microsoft.com/office/drawing/2010/main" xmlns="" w="9525">
                     <a:solidFill>
                       <a:srgbClr val="000000"/>
                     </a:solidFill>
@@ -12280,7 +12280,7 @@
               </a:ln>
               <a:extLst>
                 <a:ext uri="{91240B29-F687-4f45-9708-019B960494DF}">
-                  <a14:hiddenLine xmlns="" xmlns:a14="http://schemas.microsoft.com/office/drawing/2010/main" w="9525">
+                  <a14:hiddenLine xmlns:a14="http://schemas.microsoft.com/office/drawing/2010/main" xmlns="" w="9525">
                     <a:solidFill>
                       <a:srgbClr val="000000"/>
                     </a:solidFill>
@@ -12348,7 +12348,7 @@
               </a:ln>
               <a:extLst>
                 <a:ext uri="{91240B29-F687-4f45-9708-019B960494DF}">
-                  <a14:hiddenLine xmlns="" xmlns:a14="http://schemas.microsoft.com/office/drawing/2010/main" w="9525">
+                  <a14:hiddenLine xmlns:a14="http://schemas.microsoft.com/office/drawing/2010/main" xmlns="" w="9525">
                     <a:solidFill>
                       <a:srgbClr val="000000"/>
                     </a:solidFill>
@@ -12438,7 +12438,7 @@
               </a:ln>
               <a:extLst>
                 <a:ext uri="{91240B29-F687-4f45-9708-019B960494DF}">
-                  <a14:hiddenLine xmlns="" xmlns:a14="http://schemas.microsoft.com/office/drawing/2010/main" w="9525">
+                  <a14:hiddenLine xmlns:a14="http://schemas.microsoft.com/office/drawing/2010/main" xmlns="" w="9525">
                     <a:solidFill>
                       <a:srgbClr val="000000"/>
                     </a:solidFill>
@@ -12472,7 +12472,7 @@
               </a:ln>
               <a:extLst>
                 <a:ext uri="{91240B29-F687-4f45-9708-019B960494DF}">
-                  <a14:hiddenLine xmlns="" xmlns:a14="http://schemas.microsoft.com/office/drawing/2010/main" w="9525">
+                  <a14:hiddenLine xmlns:a14="http://schemas.microsoft.com/office/drawing/2010/main" xmlns="" w="9525">
                     <a:solidFill>
                       <a:srgbClr val="000000"/>
                     </a:solidFill>
@@ -14342,7 +14342,7 @@
             </a:pPr>
             <a:r>
               <a:rPr lang="fr-FR" dirty="0"/>
-              <a:t>Erreurs de frappes</a:t>
+              <a:t>Mise en relation des DNS</a:t>
             </a:r>
           </a:p>
           <a:p>
